--- a/gradient-boosting/reports/House prices.pptx
+++ b/gradient-boosting/reports/House prices.pptx
@@ -5,26 +5,28 @@
     <p:sldMasterId id="2147483660" r:id="rId1"/>
   </p:sldMasterIdLst>
   <p:notesMasterIdLst>
-    <p:notesMasterId r:id="rId16"/>
+    <p:notesMasterId r:id="rId18"/>
   </p:notesMasterIdLst>
   <p:handoutMasterIdLst>
-    <p:handoutMasterId r:id="rId17"/>
+    <p:handoutMasterId r:id="rId19"/>
   </p:handoutMasterIdLst>
   <p:sldIdLst>
     <p:sldId id="256" r:id="rId2"/>
-    <p:sldId id="257" r:id="rId3"/>
-    <p:sldId id="282" r:id="rId4"/>
-    <p:sldId id="285" r:id="rId5"/>
-    <p:sldId id="286" r:id="rId6"/>
-    <p:sldId id="284" r:id="rId7"/>
-    <p:sldId id="283" r:id="rId8"/>
-    <p:sldId id="287" r:id="rId9"/>
-    <p:sldId id="288" r:id="rId10"/>
-    <p:sldId id="289" r:id="rId11"/>
-    <p:sldId id="292" r:id="rId12"/>
-    <p:sldId id="290" r:id="rId13"/>
-    <p:sldId id="291" r:id="rId14"/>
-    <p:sldId id="293" r:id="rId15"/>
+    <p:sldId id="291" r:id="rId3"/>
+    <p:sldId id="290" r:id="rId4"/>
+    <p:sldId id="282" r:id="rId5"/>
+    <p:sldId id="257" r:id="rId6"/>
+    <p:sldId id="285" r:id="rId7"/>
+    <p:sldId id="286" r:id="rId8"/>
+    <p:sldId id="284" r:id="rId9"/>
+    <p:sldId id="283" r:id="rId10"/>
+    <p:sldId id="287" r:id="rId11"/>
+    <p:sldId id="289" r:id="rId12"/>
+    <p:sldId id="292" r:id="rId13"/>
+    <p:sldId id="294" r:id="rId14"/>
+    <p:sldId id="295" r:id="rId15"/>
+    <p:sldId id="296" r:id="rId16"/>
+    <p:sldId id="293" r:id="rId17"/>
   </p:sldIdLst>
   <p:sldSz cx="9144000" cy="5143500" type="screen16x9"/>
   <p:notesSz cx="6858000" cy="9144000"/>
@@ -263,12 +265,14 @@
         <p14:section name="Раздел по умолчанию" id="{DEB96F55-C7DE-4CF8-B6DD-F2C27E418559}">
           <p14:sldIdLst>
             <p14:sldId id="256"/>
-            <p14:sldId id="257"/>
+            <p14:sldId id="291"/>
+            <p14:sldId id="290"/>
+            <p14:sldId id="282"/>
           </p14:sldIdLst>
         </p14:section>
         <p14:section name="Соревнование" id="{51F94873-1E4A-4006-9452-D7528BBFAC67}">
           <p14:sldIdLst>
-            <p14:sldId id="282"/>
+            <p14:sldId id="257"/>
           </p14:sldIdLst>
         </p14:section>
         <p14:section name="EDA" id="{DAA52EE0-FA6B-4FF8-84E2-01340EEF0DCC}">
@@ -278,30 +282,30 @@
             <p14:sldId id="284"/>
             <p14:sldId id="283"/>
             <p14:sldId id="287"/>
-            <p14:sldId id="288"/>
+            <p14:sldId id="289"/>
           </p14:sldIdLst>
         </p14:section>
         <p14:section name="Проверка" id="{AD83E8A6-92F0-42D0-9753-ED20ADEEAA64}">
           <p14:sldIdLst>
-            <p14:sldId id="289"/>
+            <p14:sldId id="292"/>
           </p14:sldIdLst>
         </p14:section>
         <p14:section name="Выводы" id="{BA375919-954E-4DDB-BEB6-87B4E95C8072}">
           <p14:sldIdLst>
-            <p14:sldId id="292"/>
+            <p14:sldId id="294"/>
+            <p14:sldId id="295"/>
+            <p14:sldId id="296"/>
           </p14:sldIdLst>
         </p14:section>
         <p14:section name="О нашей работе" id="{161F2ADD-F138-4686-A542-31A4E3D1BF25}">
           <p14:sldIdLst>
-            <p14:sldId id="290"/>
-            <p14:sldId id="291"/>
             <p14:sldId id="293"/>
           </p14:sldIdLst>
         </p14:section>
       </p14:sectionLst>
     </p:ext>
     <p:ext uri="{EFAFB233-063F-42B5-8137-9DF3F51BA10A}">
-      <p15:sldGuideLst xmlns:p15="http://schemas.microsoft.com/office/powerpoint/2012/main" xmlns="">
+      <p15:sldGuideLst xmlns:p15="http://schemas.microsoft.com/office/powerpoint/2012/main">
         <p15:guide id="1" orient="horz" pos="1620">
           <p15:clr>
             <a:srgbClr val="A4A3A4"/>
@@ -315,7 +319,7 @@
       </p15:sldGuideLst>
     </p:ext>
     <p:ext uri="{2D200454-40CA-4A62-9FC3-DE9A4176ACB9}">
-      <p15:notesGuideLst xmlns:p15="http://schemas.microsoft.com/office/powerpoint/2012/main" xmlns=""/>
+      <p15:notesGuideLst xmlns:p15="http://schemas.microsoft.com/office/powerpoint/2012/main"/>
     </p:ext>
   </p:extLst>
 </p:presentation>
@@ -348,7 +352,7 @@
           <p:cNvPr id="2" name="Header Placeholder 1">
             <a:extLst>
               <a:ext uri="{FF2B5EF4-FFF2-40B4-BE49-F238E27FC236}">
-                <a16:creationId xmlns:a16="http://schemas.microsoft.com/office/drawing/2014/main" xmlns="" id="{649BEB62-B3AD-C332-0990-285269C787ED}"/>
+                <a16:creationId xmlns:a16="http://schemas.microsoft.com/office/drawing/2014/main" id="{649BEB62-B3AD-C332-0990-285269C787ED}"/>
               </a:ext>
             </a:extLst>
           </p:cNvPr>
@@ -377,7 +381,7 @@
           </a:lstStyle>
           <a:p>
             <a:r>
-              <a:rPr lang="ru-RU" smtClean="0"/>
+              <a:rPr lang="ru-RU"/>
               <a:t>фвыа</a:t>
             </a:r>
             <a:endParaRPr lang="en-US"/>
@@ -389,7 +393,7 @@
           <p:cNvPr id="3" name="Date Placeholder 2">
             <a:extLst>
               <a:ext uri="{FF2B5EF4-FFF2-40B4-BE49-F238E27FC236}">
-                <a16:creationId xmlns:a16="http://schemas.microsoft.com/office/drawing/2014/main" xmlns="" id="{E7BC0ECB-1190-878E-AAD3-88A9A6085352}"/>
+                <a16:creationId xmlns:a16="http://schemas.microsoft.com/office/drawing/2014/main" id="{E7BC0ECB-1190-878E-AAD3-88A9A6085352}"/>
               </a:ext>
             </a:extLst>
           </p:cNvPr>
@@ -419,7 +423,7 @@
           <a:p>
             <a:fld id="{49EE5D73-D9A2-4CFB-BA47-3C60EEDFD148}" type="datetime1">
               <a:rPr lang="ru-RU" smtClean="0"/>
-              <a:t>17.04.2023</a:t>
+              <a:t>18.04.2023</a:t>
             </a:fld>
             <a:endParaRPr lang="en-US"/>
           </a:p>
@@ -430,7 +434,7 @@
           <p:cNvPr id="4" name="Footer Placeholder 3">
             <a:extLst>
               <a:ext uri="{FF2B5EF4-FFF2-40B4-BE49-F238E27FC236}">
-                <a16:creationId xmlns:a16="http://schemas.microsoft.com/office/drawing/2014/main" xmlns="" id="{5E5AD23E-0A8E-20E2-591B-41A42FEFB9C6}"/>
+                <a16:creationId xmlns:a16="http://schemas.microsoft.com/office/drawing/2014/main" id="{5E5AD23E-0A8E-20E2-591B-41A42FEFB9C6}"/>
               </a:ext>
             </a:extLst>
           </p:cNvPr>
@@ -459,7 +463,7 @@
           </a:lstStyle>
           <a:p>
             <a:r>
-              <a:rPr lang="ru-RU" smtClean="0"/>
+              <a:rPr lang="ru-RU"/>
               <a:t>авыф</a:t>
             </a:r>
             <a:endParaRPr lang="en-US"/>
@@ -471,7 +475,7 @@
           <p:cNvPr id="5" name="Slide Number Placeholder 4">
             <a:extLst>
               <a:ext uri="{FF2B5EF4-FFF2-40B4-BE49-F238E27FC236}">
-                <a16:creationId xmlns:a16="http://schemas.microsoft.com/office/drawing/2014/main" xmlns="" id="{2A8781DE-F538-EEA6-55EF-AC9AAD1F44E3}"/>
+                <a16:creationId xmlns:a16="http://schemas.microsoft.com/office/drawing/2014/main" id="{2A8781DE-F538-EEA6-55EF-AC9AAD1F44E3}"/>
               </a:ext>
             </a:extLst>
           </p:cNvPr>
@@ -1224,6 +1228,72 @@
 </file>
 
 <file path=ppt/notesSlides/notesSlide2.xml><?xml version="1.0" encoding="utf-8"?>
+<p:notes xmlns:a="http://schemas.openxmlformats.org/drawingml/2006/main" xmlns:r="http://schemas.openxmlformats.org/officeDocument/2006/relationships" xmlns:p="http://schemas.openxmlformats.org/presentationml/2006/main">
+  <p:cSld>
+    <p:spTree>
+      <p:nvGrpSpPr>
+        <p:cNvPr id="1" name=""/>
+        <p:cNvGrpSpPr/>
+        <p:nvPr/>
+      </p:nvGrpSpPr>
+      <p:grpSpPr>
+        <a:xfrm>
+          <a:off x="0" y="0"/>
+          <a:ext cx="0" cy="0"/>
+          <a:chOff x="0" y="0"/>
+          <a:chExt cx="0" cy="0"/>
+        </a:xfrm>
+      </p:grpSpPr>
+      <p:sp>
+        <p:nvSpPr>
+          <p:cNvPr id="2" name="Образ слайда 1"/>
+          <p:cNvSpPr>
+            <a:spLocks noGrp="1" noRot="1" noChangeAspect="1"/>
+          </p:cNvSpPr>
+          <p:nvPr>
+            <p:ph type="sldImg"/>
+          </p:nvPr>
+        </p:nvSpPr>
+        <p:spPr>
+          <a:xfrm>
+            <a:off x="381000" y="685800"/>
+            <a:ext cx="6096000" cy="3429000"/>
+          </a:xfrm>
+        </p:spPr>
+      </p:sp>
+      <p:sp>
+        <p:nvSpPr>
+          <p:cNvPr id="3" name="Заметки 2"/>
+          <p:cNvSpPr>
+            <a:spLocks noGrp="1"/>
+          </p:cNvSpPr>
+          <p:nvPr>
+            <p:ph type="body" idx="1"/>
+          </p:nvPr>
+        </p:nvSpPr>
+        <p:spPr/>
+        <p:txBody>
+          <a:bodyPr/>
+          <a:lstStyle/>
+          <a:p>
+            <a:endParaRPr lang="ru-RU"/>
+          </a:p>
+        </p:txBody>
+      </p:sp>
+    </p:spTree>
+    <p:extLst>
+      <p:ext uri="{BB962C8B-B14F-4D97-AF65-F5344CB8AC3E}">
+        <p14:creationId xmlns:p14="http://schemas.microsoft.com/office/powerpoint/2010/main" val="3148894440"/>
+      </p:ext>
+    </p:extLst>
+  </p:cSld>
+  <p:clrMapOvr>
+    <a:masterClrMapping/>
+  </p:clrMapOvr>
+</p:notes>
+</file>
+
+<file path=ppt/notesSlides/notesSlide3.xml><?xml version="1.0" encoding="utf-8"?>
 <p:notes xmlns:a="http://schemas.openxmlformats.org/drawingml/2006/main" xmlns:r="http://schemas.openxmlformats.org/officeDocument/2006/relationships" xmlns:p="http://schemas.openxmlformats.org/presentationml/2006/main" showMasterSp="0" showMasterPhAnim="0">
   <p:cSld>
     <p:spTree>
@@ -1338,72 +1408,6 @@
         </p:txBody>
       </p:sp>
     </p:spTree>
-  </p:cSld>
-  <p:clrMapOvr>
-    <a:masterClrMapping/>
-  </p:clrMapOvr>
-</p:notes>
-</file>
-
-<file path=ppt/notesSlides/notesSlide3.xml><?xml version="1.0" encoding="utf-8"?>
-<p:notes xmlns:a="http://schemas.openxmlformats.org/drawingml/2006/main" xmlns:r="http://schemas.openxmlformats.org/officeDocument/2006/relationships" xmlns:p="http://schemas.openxmlformats.org/presentationml/2006/main">
-  <p:cSld>
-    <p:spTree>
-      <p:nvGrpSpPr>
-        <p:cNvPr id="1" name=""/>
-        <p:cNvGrpSpPr/>
-        <p:nvPr/>
-      </p:nvGrpSpPr>
-      <p:grpSpPr>
-        <a:xfrm>
-          <a:off x="0" y="0"/>
-          <a:ext cx="0" cy="0"/>
-          <a:chOff x="0" y="0"/>
-          <a:chExt cx="0" cy="0"/>
-        </a:xfrm>
-      </p:grpSpPr>
-      <p:sp>
-        <p:nvSpPr>
-          <p:cNvPr id="2" name="Образ слайда 1"/>
-          <p:cNvSpPr>
-            <a:spLocks noGrp="1" noRot="1" noChangeAspect="1"/>
-          </p:cNvSpPr>
-          <p:nvPr>
-            <p:ph type="sldImg"/>
-          </p:nvPr>
-        </p:nvSpPr>
-        <p:spPr>
-          <a:xfrm>
-            <a:off x="381000" y="685800"/>
-            <a:ext cx="6096000" cy="3429000"/>
-          </a:xfrm>
-        </p:spPr>
-      </p:sp>
-      <p:sp>
-        <p:nvSpPr>
-          <p:cNvPr id="3" name="Заметки 2"/>
-          <p:cNvSpPr>
-            <a:spLocks noGrp="1"/>
-          </p:cNvSpPr>
-          <p:nvPr>
-            <p:ph type="body" idx="1"/>
-          </p:nvPr>
-        </p:nvSpPr>
-        <p:spPr/>
-        <p:txBody>
-          <a:bodyPr/>
-          <a:lstStyle/>
-          <a:p>
-            <a:endParaRPr lang="ru-RU"/>
-          </a:p>
-        </p:txBody>
-      </p:sp>
-    </p:spTree>
-    <p:extLst>
-      <p:ext uri="{BB962C8B-B14F-4D97-AF65-F5344CB8AC3E}">
-        <p14:creationId xmlns:p14="http://schemas.microsoft.com/office/powerpoint/2010/main" val="3148894440"/>
-      </p:ext>
-    </p:extLst>
   </p:cSld>
   <p:clrMapOvr>
     <a:masterClrMapping/>
@@ -1498,7 +1502,7 @@
           </a:lstStyle>
           <a:p>
             <a:r>
-              <a:rPr kumimoji="0" lang="ru-RU" smtClean="0"/>
+              <a:rPr kumimoji="0" lang="ru-RU"/>
               <a:t>Образец заголовка</a:t>
             </a:r>
             <a:endParaRPr kumimoji="0" lang="en-US"/>
@@ -1521,7 +1525,7 @@
           <a:lstStyle/>
           <a:p>
             <a:r>
-              <a:rPr lang="ru-RU" smtClean="0"/>
+              <a:rPr lang="ru-RU"/>
               <a:t>18 апреля 2023 г.</a:t>
             </a:r>
             <a:endParaRPr lang="en-US" dirty="0"/>
@@ -1633,7 +1637,7 @@
           </a:lstStyle>
           <a:p>
             <a:r>
-              <a:rPr kumimoji="0" lang="ru-RU" smtClean="0"/>
+              <a:rPr kumimoji="0" lang="ru-RU"/>
               <a:t>Образец подзаголовка</a:t>
             </a:r>
             <a:endParaRPr kumimoji="0" lang="en-US"/>
@@ -1681,7 +1685,7 @@
           <a:lstStyle/>
           <a:p>
             <a:r>
-              <a:rPr kumimoji="0" lang="ru-RU" smtClean="0"/>
+              <a:rPr kumimoji="0" lang="ru-RU"/>
               <a:t>Образец заголовка</a:t>
             </a:r>
             <a:endParaRPr kumimoji="0" lang="en-US"/>
@@ -1705,35 +1709,35 @@
           <a:p>
             <a:pPr lvl="0" eaLnBrk="1" latinLnBrk="0" hangingPunct="1"/>
             <a:r>
-              <a:rPr lang="ru-RU" smtClean="0"/>
+              <a:rPr lang="ru-RU"/>
               <a:t>Образец текста</a:t>
             </a:r>
           </a:p>
           <a:p>
             <a:pPr lvl="1" eaLnBrk="1" latinLnBrk="0" hangingPunct="1"/>
             <a:r>
-              <a:rPr lang="ru-RU" smtClean="0"/>
+              <a:rPr lang="ru-RU"/>
               <a:t>Второй уровень</a:t>
             </a:r>
           </a:p>
           <a:p>
             <a:pPr lvl="2" eaLnBrk="1" latinLnBrk="0" hangingPunct="1"/>
             <a:r>
-              <a:rPr lang="ru-RU" smtClean="0"/>
+              <a:rPr lang="ru-RU"/>
               <a:t>Третий уровень</a:t>
             </a:r>
           </a:p>
           <a:p>
             <a:pPr lvl="3" eaLnBrk="1" latinLnBrk="0" hangingPunct="1"/>
             <a:r>
-              <a:rPr lang="ru-RU" smtClean="0"/>
+              <a:rPr lang="ru-RU"/>
               <a:t>Четвертый уровень</a:t>
             </a:r>
           </a:p>
           <a:p>
             <a:pPr lvl="4" eaLnBrk="1" latinLnBrk="0" hangingPunct="1"/>
             <a:r>
-              <a:rPr lang="ru-RU" smtClean="0"/>
+              <a:rPr lang="ru-RU"/>
               <a:t>Пятый уровень</a:t>
             </a:r>
             <a:endParaRPr kumimoji="0" lang="en-US"/>
@@ -1757,7 +1761,7 @@
           <a:p>
             <a:pPr eaLnBrk="1" latinLnBrk="0" hangingPunct="1"/>
             <a:r>
-              <a:rPr lang="ru-RU" smtClean="0"/>
+              <a:rPr lang="ru-RU"/>
               <a:t>18 апреля 2023 г.</a:t>
             </a:r>
             <a:endParaRPr lang="en-US"/>
@@ -1861,7 +1865,7 @@
           <a:lstStyle/>
           <a:p>
             <a:r>
-              <a:rPr kumimoji="0" lang="ru-RU" smtClean="0"/>
+              <a:rPr kumimoji="0" lang="ru-RU"/>
               <a:t>Образец заголовка</a:t>
             </a:r>
             <a:endParaRPr kumimoji="0" lang="en-US"/>
@@ -1890,35 +1894,35 @@
           <a:p>
             <a:pPr lvl="0" eaLnBrk="1" latinLnBrk="0" hangingPunct="1"/>
             <a:r>
-              <a:rPr lang="ru-RU" smtClean="0"/>
+              <a:rPr lang="ru-RU"/>
               <a:t>Образец текста</a:t>
             </a:r>
           </a:p>
           <a:p>
             <a:pPr lvl="1" eaLnBrk="1" latinLnBrk="0" hangingPunct="1"/>
             <a:r>
-              <a:rPr lang="ru-RU" smtClean="0"/>
+              <a:rPr lang="ru-RU"/>
               <a:t>Второй уровень</a:t>
             </a:r>
           </a:p>
           <a:p>
             <a:pPr lvl="2" eaLnBrk="1" latinLnBrk="0" hangingPunct="1"/>
             <a:r>
-              <a:rPr lang="ru-RU" smtClean="0"/>
+              <a:rPr lang="ru-RU"/>
               <a:t>Третий уровень</a:t>
             </a:r>
           </a:p>
           <a:p>
             <a:pPr lvl="3" eaLnBrk="1" latinLnBrk="0" hangingPunct="1"/>
             <a:r>
-              <a:rPr lang="ru-RU" smtClean="0"/>
+              <a:rPr lang="ru-RU"/>
               <a:t>Четвертый уровень</a:t>
             </a:r>
           </a:p>
           <a:p>
             <a:pPr lvl="4" eaLnBrk="1" latinLnBrk="0" hangingPunct="1"/>
             <a:r>
-              <a:rPr lang="ru-RU" smtClean="0"/>
+              <a:rPr lang="ru-RU"/>
               <a:t>Пятый уровень</a:t>
             </a:r>
             <a:endParaRPr kumimoji="0" lang="en-US"/>
@@ -1942,7 +1946,7 @@
           <a:p>
             <a:pPr eaLnBrk="1" latinLnBrk="0" hangingPunct="1"/>
             <a:r>
-              <a:rPr lang="ru-RU" smtClean="0"/>
+              <a:rPr lang="ru-RU"/>
               <a:t>18 апреля 2023 г.</a:t>
             </a:r>
             <a:endParaRPr lang="en-US"/>
@@ -2631,13 +2635,6 @@
   <p:clrMapOvr>
     <a:masterClrMapping/>
   </p:clrMapOvr>
-  <p:timing>
-    <p:tnLst>
-      <p:par>
-        <p:cTn id="1" dur="indefinite" restart="never" nodeType="tmRoot"/>
-      </p:par>
-    </p:tnLst>
-  </p:timing>
 </p:sldLayout>
 </file>
 
@@ -2674,7 +2671,7 @@
           <a:lstStyle/>
           <a:p>
             <a:r>
-              <a:rPr kumimoji="0" lang="ru-RU" smtClean="0"/>
+              <a:rPr kumimoji="0" lang="ru-RU"/>
               <a:t>Образец заголовка</a:t>
             </a:r>
             <a:endParaRPr kumimoji="0" lang="en-US"/>
@@ -2698,35 +2695,35 @@
           <a:p>
             <a:pPr lvl="0" eaLnBrk="1" latinLnBrk="0" hangingPunct="1"/>
             <a:r>
-              <a:rPr lang="ru-RU" smtClean="0"/>
+              <a:rPr lang="ru-RU"/>
               <a:t>Образец текста</a:t>
             </a:r>
           </a:p>
           <a:p>
             <a:pPr lvl="1" eaLnBrk="1" latinLnBrk="0" hangingPunct="1"/>
             <a:r>
-              <a:rPr lang="ru-RU" smtClean="0"/>
+              <a:rPr lang="ru-RU"/>
               <a:t>Второй уровень</a:t>
             </a:r>
           </a:p>
           <a:p>
             <a:pPr lvl="2" eaLnBrk="1" latinLnBrk="0" hangingPunct="1"/>
             <a:r>
-              <a:rPr lang="ru-RU" smtClean="0"/>
+              <a:rPr lang="ru-RU"/>
               <a:t>Третий уровень</a:t>
             </a:r>
           </a:p>
           <a:p>
             <a:pPr lvl="3" eaLnBrk="1" latinLnBrk="0" hangingPunct="1"/>
             <a:r>
-              <a:rPr lang="ru-RU" smtClean="0"/>
+              <a:rPr lang="ru-RU"/>
               <a:t>Четвертый уровень</a:t>
             </a:r>
           </a:p>
           <a:p>
             <a:pPr lvl="4" eaLnBrk="1" latinLnBrk="0" hangingPunct="1"/>
             <a:r>
-              <a:rPr lang="ru-RU" smtClean="0"/>
+              <a:rPr lang="ru-RU"/>
               <a:t>Пятый уровень</a:t>
             </a:r>
             <a:endParaRPr kumimoji="0" lang="en-US"/>
@@ -2750,7 +2747,7 @@
           <a:p>
             <a:pPr eaLnBrk="1" latinLnBrk="0" hangingPunct="1"/>
             <a:r>
-              <a:rPr lang="ru-RU" smtClean="0"/>
+              <a:rPr lang="ru-RU"/>
               <a:t>18 апреля 2023 г.</a:t>
             </a:r>
             <a:endParaRPr lang="en-US"/>
@@ -2898,7 +2895,7 @@
           </a:lstStyle>
           <a:p>
             <a:r>
-              <a:rPr kumimoji="0" lang="ru-RU" smtClean="0"/>
+              <a:rPr kumimoji="0" lang="ru-RU"/>
               <a:t>Образец заголовка</a:t>
             </a:r>
             <a:endParaRPr kumimoji="0" lang="en-US"/>
@@ -2976,7 +2973,7 @@
           <a:p>
             <a:pPr lvl="0" eaLnBrk="1" latinLnBrk="0" hangingPunct="1"/>
             <a:r>
-              <a:rPr kumimoji="0" lang="ru-RU" smtClean="0"/>
+              <a:rPr kumimoji="0" lang="ru-RU"/>
               <a:t>Образец текста</a:t>
             </a:r>
           </a:p>
@@ -2999,7 +2996,7 @@
           <a:p>
             <a:pPr eaLnBrk="1" latinLnBrk="0" hangingPunct="1"/>
             <a:r>
-              <a:rPr lang="ru-RU" smtClean="0"/>
+              <a:rPr lang="ru-RU"/>
               <a:t>18 апреля 2023 г.</a:t>
             </a:r>
             <a:endParaRPr lang="en-US"/>
@@ -3103,7 +3100,7 @@
           <a:lstStyle/>
           <a:p>
             <a:r>
-              <a:rPr kumimoji="0" lang="ru-RU" smtClean="0"/>
+              <a:rPr kumimoji="0" lang="ru-RU"/>
               <a:t>Образец заголовка</a:t>
             </a:r>
             <a:endParaRPr kumimoji="0" lang="en-US"/>
@@ -3148,35 +3145,35 @@
           <a:p>
             <a:pPr lvl="0" eaLnBrk="1" latinLnBrk="0" hangingPunct="1"/>
             <a:r>
-              <a:rPr lang="ru-RU" smtClean="0"/>
+              <a:rPr lang="ru-RU"/>
               <a:t>Образец текста</a:t>
             </a:r>
           </a:p>
           <a:p>
             <a:pPr lvl="1" eaLnBrk="1" latinLnBrk="0" hangingPunct="1"/>
             <a:r>
-              <a:rPr lang="ru-RU" smtClean="0"/>
+              <a:rPr lang="ru-RU"/>
               <a:t>Второй уровень</a:t>
             </a:r>
           </a:p>
           <a:p>
             <a:pPr lvl="2" eaLnBrk="1" latinLnBrk="0" hangingPunct="1"/>
             <a:r>
-              <a:rPr lang="ru-RU" smtClean="0"/>
+              <a:rPr lang="ru-RU"/>
               <a:t>Третий уровень</a:t>
             </a:r>
           </a:p>
           <a:p>
             <a:pPr lvl="3" eaLnBrk="1" latinLnBrk="0" hangingPunct="1"/>
             <a:r>
-              <a:rPr lang="ru-RU" smtClean="0"/>
+              <a:rPr lang="ru-RU"/>
               <a:t>Четвертый уровень</a:t>
             </a:r>
           </a:p>
           <a:p>
             <a:pPr lvl="4" eaLnBrk="1" latinLnBrk="0" hangingPunct="1"/>
             <a:r>
-              <a:rPr lang="ru-RU" smtClean="0"/>
+              <a:rPr lang="ru-RU"/>
               <a:t>Пятый уровень</a:t>
             </a:r>
             <a:endParaRPr kumimoji="0" lang="en-US"/>
@@ -3221,35 +3218,35 @@
           <a:p>
             <a:pPr lvl="0" eaLnBrk="1" latinLnBrk="0" hangingPunct="1"/>
             <a:r>
-              <a:rPr lang="ru-RU" smtClean="0"/>
+              <a:rPr lang="ru-RU"/>
               <a:t>Образец текста</a:t>
             </a:r>
           </a:p>
           <a:p>
             <a:pPr lvl="1" eaLnBrk="1" latinLnBrk="0" hangingPunct="1"/>
             <a:r>
-              <a:rPr lang="ru-RU" smtClean="0"/>
+              <a:rPr lang="ru-RU"/>
               <a:t>Второй уровень</a:t>
             </a:r>
           </a:p>
           <a:p>
             <a:pPr lvl="2" eaLnBrk="1" latinLnBrk="0" hangingPunct="1"/>
             <a:r>
-              <a:rPr lang="ru-RU" smtClean="0"/>
+              <a:rPr lang="ru-RU"/>
               <a:t>Третий уровень</a:t>
             </a:r>
           </a:p>
           <a:p>
             <a:pPr lvl="3" eaLnBrk="1" latinLnBrk="0" hangingPunct="1"/>
             <a:r>
-              <a:rPr lang="ru-RU" smtClean="0"/>
+              <a:rPr lang="ru-RU"/>
               <a:t>Четвертый уровень</a:t>
             </a:r>
           </a:p>
           <a:p>
             <a:pPr lvl="4" eaLnBrk="1" latinLnBrk="0" hangingPunct="1"/>
             <a:r>
-              <a:rPr lang="ru-RU" smtClean="0"/>
+              <a:rPr lang="ru-RU"/>
               <a:t>Пятый уровень</a:t>
             </a:r>
             <a:endParaRPr kumimoji="0" lang="en-US"/>
@@ -3273,7 +3270,7 @@
           <a:p>
             <a:pPr eaLnBrk="1" latinLnBrk="0" hangingPunct="1"/>
             <a:r>
-              <a:rPr lang="ru-RU" smtClean="0"/>
+              <a:rPr lang="ru-RU"/>
               <a:t>18 апреля 2023 г.</a:t>
             </a:r>
             <a:endParaRPr lang="en-US"/>
@@ -3381,7 +3378,7 @@
           </a:lstStyle>
           <a:p>
             <a:r>
-              <a:rPr kumimoji="0" lang="ru-RU" smtClean="0"/>
+              <a:rPr kumimoji="0" lang="ru-RU"/>
               <a:t>Образец заголовка</a:t>
             </a:r>
             <a:endParaRPr kumimoji="0" lang="en-US"/>
@@ -3435,7 +3432,7 @@
           <a:p>
             <a:pPr lvl="0" eaLnBrk="1" latinLnBrk="0" hangingPunct="1"/>
             <a:r>
-              <a:rPr kumimoji="0" lang="ru-RU" smtClean="0"/>
+              <a:rPr kumimoji="0" lang="ru-RU"/>
               <a:t>Образец текста</a:t>
             </a:r>
           </a:p>
@@ -3488,7 +3485,7 @@
           <a:p>
             <a:pPr lvl="0" eaLnBrk="1" latinLnBrk="0" hangingPunct="1"/>
             <a:r>
-              <a:rPr kumimoji="0" lang="ru-RU" smtClean="0"/>
+              <a:rPr kumimoji="0" lang="ru-RU"/>
               <a:t>Образец текста</a:t>
             </a:r>
           </a:p>
@@ -3532,35 +3529,35 @@
           <a:p>
             <a:pPr lvl="0" eaLnBrk="1" latinLnBrk="0" hangingPunct="1"/>
             <a:r>
-              <a:rPr lang="ru-RU" smtClean="0"/>
+              <a:rPr lang="ru-RU"/>
               <a:t>Образец текста</a:t>
             </a:r>
           </a:p>
           <a:p>
             <a:pPr lvl="1" eaLnBrk="1" latinLnBrk="0" hangingPunct="1"/>
             <a:r>
-              <a:rPr lang="ru-RU" smtClean="0"/>
+              <a:rPr lang="ru-RU"/>
               <a:t>Второй уровень</a:t>
             </a:r>
           </a:p>
           <a:p>
             <a:pPr lvl="2" eaLnBrk="1" latinLnBrk="0" hangingPunct="1"/>
             <a:r>
-              <a:rPr lang="ru-RU" smtClean="0"/>
+              <a:rPr lang="ru-RU"/>
               <a:t>Третий уровень</a:t>
             </a:r>
           </a:p>
           <a:p>
             <a:pPr lvl="3" eaLnBrk="1" latinLnBrk="0" hangingPunct="1"/>
             <a:r>
-              <a:rPr lang="ru-RU" smtClean="0"/>
+              <a:rPr lang="ru-RU"/>
               <a:t>Четвертый уровень</a:t>
             </a:r>
           </a:p>
           <a:p>
             <a:pPr lvl="4" eaLnBrk="1" latinLnBrk="0" hangingPunct="1"/>
             <a:r>
-              <a:rPr lang="ru-RU" smtClean="0"/>
+              <a:rPr lang="ru-RU"/>
               <a:t>Пятый уровень</a:t>
             </a:r>
             <a:endParaRPr kumimoji="0" lang="en-US"/>
@@ -3605,35 +3602,35 @@
           <a:p>
             <a:pPr lvl="0" eaLnBrk="1" latinLnBrk="0" hangingPunct="1"/>
             <a:r>
-              <a:rPr lang="ru-RU" smtClean="0"/>
+              <a:rPr lang="ru-RU"/>
               <a:t>Образец текста</a:t>
             </a:r>
           </a:p>
           <a:p>
             <a:pPr lvl="1" eaLnBrk="1" latinLnBrk="0" hangingPunct="1"/>
             <a:r>
-              <a:rPr lang="ru-RU" smtClean="0"/>
+              <a:rPr lang="ru-RU"/>
               <a:t>Второй уровень</a:t>
             </a:r>
           </a:p>
           <a:p>
             <a:pPr lvl="2" eaLnBrk="1" latinLnBrk="0" hangingPunct="1"/>
             <a:r>
-              <a:rPr lang="ru-RU" smtClean="0"/>
+              <a:rPr lang="ru-RU"/>
               <a:t>Третий уровень</a:t>
             </a:r>
           </a:p>
           <a:p>
             <a:pPr lvl="3" eaLnBrk="1" latinLnBrk="0" hangingPunct="1"/>
             <a:r>
-              <a:rPr lang="ru-RU" smtClean="0"/>
+              <a:rPr lang="ru-RU"/>
               <a:t>Четвертый уровень</a:t>
             </a:r>
           </a:p>
           <a:p>
             <a:pPr lvl="4" eaLnBrk="1" latinLnBrk="0" hangingPunct="1"/>
             <a:r>
-              <a:rPr lang="ru-RU" smtClean="0"/>
+              <a:rPr lang="ru-RU"/>
               <a:t>Пятый уровень</a:t>
             </a:r>
             <a:endParaRPr kumimoji="0" lang="en-US"/>
@@ -3657,7 +3654,7 @@
           <a:p>
             <a:pPr eaLnBrk="1" latinLnBrk="0" hangingPunct="1"/>
             <a:r>
-              <a:rPr lang="ru-RU" smtClean="0"/>
+              <a:rPr lang="ru-RU"/>
               <a:t>18 апреля 2023 г.</a:t>
             </a:r>
             <a:endParaRPr lang="en-US"/>
@@ -3756,7 +3753,7 @@
           <a:lstStyle/>
           <a:p>
             <a:r>
-              <a:rPr kumimoji="0" lang="ru-RU" smtClean="0"/>
+              <a:rPr kumimoji="0" lang="ru-RU"/>
               <a:t>Образец заголовка</a:t>
             </a:r>
             <a:endParaRPr kumimoji="0" lang="en-US"/>
@@ -3780,7 +3777,7 @@
           <a:p>
             <a:pPr eaLnBrk="1" latinLnBrk="0" hangingPunct="1"/>
             <a:r>
-              <a:rPr lang="ru-RU" smtClean="0"/>
+              <a:rPr lang="ru-RU"/>
               <a:t>18 апреля 2023 г.</a:t>
             </a:r>
             <a:endParaRPr lang="en-US"/>
@@ -3880,7 +3877,7 @@
           <a:p>
             <a:pPr eaLnBrk="1" latinLnBrk="0" hangingPunct="1"/>
             <a:r>
-              <a:rPr lang="ru-RU" smtClean="0"/>
+              <a:rPr lang="ru-RU"/>
               <a:t>18 апреля 2023 г.</a:t>
             </a:r>
             <a:endParaRPr lang="en-US"/>
@@ -4002,7 +3999,7 @@
           </a:lstStyle>
           <a:p>
             <a:r>
-              <a:rPr kumimoji="0" lang="ru-RU" smtClean="0"/>
+              <a:rPr kumimoji="0" lang="ru-RU"/>
               <a:t>Образец заголовка</a:t>
             </a:r>
             <a:endParaRPr kumimoji="0" lang="en-US"/>
@@ -4052,7 +4049,7 @@
           <a:p>
             <a:pPr lvl="0" eaLnBrk="1" latinLnBrk="0" hangingPunct="1"/>
             <a:r>
-              <a:rPr kumimoji="0" lang="ru-RU" smtClean="0"/>
+              <a:rPr kumimoji="0" lang="ru-RU"/>
               <a:t>Образец текста</a:t>
             </a:r>
           </a:p>
@@ -4096,35 +4093,35 @@
           <a:p>
             <a:pPr lvl="0" eaLnBrk="1" latinLnBrk="0" hangingPunct="1"/>
             <a:r>
-              <a:rPr lang="ru-RU" smtClean="0"/>
+              <a:rPr lang="ru-RU"/>
               <a:t>Образец текста</a:t>
             </a:r>
           </a:p>
           <a:p>
             <a:pPr lvl="1" eaLnBrk="1" latinLnBrk="0" hangingPunct="1"/>
             <a:r>
-              <a:rPr lang="ru-RU" smtClean="0"/>
+              <a:rPr lang="ru-RU"/>
               <a:t>Второй уровень</a:t>
             </a:r>
           </a:p>
           <a:p>
             <a:pPr lvl="2" eaLnBrk="1" latinLnBrk="0" hangingPunct="1"/>
             <a:r>
-              <a:rPr lang="ru-RU" smtClean="0"/>
+              <a:rPr lang="ru-RU"/>
               <a:t>Третий уровень</a:t>
             </a:r>
           </a:p>
           <a:p>
             <a:pPr lvl="3" eaLnBrk="1" latinLnBrk="0" hangingPunct="1"/>
             <a:r>
-              <a:rPr lang="ru-RU" smtClean="0"/>
+              <a:rPr lang="ru-RU"/>
               <a:t>Четвертый уровень</a:t>
             </a:r>
           </a:p>
           <a:p>
             <a:pPr lvl="4" eaLnBrk="1" latinLnBrk="0" hangingPunct="1"/>
             <a:r>
-              <a:rPr lang="ru-RU" smtClean="0"/>
+              <a:rPr lang="ru-RU"/>
               <a:t>Пятый уровень</a:t>
             </a:r>
             <a:endParaRPr kumimoji="0" lang="en-US"/>
@@ -4148,7 +4145,7 @@
           <a:p>
             <a:pPr eaLnBrk="1" latinLnBrk="0" hangingPunct="1"/>
             <a:r>
-              <a:rPr lang="ru-RU" smtClean="0"/>
+              <a:rPr lang="ru-RU"/>
               <a:t>18 апреля 2023 г.</a:t>
             </a:r>
             <a:endParaRPr lang="en-US"/>
@@ -4259,7 +4256,7 @@
           </a:lstStyle>
           <a:p>
             <a:r>
-              <a:rPr kumimoji="0" lang="ru-RU" smtClean="0"/>
+              <a:rPr kumimoji="0" lang="ru-RU"/>
               <a:t>Образец заголовка</a:t>
             </a:r>
             <a:endParaRPr kumimoji="0" lang="en-US"/>
@@ -4339,7 +4336,7 @@
           <a:p>
             <a:pPr marL="0" algn="l" rtl="0" eaLnBrk="1" latinLnBrk="0" hangingPunct="1"/>
             <a:r>
-              <a:rPr kumimoji="0" lang="ru-RU" smtClean="0">
+              <a:rPr kumimoji="0" lang="ru-RU">
                 <a:solidFill>
                   <a:schemeClr val="lt1"/>
                 </a:solidFill>
@@ -4399,7 +4396,7 @@
           <a:p>
             <a:pPr lvl="0" eaLnBrk="1" latinLnBrk="0" hangingPunct="1"/>
             <a:r>
-              <a:rPr kumimoji="0" lang="ru-RU" smtClean="0"/>
+              <a:rPr kumimoji="0" lang="ru-RU"/>
               <a:t>Образец текста</a:t>
             </a:r>
           </a:p>
@@ -4422,7 +4419,7 @@
           <a:p>
             <a:pPr eaLnBrk="1" latinLnBrk="0" hangingPunct="1"/>
             <a:r>
-              <a:rPr lang="ru-RU" smtClean="0"/>
+              <a:rPr lang="ru-RU"/>
               <a:t>18 апреля 2023 г.</a:t>
             </a:r>
             <a:endParaRPr lang="en-US"/>
@@ -4545,7 +4542,7 @@
           <a:lstStyle/>
           <a:p>
             <a:r>
-              <a:rPr kumimoji="0" lang="ru-RU" smtClean="0"/>
+              <a:rPr kumimoji="0" lang="ru-RU"/>
               <a:t>Образец заголовка</a:t>
             </a:r>
             <a:endParaRPr kumimoji="0" lang="en-US"/>
@@ -4579,35 +4576,35 @@
           <a:p>
             <a:pPr lvl="0" eaLnBrk="1" latinLnBrk="0" hangingPunct="1"/>
             <a:r>
-              <a:rPr kumimoji="0" lang="ru-RU" dirty="0" smtClean="0"/>
+              <a:rPr kumimoji="0" lang="ru-RU" dirty="0"/>
               <a:t>Образец текста</a:t>
             </a:r>
           </a:p>
           <a:p>
             <a:pPr lvl="1" eaLnBrk="1" latinLnBrk="0" hangingPunct="1"/>
             <a:r>
-              <a:rPr kumimoji="0" lang="ru-RU" dirty="0" smtClean="0"/>
+              <a:rPr kumimoji="0" lang="ru-RU" dirty="0"/>
               <a:t>Второй уровень</a:t>
             </a:r>
           </a:p>
           <a:p>
             <a:pPr lvl="2" eaLnBrk="1" latinLnBrk="0" hangingPunct="1"/>
             <a:r>
-              <a:rPr kumimoji="0" lang="ru-RU" dirty="0" smtClean="0"/>
+              <a:rPr kumimoji="0" lang="ru-RU" dirty="0"/>
               <a:t>Третий уровень</a:t>
             </a:r>
           </a:p>
           <a:p>
             <a:pPr lvl="3" eaLnBrk="1" latinLnBrk="0" hangingPunct="1"/>
             <a:r>
-              <a:rPr kumimoji="0" lang="ru-RU" dirty="0" smtClean="0"/>
+              <a:rPr kumimoji="0" lang="ru-RU" dirty="0"/>
               <a:t>Четвертый уровень</a:t>
             </a:r>
           </a:p>
           <a:p>
             <a:pPr lvl="4" eaLnBrk="1" latinLnBrk="0" hangingPunct="1"/>
             <a:r>
-              <a:rPr kumimoji="0" lang="ru-RU" dirty="0" smtClean="0"/>
+              <a:rPr kumimoji="0" lang="ru-RU" dirty="0"/>
               <a:t>Пятый уровень</a:t>
             </a:r>
             <a:endParaRPr kumimoji="0" lang="en-US" dirty="0"/>
@@ -4649,7 +4646,7 @@
           <a:p>
             <a:pPr eaLnBrk="1" latinLnBrk="0" hangingPunct="1"/>
             <a:r>
-              <a:rPr lang="ru-RU" smtClean="0">
+              <a:rPr lang="ru-RU">
                 <a:solidFill>
                   <a:schemeClr val="tx1">
                     <a:shade val="50000"/>
@@ -4778,13 +4775,6 @@
     <p:sldLayoutId id="2147483671" r:id="rId11"/>
     <p:sldLayoutId id="2147483672" r:id="rId12"/>
   </p:sldLayoutIdLst>
-  <p:timing>
-    <p:tnLst>
-      <p:par>
-        <p:cTn id="1" dur="indefinite" restart="never" nodeType="tmRoot"/>
-      </p:par>
-    </p:tnLst>
-  </p:timing>
   <p:hf sldNum="0" hdr="0" ftr="0"/>
   <p:txStyles>
     <p:titleStyle>
@@ -5141,7 +5131,7 @@
         </p:spPr>
         <p:txBody>
           <a:bodyPr spcFirstLastPara="1" wrap="square" lIns="91425" tIns="91425" rIns="91425" bIns="91425" anchor="b" anchorCtr="0">
-            <a:normAutofit fontScale="90000"/>
+            <a:normAutofit/>
           </a:bodyPr>
           <a:lstStyle/>
           <a:p>
@@ -5152,23 +5142,15 @@
               <a:buSzPts val="5200"/>
             </a:pPr>
             <a:r>
-              <a:rPr lang="ru" dirty="0" smtClean="0"/>
+              <a:rPr lang="ru" dirty="0"/>
               <a:t>“</a:t>
             </a:r>
             <a:r>
               <a:rPr lang="en-US" dirty="0"/>
-              <a:t>House </a:t>
-            </a:r>
-            <a:r>
-              <a:rPr lang="en-US" dirty="0" smtClean="0"/>
-              <a:t>Prices: Advanced </a:t>
-            </a:r>
-            <a:r>
-              <a:rPr lang="en-US" dirty="0"/>
-              <a:t>Regression Techniques</a:t>
-            </a:r>
-            <a:r>
-              <a:rPr lang="ru" dirty="0" smtClean="0"/>
+              <a:t>House Prices: Advanced Regression Techniques</a:t>
+            </a:r>
+            <a:r>
+              <a:rPr lang="ru" dirty="0"/>
               <a:t>”</a:t>
             </a:r>
             <a:endParaRPr dirty="0"/>
@@ -5211,35 +5193,31 @@
               <a:buSzPts val="2800"/>
             </a:pPr>
             <a:r>
-              <a:rPr lang="en-US" sz="2400" dirty="0" err="1" smtClean="0"/>
+              <a:rPr lang="en-US" sz="2400" dirty="0" err="1"/>
               <a:t>Ingenia</a:t>
             </a:r>
             <a:r>
-              <a:rPr lang="en-US" sz="2400" dirty="0" smtClean="0"/>
+              <a:rPr lang="en-US" sz="2400" dirty="0"/>
               <a:t> </a:t>
             </a:r>
             <a:r>
-              <a:rPr lang="en-US" sz="2400" dirty="0" err="1" smtClean="0"/>
+              <a:rPr lang="en-US" sz="2400" dirty="0" err="1"/>
               <a:t>Numerorum</a:t>
             </a:r>
             <a:r>
-              <a:rPr lang="ru-RU" sz="2400" dirty="0" smtClean="0"/>
+              <a:rPr lang="ru-RU" sz="2400" dirty="0"/>
               <a:t> (</a:t>
             </a:r>
             <a:r>
-              <a:rPr lang="ru" sz="2100" b="1" dirty="0" smtClean="0"/>
-              <a:t>Группа </a:t>
-            </a:r>
-            <a:r>
               <a:rPr lang="ru" sz="2100" b="1" dirty="0"/>
-              <a:t>№ </a:t>
-            </a:r>
-            <a:r>
-              <a:rPr lang="en-US" sz="2100" b="1" dirty="0" smtClean="0"/>
+              <a:t>Группа № </a:t>
+            </a:r>
+            <a:r>
+              <a:rPr lang="en-US" sz="2100" b="1" dirty="0"/>
               <a:t>3</a:t>
             </a:r>
             <a:r>
-              <a:rPr lang="ru-RU" sz="2100" b="1" dirty="0" smtClean="0"/>
+              <a:rPr lang="ru-RU" sz="2100" b="1" dirty="0"/>
               <a:t>)</a:t>
             </a:r>
             <a:endParaRPr sz="2100" dirty="0"/>
@@ -5388,7 +5366,7 @@
           <a:lstStyle/>
           <a:p>
             <a:r>
-              <a:rPr lang="ru-RU" smtClean="0"/>
+              <a:rPr lang="ru-RU"/>
               <a:t>18 апреля 2023 г.</a:t>
             </a:r>
             <a:endParaRPr lang="en-US" dirty="0"/>
@@ -5400,13 +5378,6 @@
   <p:clrMapOvr>
     <a:masterClrMapping/>
   </p:clrMapOvr>
-  <p:timing>
-    <p:tnLst>
-      <p:par>
-        <p:cTn id="1" dur="indefinite" restart="never" nodeType="tmRoot"/>
-      </p:par>
-    </p:tnLst>
-  </p:timing>
 </p:sld>
 </file>
 
@@ -5445,2974 +5416,9 @@
           <a:lstStyle/>
           <a:p>
             <a:r>
-              <a:rPr lang="ru-RU" dirty="0" smtClean="0"/>
-              <a:t>Используемые модели</a:t>
-            </a:r>
-            <a:endParaRPr lang="ru-RU" dirty="0"/>
-          </a:p>
-        </p:txBody>
-      </p:sp>
-      <p:sp>
-        <p:nvSpPr>
-          <p:cNvPr id="3" name="Текст 2"/>
-          <p:cNvSpPr>
-            <a:spLocks noGrp="1"/>
-          </p:cNvSpPr>
-          <p:nvPr>
-            <p:ph type="body" idx="1"/>
-          </p:nvPr>
-        </p:nvSpPr>
-        <p:spPr>
-          <a:xfrm>
-            <a:off x="311700" y="1152475"/>
-            <a:ext cx="4286240" cy="3416400"/>
-          </a:xfrm>
-        </p:spPr>
-        <p:txBody>
-          <a:bodyPr>
-            <a:normAutofit fontScale="85000" lnSpcReduction="20000"/>
-          </a:bodyPr>
-          <a:lstStyle/>
-          <a:p>
-            <a:r>
-              <a:rPr lang="en-US" i="1" dirty="0" err="1" smtClean="0"/>
-              <a:t>LinearRegression</a:t>
-            </a:r>
-            <a:endParaRPr lang="ru-RU" i="1" dirty="0"/>
-          </a:p>
-          <a:p>
-            <a:r>
-              <a:rPr lang="en-US" i="1" dirty="0" err="1"/>
-              <a:t>LassoLarsCV</a:t>
-            </a:r>
-            <a:endParaRPr lang="en-US" i="1" dirty="0"/>
-          </a:p>
-          <a:p>
-            <a:r>
-              <a:rPr lang="en-US" i="1" dirty="0" err="1"/>
-              <a:t>DecisionTreeRegressor</a:t>
-            </a:r>
-            <a:endParaRPr lang="en-US" i="1" dirty="0"/>
-          </a:p>
-          <a:p>
-            <a:r>
-              <a:rPr lang="en-US" i="1" dirty="0" err="1"/>
-              <a:t>LGBMRegressor</a:t>
-            </a:r>
-            <a:endParaRPr lang="en-US" i="1" dirty="0"/>
-          </a:p>
-          <a:p>
-            <a:r>
-              <a:rPr lang="en-US" dirty="0" err="1"/>
-              <a:t>KNeighborsRegressor</a:t>
-            </a:r>
-            <a:endParaRPr lang="en-US" dirty="0"/>
-          </a:p>
-          <a:p>
-            <a:r>
-              <a:rPr lang="en-US" dirty="0" err="1" smtClean="0"/>
-              <a:t>BaggingRegressor</a:t>
-            </a:r>
-            <a:endParaRPr lang="ru-RU" dirty="0" smtClean="0"/>
-          </a:p>
-          <a:p>
-            <a:r>
-              <a:rPr lang="en-US" b="1" dirty="0" err="1"/>
-              <a:t>StackingRegressor</a:t>
-            </a:r>
-            <a:endParaRPr lang="en-US" b="1" dirty="0"/>
-          </a:p>
-          <a:p>
-            <a:r>
-              <a:rPr lang="en-US" b="1" dirty="0" err="1" smtClean="0"/>
-              <a:t>RandomForestRegressor</a:t>
-            </a:r>
-            <a:endParaRPr lang="en-US" b="1" dirty="0" smtClean="0"/>
-          </a:p>
-          <a:p>
-            <a:r>
-              <a:rPr lang="en-US" i="1" dirty="0" err="1" smtClean="0"/>
-              <a:t>ElasticNet</a:t>
-            </a:r>
-            <a:endParaRPr lang="en-US" i="1" dirty="0"/>
-          </a:p>
-          <a:p>
-            <a:endParaRPr lang="en-US" dirty="0"/>
-          </a:p>
-          <a:p>
-            <a:endParaRPr lang="en-US" dirty="0"/>
-          </a:p>
-          <a:p>
-            <a:endParaRPr lang="ru-RU" dirty="0"/>
-          </a:p>
-        </p:txBody>
-      </p:sp>
-      <p:sp>
-        <p:nvSpPr>
-          <p:cNvPr id="4" name="Текст 2"/>
-          <p:cNvSpPr txBox="1">
-            <a:spLocks/>
-          </p:cNvSpPr>
-          <p:nvPr/>
-        </p:nvSpPr>
-        <p:spPr>
-          <a:xfrm>
-            <a:off x="4750340" y="1155718"/>
-            <a:ext cx="4286240" cy="3416400"/>
-          </a:xfrm>
-          <a:prstGeom prst="rect">
-            <a:avLst/>
-          </a:prstGeom>
-          <a:noFill/>
-          <a:ln>
-            <a:noFill/>
-          </a:ln>
-        </p:spPr>
-        <p:txBody>
-          <a:bodyPr spcFirstLastPara="1" vert="horz" wrap="square" lIns="91425" tIns="91425" rIns="91425" bIns="91425" anchor="t" anchorCtr="0">
-            <a:normAutofit/>
-          </a:bodyPr>
-          <a:lstStyle>
-            <a:lvl1pPr marL="457200" lvl="0" indent="-342900" algn="l" rtl="0" eaLnBrk="1" latinLnBrk="0" hangingPunct="1">
-              <a:lnSpc>
-                <a:spcPct val="115000"/>
-              </a:lnSpc>
-              <a:spcBef>
-                <a:spcPts val="0"/>
-              </a:spcBef>
-              <a:spcAft>
-                <a:spcPts val="0"/>
-              </a:spcAft>
-              <a:buClr>
-                <a:schemeClr val="tx1">
-                  <a:shade val="95000"/>
-                </a:schemeClr>
-              </a:buClr>
-              <a:buSzPts val="1800"/>
-              <a:buFont typeface="Wingdings 2"/>
-              <a:buChar char="●"/>
-              <a:defRPr kumimoji="0" sz="2800" kern="1200">
-                <a:solidFill>
-                  <a:schemeClr val="tx1"/>
-                </a:solidFill>
-                <a:latin typeface="+mn-lt"/>
-                <a:ea typeface="+mn-ea"/>
-                <a:cs typeface="+mn-cs"/>
-              </a:defRPr>
-            </a:lvl1pPr>
-            <a:lvl2pPr marL="914400" lvl="1" indent="-317500" algn="l" rtl="0" eaLnBrk="1" latinLnBrk="0" hangingPunct="1">
-              <a:lnSpc>
-                <a:spcPct val="115000"/>
-              </a:lnSpc>
-              <a:spcBef>
-                <a:spcPts val="0"/>
-              </a:spcBef>
-              <a:spcAft>
-                <a:spcPts val="0"/>
-              </a:spcAft>
-              <a:buClr>
-                <a:schemeClr val="tx1"/>
-              </a:buClr>
-              <a:buSzPts val="1400"/>
-              <a:buFont typeface="Wingdings 2"/>
-              <a:buChar char="○"/>
-              <a:defRPr kumimoji="0" sz="2400" kern="1200">
-                <a:solidFill>
-                  <a:schemeClr val="tx1"/>
-                </a:solidFill>
-                <a:latin typeface="+mn-lt"/>
-                <a:ea typeface="+mn-ea"/>
-                <a:cs typeface="+mn-cs"/>
-              </a:defRPr>
-            </a:lvl2pPr>
-            <a:lvl3pPr marL="1371600" lvl="2" indent="-317500" algn="l" rtl="0" eaLnBrk="1" latinLnBrk="0" hangingPunct="1">
-              <a:lnSpc>
-                <a:spcPct val="115000"/>
-              </a:lnSpc>
-              <a:spcBef>
-                <a:spcPts val="0"/>
-              </a:spcBef>
-              <a:spcAft>
-                <a:spcPts val="0"/>
-              </a:spcAft>
-              <a:buClr>
-                <a:schemeClr val="tx1"/>
-              </a:buClr>
-              <a:buSzPts val="1400"/>
-              <a:buFont typeface="Wingdings"/>
-              <a:buChar char="■"/>
-              <a:defRPr kumimoji="0" sz="2200" kern="1200">
-                <a:solidFill>
-                  <a:schemeClr val="tx1"/>
-                </a:solidFill>
-                <a:latin typeface="+mn-lt"/>
-                <a:ea typeface="+mn-ea"/>
-                <a:cs typeface="+mn-cs"/>
-              </a:defRPr>
-            </a:lvl3pPr>
-            <a:lvl4pPr marL="1828800" lvl="3" indent="-317500" algn="l" rtl="0" eaLnBrk="1" latinLnBrk="0" hangingPunct="1">
-              <a:lnSpc>
-                <a:spcPct val="115000"/>
-              </a:lnSpc>
-              <a:spcBef>
-                <a:spcPts val="0"/>
-              </a:spcBef>
-              <a:spcAft>
-                <a:spcPts val="0"/>
-              </a:spcAft>
-              <a:buClr>
-                <a:schemeClr val="tx1"/>
-              </a:buClr>
-              <a:buSzPts val="1400"/>
-              <a:buFont typeface="Wingdings 3"/>
-              <a:buChar char="●"/>
-              <a:defRPr kumimoji="0" sz="2000" kern="1200">
-                <a:solidFill>
-                  <a:schemeClr val="tx1"/>
-                </a:solidFill>
-                <a:latin typeface="+mn-lt"/>
-                <a:ea typeface="+mn-ea"/>
-                <a:cs typeface="+mn-cs"/>
-              </a:defRPr>
-            </a:lvl4pPr>
-            <a:lvl5pPr marL="2286000" lvl="4" indent="-317500" algn="l" rtl="0" eaLnBrk="1" latinLnBrk="0" hangingPunct="1">
-              <a:lnSpc>
-                <a:spcPct val="115000"/>
-              </a:lnSpc>
-              <a:spcBef>
-                <a:spcPts val="0"/>
-              </a:spcBef>
-              <a:spcAft>
-                <a:spcPts val="0"/>
-              </a:spcAft>
-              <a:buClr>
-                <a:schemeClr val="tx1"/>
-              </a:buClr>
-              <a:buSzPts val="1400"/>
-              <a:buFont typeface="Wingdings 2"/>
-              <a:buChar char="○"/>
-              <a:defRPr kumimoji="0" sz="2000" kern="1200">
-                <a:solidFill>
-                  <a:schemeClr val="tx1"/>
-                </a:solidFill>
-                <a:latin typeface="+mn-lt"/>
-                <a:ea typeface="+mn-ea"/>
-                <a:cs typeface="+mn-cs"/>
-              </a:defRPr>
-            </a:lvl5pPr>
-            <a:lvl6pPr marL="2743200" lvl="5" indent="-317500" algn="l" rtl="0" eaLnBrk="1" latinLnBrk="0" hangingPunct="1">
-              <a:lnSpc>
-                <a:spcPct val="115000"/>
-              </a:lnSpc>
-              <a:spcBef>
-                <a:spcPts val="0"/>
-              </a:spcBef>
-              <a:spcAft>
-                <a:spcPts val="0"/>
-              </a:spcAft>
-              <a:buClr>
-                <a:schemeClr val="tx1"/>
-              </a:buClr>
-              <a:buSzPts val="1400"/>
-              <a:buFont typeface="Wingdings 3"/>
-              <a:buChar char="■"/>
-              <a:defRPr kumimoji="0" sz="1800" kern="1200">
-                <a:solidFill>
-                  <a:schemeClr val="tx1"/>
-                </a:solidFill>
-                <a:latin typeface="+mn-lt"/>
-                <a:ea typeface="+mn-ea"/>
-                <a:cs typeface="+mn-cs"/>
-              </a:defRPr>
-            </a:lvl6pPr>
-            <a:lvl7pPr marL="3200400" lvl="6" indent="-317500" algn="l" rtl="0" eaLnBrk="1" latinLnBrk="0" hangingPunct="1">
-              <a:lnSpc>
-                <a:spcPct val="115000"/>
-              </a:lnSpc>
-              <a:spcBef>
-                <a:spcPts val="0"/>
-              </a:spcBef>
-              <a:spcAft>
-                <a:spcPts val="0"/>
-              </a:spcAft>
-              <a:buClr>
-                <a:schemeClr val="tx1"/>
-              </a:buClr>
-              <a:buSzPts val="1400"/>
-              <a:buFont typeface="Wingdings 2"/>
-              <a:buChar char="●"/>
-              <a:defRPr kumimoji="0" sz="1600" kern="1200">
-                <a:solidFill>
-                  <a:schemeClr val="tx1"/>
-                </a:solidFill>
-                <a:latin typeface="+mn-lt"/>
-                <a:ea typeface="+mn-ea"/>
-                <a:cs typeface="+mn-cs"/>
-              </a:defRPr>
-            </a:lvl7pPr>
-            <a:lvl8pPr marL="3657600" lvl="7" indent="-317500" algn="l" rtl="0" eaLnBrk="1" latinLnBrk="0" hangingPunct="1">
-              <a:lnSpc>
-                <a:spcPct val="115000"/>
-              </a:lnSpc>
-              <a:spcBef>
-                <a:spcPts val="0"/>
-              </a:spcBef>
-              <a:spcAft>
-                <a:spcPts val="0"/>
-              </a:spcAft>
-              <a:buClr>
-                <a:schemeClr val="tx1"/>
-              </a:buClr>
-              <a:buSzPts val="1400"/>
-              <a:buFont typeface="Wingdings 2"/>
-              <a:buChar char="○"/>
-              <a:defRPr kumimoji="0" sz="1400" kern="1200">
-                <a:solidFill>
-                  <a:schemeClr val="tx1"/>
-                </a:solidFill>
-                <a:latin typeface="+mn-lt"/>
-                <a:ea typeface="+mn-ea"/>
-                <a:cs typeface="+mn-cs"/>
-              </a:defRPr>
-            </a:lvl8pPr>
-            <a:lvl9pPr marL="4114800" lvl="8" indent="-317500" algn="l" rtl="0" eaLnBrk="1" latinLnBrk="0" hangingPunct="1">
-              <a:lnSpc>
-                <a:spcPct val="115000"/>
-              </a:lnSpc>
-              <a:spcBef>
-                <a:spcPts val="0"/>
-              </a:spcBef>
-              <a:spcAft>
-                <a:spcPts val="0"/>
-              </a:spcAft>
-              <a:buClr>
-                <a:schemeClr val="tx1"/>
-              </a:buClr>
-              <a:buSzPts val="1400"/>
-              <a:buFont typeface="Wingdings 2"/>
-              <a:buChar char="■"/>
-              <a:defRPr kumimoji="0" sz="1400" kern="1200" baseline="0">
-                <a:solidFill>
-                  <a:schemeClr val="tx1"/>
-                </a:solidFill>
-                <a:latin typeface="+mn-lt"/>
-                <a:ea typeface="+mn-ea"/>
-                <a:cs typeface="+mn-cs"/>
-              </a:defRPr>
-            </a:lvl9pPr>
-          </a:lstStyle>
-          <a:p>
-            <a:r>
-              <a:rPr lang="ru-RU" u="sng" dirty="0" smtClean="0"/>
-              <a:t>Автоматизация</a:t>
-            </a:r>
-            <a:r>
-              <a:rPr lang="ru-RU" dirty="0" smtClean="0"/>
-              <a:t>: </a:t>
-            </a:r>
-            <a:r>
-              <a:rPr lang="en-US" dirty="0" err="1"/>
-              <a:t>make_pipeline</a:t>
-            </a:r>
-            <a:endParaRPr lang="en-US" dirty="0"/>
-          </a:p>
-          <a:p>
-            <a:r>
-              <a:rPr lang="ru-RU" u="sng" dirty="0" smtClean="0"/>
-              <a:t>Нормализация</a:t>
-            </a:r>
-            <a:r>
-              <a:rPr lang="ru-RU" dirty="0" smtClean="0"/>
-              <a:t>: </a:t>
-            </a:r>
-            <a:r>
-              <a:rPr lang="en-US" dirty="0" err="1" smtClean="0"/>
-              <a:t>StandardScaler</a:t>
-            </a:r>
-            <a:endParaRPr lang="ru-RU" dirty="0" smtClean="0"/>
-          </a:p>
-          <a:p>
-            <a:pPr marL="114300" indent="0">
-              <a:buNone/>
-            </a:pPr>
-            <a:r>
               <a:rPr lang="ru-RU" dirty="0"/>
-              <a:t> </a:t>
-            </a:r>
-            <a:r>
-              <a:rPr lang="ru-RU" dirty="0" smtClean="0"/>
-              <a:t>   </a:t>
-            </a:r>
-            <a:r>
-              <a:rPr lang="en-US" b="1" dirty="0" err="1" smtClean="0"/>
-              <a:t>RobustScaler</a:t>
-            </a:r>
-            <a:endParaRPr lang="en-US" b="1" dirty="0"/>
-          </a:p>
-          <a:p>
-            <a:endParaRPr lang="ru-RU" dirty="0" smtClean="0"/>
-          </a:p>
-          <a:p>
-            <a:endParaRPr lang="en-US" dirty="0" smtClean="0"/>
-          </a:p>
-          <a:p>
-            <a:endParaRPr lang="ru-RU" dirty="0"/>
-          </a:p>
-        </p:txBody>
-      </p:sp>
-    </p:spTree>
-    <p:extLst>
-      <p:ext uri="{BB962C8B-B14F-4D97-AF65-F5344CB8AC3E}">
-        <p14:creationId xmlns:p14="http://schemas.microsoft.com/office/powerpoint/2010/main" val="4201281674"/>
-      </p:ext>
-    </p:extLst>
-  </p:cSld>
-  <p:clrMapOvr>
-    <a:masterClrMapping/>
-  </p:clrMapOvr>
-</p:sld>
-</file>
-
-<file path=ppt/slides/slide11.xml><?xml version="1.0" encoding="utf-8"?>
-<p:sld xmlns:a="http://schemas.openxmlformats.org/drawingml/2006/main" xmlns:r="http://schemas.openxmlformats.org/officeDocument/2006/relationships" xmlns:p="http://schemas.openxmlformats.org/presentationml/2006/main">
-  <p:cSld>
-    <p:spTree>
-      <p:nvGrpSpPr>
-        <p:cNvPr id="1" name=""/>
-        <p:cNvGrpSpPr/>
-        <p:nvPr/>
-      </p:nvGrpSpPr>
-      <p:grpSpPr>
-        <a:xfrm>
-          <a:off x="0" y="0"/>
-          <a:ext cx="0" cy="0"/>
-          <a:chOff x="0" y="0"/>
-          <a:chExt cx="0" cy="0"/>
-        </a:xfrm>
-      </p:grpSpPr>
-      <p:sp>
-        <p:nvSpPr>
-          <p:cNvPr id="2" name="Заголовок 1"/>
-          <p:cNvSpPr>
-            <a:spLocks noGrp="1"/>
-          </p:cNvSpPr>
-          <p:nvPr>
-            <p:ph type="title"/>
-          </p:nvPr>
-        </p:nvSpPr>
-        <p:spPr/>
-        <p:txBody>
-          <a:bodyPr>
-            <a:normAutofit fontScale="90000"/>
-          </a:bodyPr>
-          <a:lstStyle/>
-          <a:p>
-            <a:r>
-              <a:rPr lang="ru-RU" dirty="0" smtClean="0"/>
-              <a:t>Выводы</a:t>
-            </a:r>
-            <a:endParaRPr lang="ru-RU" dirty="0"/>
-          </a:p>
-        </p:txBody>
-      </p:sp>
-      <p:sp>
-        <p:nvSpPr>
-          <p:cNvPr id="3" name="Текст 2"/>
-          <p:cNvSpPr>
-            <a:spLocks noGrp="1"/>
-          </p:cNvSpPr>
-          <p:nvPr>
-            <p:ph type="body" idx="1"/>
-          </p:nvPr>
-        </p:nvSpPr>
-        <p:spPr/>
-        <p:txBody>
-          <a:bodyPr>
-            <a:normAutofit fontScale="92500"/>
-          </a:bodyPr>
-          <a:lstStyle/>
-          <a:p>
-            <a:r>
-              <a:rPr lang="ru-RU" dirty="0" smtClean="0"/>
-              <a:t>Порядок признаков имеет значение</a:t>
-            </a:r>
-          </a:p>
-          <a:p>
-            <a:pPr lvl="1"/>
-            <a:r>
-              <a:rPr lang="ru-RU" dirty="0" smtClean="0"/>
-              <a:t>Да</a:t>
-            </a:r>
-          </a:p>
-          <a:p>
-            <a:r>
-              <a:rPr lang="ru-RU" dirty="0" smtClean="0"/>
-              <a:t>Удаление выбросов в предсказаниях улучшает модель</a:t>
-            </a:r>
-          </a:p>
-          <a:p>
-            <a:pPr lvl="1"/>
-            <a:r>
-              <a:rPr lang="ru-RU" dirty="0" smtClean="0"/>
-              <a:t>Нет</a:t>
-            </a:r>
-          </a:p>
-          <a:p>
-            <a:r>
-              <a:rPr lang="ru-RU" dirty="0" smtClean="0"/>
-              <a:t>Удаление </a:t>
-            </a:r>
-            <a:r>
-              <a:rPr lang="ru-RU" dirty="0" err="1" smtClean="0"/>
-              <a:t>валидационной</a:t>
-            </a:r>
-            <a:r>
-              <a:rPr lang="ru-RU" dirty="0" smtClean="0"/>
-              <a:t> части повышает качество модели</a:t>
-            </a:r>
-          </a:p>
-          <a:p>
-            <a:pPr lvl="1"/>
-            <a:r>
-              <a:rPr lang="ru-RU" dirty="0" smtClean="0"/>
-              <a:t>Нет</a:t>
-            </a:r>
-          </a:p>
-        </p:txBody>
-      </p:sp>
-    </p:spTree>
-    <p:extLst>
-      <p:ext uri="{BB962C8B-B14F-4D97-AF65-F5344CB8AC3E}">
-        <p14:creationId xmlns:p14="http://schemas.microsoft.com/office/powerpoint/2010/main" val="1584176042"/>
-      </p:ext>
-    </p:extLst>
-  </p:cSld>
-  <p:clrMapOvr>
-    <a:masterClrMapping/>
-  </p:clrMapOvr>
-</p:sld>
-</file>
-
-<file path=ppt/slides/slide12.xml><?xml version="1.0" encoding="utf-8"?>
-<p:sld xmlns:a="http://schemas.openxmlformats.org/drawingml/2006/main" xmlns:r="http://schemas.openxmlformats.org/officeDocument/2006/relationships" xmlns:p="http://schemas.openxmlformats.org/presentationml/2006/main">
-  <p:cSld>
-    <p:spTree>
-      <p:nvGrpSpPr>
-        <p:cNvPr id="1" name=""/>
-        <p:cNvGrpSpPr/>
-        <p:nvPr/>
-      </p:nvGrpSpPr>
-      <p:grpSpPr>
-        <a:xfrm>
-          <a:off x="0" y="0"/>
-          <a:ext cx="0" cy="0"/>
-          <a:chOff x="0" y="0"/>
-          <a:chExt cx="0" cy="0"/>
-        </a:xfrm>
-      </p:grpSpPr>
-      <p:sp>
-        <p:nvSpPr>
-          <p:cNvPr id="2" name="Заголовок 1"/>
-          <p:cNvSpPr>
-            <a:spLocks noGrp="1"/>
-          </p:cNvSpPr>
-          <p:nvPr>
-            <p:ph type="title"/>
-          </p:nvPr>
-        </p:nvSpPr>
-        <p:spPr/>
-        <p:txBody>
-          <a:bodyPr>
-            <a:normAutofit fontScale="90000"/>
-          </a:bodyPr>
-          <a:lstStyle/>
-          <a:p>
-            <a:r>
-              <a:rPr lang="ru-RU" dirty="0" smtClean="0"/>
-              <a:t>Инструменты</a:t>
-            </a:r>
-            <a:endParaRPr lang="ru-RU" dirty="0"/>
-          </a:p>
-        </p:txBody>
-      </p:sp>
-      <p:sp>
-        <p:nvSpPr>
-          <p:cNvPr id="3" name="Текст 2"/>
-          <p:cNvSpPr>
-            <a:spLocks noGrp="1"/>
-          </p:cNvSpPr>
-          <p:nvPr>
-            <p:ph type="body" idx="1"/>
-          </p:nvPr>
-        </p:nvSpPr>
-        <p:spPr/>
-        <p:txBody>
-          <a:bodyPr/>
-          <a:lstStyle/>
-          <a:p>
-            <a:r>
-              <a:rPr lang="en-US" dirty="0" err="1" smtClean="0"/>
-              <a:t>Todoist</a:t>
-            </a:r>
-            <a:r>
-              <a:rPr lang="en-US" dirty="0" smtClean="0"/>
-              <a:t> </a:t>
-            </a:r>
-            <a:r>
-              <a:rPr lang="ru-RU" dirty="0" smtClean="0"/>
-              <a:t>для отслеживания задач, сроков, ответственных исполнителей (</a:t>
-            </a:r>
-            <a:r>
-              <a:rPr lang="en-US" dirty="0" smtClean="0"/>
-              <a:t>todoist.com)</a:t>
-            </a:r>
-          </a:p>
-          <a:p>
-            <a:r>
-              <a:rPr lang="ru-RU" dirty="0" smtClean="0"/>
-              <a:t>Интеграция с анонимным </a:t>
-            </a:r>
-            <a:r>
-              <a:rPr lang="en-US" dirty="0" smtClean="0"/>
-              <a:t>FTP-</a:t>
-            </a:r>
-            <a:r>
-              <a:rPr lang="ru-RU" dirty="0" smtClean="0"/>
-              <a:t>сервером для записи результатов работы моделей</a:t>
-            </a:r>
-            <a:endParaRPr lang="ru-RU" dirty="0"/>
-          </a:p>
-        </p:txBody>
-      </p:sp>
-    </p:spTree>
-    <p:extLst>
-      <p:ext uri="{BB962C8B-B14F-4D97-AF65-F5344CB8AC3E}">
-        <p14:creationId xmlns:p14="http://schemas.microsoft.com/office/powerpoint/2010/main" val="2667130146"/>
-      </p:ext>
-    </p:extLst>
-  </p:cSld>
-  <p:clrMapOvr>
-    <a:masterClrMapping/>
-  </p:clrMapOvr>
-</p:sld>
-</file>
-
-<file path=ppt/slides/slide13.xml><?xml version="1.0" encoding="utf-8"?>
-<p:sld xmlns:a="http://schemas.openxmlformats.org/drawingml/2006/main" xmlns:r="http://schemas.openxmlformats.org/officeDocument/2006/relationships" xmlns:p="http://schemas.openxmlformats.org/presentationml/2006/main">
-  <p:cSld>
-    <p:spTree>
-      <p:nvGrpSpPr>
-        <p:cNvPr id="1" name=""/>
-        <p:cNvGrpSpPr/>
-        <p:nvPr/>
-      </p:nvGrpSpPr>
-      <p:grpSpPr>
-        <a:xfrm>
-          <a:off x="0" y="0"/>
-          <a:ext cx="0" cy="0"/>
-          <a:chOff x="0" y="0"/>
-          <a:chExt cx="0" cy="0"/>
-        </a:xfrm>
-      </p:grpSpPr>
-      <p:sp>
-        <p:nvSpPr>
-          <p:cNvPr id="2" name="Заголовок 1"/>
-          <p:cNvSpPr>
-            <a:spLocks noGrp="1"/>
-          </p:cNvSpPr>
-          <p:nvPr>
-            <p:ph type="title"/>
-          </p:nvPr>
-        </p:nvSpPr>
-        <p:spPr/>
-        <p:txBody>
-          <a:bodyPr>
-            <a:normAutofit fontScale="90000"/>
-          </a:bodyPr>
-          <a:lstStyle/>
-          <a:p>
-            <a:r>
-              <a:rPr lang="ru-RU" dirty="0" smtClean="0"/>
-              <a:t>Команда</a:t>
-            </a:r>
-            <a:endParaRPr lang="ru-RU" dirty="0"/>
-          </a:p>
-        </p:txBody>
-      </p:sp>
-      <p:sp>
-        <p:nvSpPr>
-          <p:cNvPr id="3" name="Текст 2"/>
-          <p:cNvSpPr>
-            <a:spLocks noGrp="1"/>
-          </p:cNvSpPr>
-          <p:nvPr>
-            <p:ph type="body" idx="1"/>
-          </p:nvPr>
-        </p:nvSpPr>
-        <p:spPr/>
-        <p:txBody>
-          <a:bodyPr/>
-          <a:lstStyle/>
-          <a:p>
-            <a:r>
-              <a:rPr lang="ru-RU" dirty="0" smtClean="0"/>
-              <a:t>Дмитрий Диденко – кодирование</a:t>
-            </a:r>
-          </a:p>
-          <a:p>
-            <a:r>
-              <a:rPr lang="ru-RU" dirty="0" smtClean="0"/>
-              <a:t>Михаил Боков – категориальные признаки</a:t>
-            </a:r>
-          </a:p>
-          <a:p>
-            <a:r>
-              <a:rPr lang="ru-RU" dirty="0" smtClean="0"/>
-              <a:t>Вадим Рыжков – презентация</a:t>
-            </a:r>
-          </a:p>
-          <a:p>
-            <a:r>
-              <a:rPr lang="ru-RU" dirty="0" smtClean="0"/>
-              <a:t>Михаил </a:t>
-            </a:r>
-            <a:r>
-              <a:rPr lang="ru-RU" dirty="0" err="1" smtClean="0"/>
-              <a:t>Бружмелев</a:t>
-            </a:r>
-            <a:r>
-              <a:rPr lang="ru-RU" dirty="0" smtClean="0"/>
-              <a:t> – идеи</a:t>
-            </a:r>
-          </a:p>
-          <a:p>
-            <a:r>
-              <a:rPr lang="ru-RU" dirty="0" smtClean="0"/>
-              <a:t>Гульнара </a:t>
-            </a:r>
-            <a:r>
-              <a:rPr lang="ru-RU" dirty="0" err="1" smtClean="0"/>
-              <a:t>Шагалиева</a:t>
-            </a:r>
-            <a:r>
-              <a:rPr lang="ru-RU" dirty="0" smtClean="0"/>
-              <a:t> – моральная поддержка</a:t>
-            </a:r>
-            <a:endParaRPr lang="ru-RU" dirty="0"/>
-          </a:p>
-        </p:txBody>
-      </p:sp>
-    </p:spTree>
-    <p:extLst>
-      <p:ext uri="{BB962C8B-B14F-4D97-AF65-F5344CB8AC3E}">
-        <p14:creationId xmlns:p14="http://schemas.microsoft.com/office/powerpoint/2010/main" val="48133632"/>
-      </p:ext>
-    </p:extLst>
-  </p:cSld>
-  <p:clrMapOvr>
-    <a:masterClrMapping/>
-  </p:clrMapOvr>
-</p:sld>
-</file>
-
-<file path=ppt/slides/slide14.xml><?xml version="1.0" encoding="utf-8"?>
-<p:sld xmlns:a="http://schemas.openxmlformats.org/drawingml/2006/main" xmlns:r="http://schemas.openxmlformats.org/officeDocument/2006/relationships" xmlns:p="http://schemas.openxmlformats.org/presentationml/2006/main">
-  <p:cSld>
-    <p:spTree>
-      <p:nvGrpSpPr>
-        <p:cNvPr id="1" name=""/>
-        <p:cNvGrpSpPr/>
-        <p:nvPr/>
-      </p:nvGrpSpPr>
-      <p:grpSpPr>
-        <a:xfrm>
-          <a:off x="0" y="0"/>
-          <a:ext cx="0" cy="0"/>
-          <a:chOff x="0" y="0"/>
-          <a:chExt cx="0" cy="0"/>
-        </a:xfrm>
-      </p:grpSpPr>
-      <p:sp>
-        <p:nvSpPr>
-          <p:cNvPr id="4" name="Заголовок 3"/>
-          <p:cNvSpPr>
-            <a:spLocks noGrp="1"/>
-          </p:cNvSpPr>
-          <p:nvPr>
-            <p:ph type="title"/>
-          </p:nvPr>
-        </p:nvSpPr>
-        <p:spPr>
-          <a:xfrm>
-            <a:off x="266304" y="931407"/>
-            <a:ext cx="8520600" cy="572700"/>
-          </a:xfrm>
-        </p:spPr>
-        <p:txBody>
-          <a:bodyPr>
-            <a:noAutofit/>
-          </a:bodyPr>
-          <a:lstStyle/>
-          <a:p>
-            <a:pPr algn="ctr"/>
-            <a:r>
-              <a:rPr lang="ru-RU" sz="4400" dirty="0" smtClean="0"/>
-              <a:t>Спасибо</a:t>
-            </a:r>
-            <a:br>
-              <a:rPr lang="ru-RU" sz="4400" dirty="0" smtClean="0"/>
-            </a:br>
-            <a:r>
-              <a:rPr lang="ru-RU" sz="4400" dirty="0" smtClean="0"/>
-              <a:t>за внимание!</a:t>
-            </a:r>
-            <a:br>
-              <a:rPr lang="ru-RU" sz="4400" dirty="0" smtClean="0"/>
-            </a:br>
-            <a:r>
-              <a:rPr lang="ru-RU" sz="4400" dirty="0" smtClean="0"/>
-              <a:t/>
-            </a:r>
-            <a:br>
-              <a:rPr lang="ru-RU" sz="4400" dirty="0" smtClean="0"/>
-            </a:br>
-            <a:r>
-              <a:rPr lang="ru-RU" sz="4400" dirty="0" smtClean="0"/>
-              <a:t>Вопросы?</a:t>
-            </a:r>
-            <a:endParaRPr lang="ru-RU" sz="4400" dirty="0"/>
-          </a:p>
-        </p:txBody>
-      </p:sp>
-    </p:spTree>
-    <p:extLst>
-      <p:ext uri="{BB962C8B-B14F-4D97-AF65-F5344CB8AC3E}">
-        <p14:creationId xmlns:p14="http://schemas.microsoft.com/office/powerpoint/2010/main" val="3472401071"/>
-      </p:ext>
-    </p:extLst>
-  </p:cSld>
-  <p:clrMapOvr>
-    <a:masterClrMapping/>
-  </p:clrMapOvr>
-</p:sld>
-</file>
-
-<file path=ppt/slides/slide2.xml><?xml version="1.0" encoding="utf-8"?>
-<p:sld xmlns:a="http://schemas.openxmlformats.org/drawingml/2006/main" xmlns:r="http://schemas.openxmlformats.org/officeDocument/2006/relationships" xmlns:p="http://schemas.openxmlformats.org/presentationml/2006/main">
-  <p:cSld>
-    <p:spTree>
-      <p:nvGrpSpPr>
-        <p:cNvPr id="1" name="Shape 60"/>
-        <p:cNvGrpSpPr/>
-        <p:nvPr/>
-      </p:nvGrpSpPr>
-      <p:grpSpPr>
-        <a:xfrm>
-          <a:off x="0" y="0"/>
-          <a:ext cx="0" cy="0"/>
-          <a:chOff x="0" y="0"/>
-          <a:chExt cx="0" cy="0"/>
-        </a:xfrm>
-      </p:grpSpPr>
-      <p:sp>
-        <p:nvSpPr>
-          <p:cNvPr id="61" name="Google Shape;61;p14"/>
-          <p:cNvSpPr txBox="1">
-            <a:spLocks noGrp="1"/>
-          </p:cNvSpPr>
-          <p:nvPr>
-            <p:ph type="title"/>
-          </p:nvPr>
-        </p:nvSpPr>
-        <p:spPr>
-          <a:prstGeom prst="rect">
-            <a:avLst/>
-          </a:prstGeom>
-          <a:noFill/>
-          <a:ln>
-            <a:noFill/>
-          </a:ln>
-        </p:spPr>
-        <p:txBody>
-          <a:bodyPr spcFirstLastPara="1" wrap="square" lIns="91425" tIns="91425" rIns="91425" bIns="91425" anchor="t" anchorCtr="0">
-            <a:normAutofit fontScale="90000"/>
-          </a:bodyPr>
-          <a:lstStyle/>
-          <a:p>
-            <a:pPr marL="0" lvl="0" indent="0" algn="l" rtl="0">
-              <a:lnSpc>
-                <a:spcPct val="100000"/>
-              </a:lnSpc>
-              <a:spcBef>
-                <a:spcPts val="0"/>
-              </a:spcBef>
-              <a:spcAft>
-                <a:spcPts val="0"/>
-              </a:spcAft>
-              <a:buSzPct val="111111"/>
-              <a:buNone/>
-            </a:pPr>
-            <a:r>
-              <a:rPr lang="ru" dirty="0" smtClean="0"/>
-              <a:t>План выступления</a:t>
-            </a:r>
-            <a:endParaRPr dirty="0"/>
-          </a:p>
-        </p:txBody>
-      </p:sp>
-      <p:sp>
-        <p:nvSpPr>
-          <p:cNvPr id="62" name="Google Shape;62;p14"/>
-          <p:cNvSpPr txBox="1">
-            <a:spLocks noGrp="1"/>
-          </p:cNvSpPr>
-          <p:nvPr>
-            <p:ph type="body" idx="1"/>
-          </p:nvPr>
-        </p:nvSpPr>
-        <p:spPr>
-          <a:prstGeom prst="rect">
-            <a:avLst/>
-          </a:prstGeom>
-          <a:noFill/>
-          <a:ln>
-            <a:noFill/>
-          </a:ln>
-        </p:spPr>
-        <p:txBody>
-          <a:bodyPr spcFirstLastPara="1" wrap="square" lIns="91425" tIns="91425" rIns="91425" bIns="91425" anchor="t" anchorCtr="0">
-            <a:normAutofit/>
-          </a:bodyPr>
-          <a:lstStyle/>
-          <a:p>
-            <a:r>
-              <a:rPr lang="ru-RU" dirty="0" smtClean="0"/>
-              <a:t>Соревнование</a:t>
-            </a:r>
-          </a:p>
-          <a:p>
-            <a:r>
-              <a:rPr lang="en-US" dirty="0" smtClean="0"/>
-              <a:t>EDA</a:t>
-            </a:r>
-          </a:p>
-          <a:p>
-            <a:r>
-              <a:rPr lang="ru-RU" dirty="0" smtClean="0"/>
-              <a:t>Гипотезы</a:t>
-            </a:r>
-          </a:p>
-          <a:p>
-            <a:r>
-              <a:rPr lang="ru-RU" dirty="0" smtClean="0"/>
-              <a:t>Проверка</a:t>
-            </a:r>
-          </a:p>
-          <a:p>
-            <a:r>
-              <a:rPr lang="ru-RU" dirty="0" smtClean="0"/>
-              <a:t>Выводы</a:t>
-            </a:r>
-            <a:endParaRPr lang="en-US" dirty="0" smtClean="0"/>
-          </a:p>
-          <a:p>
-            <a:r>
-              <a:rPr lang="ru-RU" dirty="0" smtClean="0"/>
-              <a:t>О нашей работе</a:t>
-            </a:r>
-            <a:endParaRPr dirty="0"/>
-          </a:p>
-        </p:txBody>
-      </p:sp>
-    </p:spTree>
-  </p:cSld>
-  <p:clrMapOvr>
-    <a:masterClrMapping/>
-  </p:clrMapOvr>
-  <p:timing>
-    <p:tnLst>
-      <p:par>
-        <p:cTn id="1" dur="indefinite" restart="never" nodeType="tmRoot"/>
-      </p:par>
-    </p:tnLst>
-  </p:timing>
-</p:sld>
-</file>
-
-<file path=ppt/slides/slide3.xml><?xml version="1.0" encoding="utf-8"?>
-<p:sld xmlns:a="http://schemas.openxmlformats.org/drawingml/2006/main" xmlns:r="http://schemas.openxmlformats.org/officeDocument/2006/relationships" xmlns:p="http://schemas.openxmlformats.org/presentationml/2006/main">
-  <p:cSld>
-    <p:spTree>
-      <p:nvGrpSpPr>
-        <p:cNvPr id="1" name=""/>
-        <p:cNvGrpSpPr/>
-        <p:nvPr/>
-      </p:nvGrpSpPr>
-      <p:grpSpPr>
-        <a:xfrm>
-          <a:off x="0" y="0"/>
-          <a:ext cx="0" cy="0"/>
-          <a:chOff x="0" y="0"/>
-          <a:chExt cx="0" cy="0"/>
-        </a:xfrm>
-      </p:grpSpPr>
-      <p:sp>
-        <p:nvSpPr>
-          <p:cNvPr id="2" name="Заголовок 1"/>
-          <p:cNvSpPr>
-            <a:spLocks noGrp="1"/>
-          </p:cNvSpPr>
-          <p:nvPr>
-            <p:ph type="title"/>
-          </p:nvPr>
-        </p:nvSpPr>
-        <p:spPr/>
-        <p:txBody>
-          <a:bodyPr>
-            <a:normAutofit fontScale="90000"/>
-          </a:bodyPr>
-          <a:lstStyle/>
-          <a:p>
-            <a:r>
-              <a:rPr lang="ru-RU" dirty="0" smtClean="0"/>
-              <a:t>Результаты соревнования</a:t>
-            </a:r>
-            <a:endParaRPr lang="ru-RU" dirty="0"/>
-          </a:p>
-        </p:txBody>
-      </p:sp>
-      <p:sp>
-        <p:nvSpPr>
-          <p:cNvPr id="3" name="Текст 2"/>
-          <p:cNvSpPr>
-            <a:spLocks noGrp="1"/>
-          </p:cNvSpPr>
-          <p:nvPr>
-            <p:ph type="body" idx="1"/>
-          </p:nvPr>
-        </p:nvSpPr>
-        <p:spPr>
-          <a:xfrm>
-            <a:off x="6382661" y="1152475"/>
-            <a:ext cx="2449639" cy="3501434"/>
-          </a:xfrm>
-        </p:spPr>
-        <p:txBody>
-          <a:bodyPr>
-            <a:normAutofit fontScale="70000" lnSpcReduction="20000"/>
-          </a:bodyPr>
-          <a:lstStyle/>
-          <a:p>
-            <a:r>
-              <a:rPr lang="ru-RU" u="sng" dirty="0" smtClean="0"/>
-              <a:t>Цель</a:t>
-            </a:r>
-            <a:r>
-              <a:rPr lang="ru-RU" dirty="0" smtClean="0"/>
-              <a:t>: предсказать цены на дома в американском городке</a:t>
-            </a:r>
-          </a:p>
-          <a:p>
-            <a:r>
-              <a:rPr lang="ru-RU" u="sng" dirty="0" smtClean="0"/>
-              <a:t>Обучающая выборка</a:t>
-            </a:r>
-            <a:r>
-              <a:rPr lang="ru-RU" dirty="0" smtClean="0"/>
-              <a:t>:</a:t>
-            </a:r>
-          </a:p>
-          <a:p>
-            <a:pPr marL="114300" indent="0">
-              <a:buNone/>
-            </a:pPr>
-            <a:r>
-              <a:rPr lang="ru-RU" dirty="0" smtClean="0"/>
-              <a:t>     1460 домов</a:t>
-            </a:r>
-            <a:endParaRPr lang="ru-RU" dirty="0" smtClean="0"/>
-          </a:p>
-          <a:p>
-            <a:r>
-              <a:rPr lang="ru-RU" u="sng" dirty="0" smtClean="0"/>
-              <a:t>Метрика</a:t>
-            </a:r>
-            <a:r>
-              <a:rPr lang="ru-RU" dirty="0" smtClean="0"/>
-              <a:t>:</a:t>
-            </a:r>
-          </a:p>
-          <a:p>
-            <a:pPr marL="114300" indent="0">
-              <a:buNone/>
-            </a:pPr>
-            <a:r>
-              <a:rPr lang="ru-RU" dirty="0"/>
-              <a:t> </a:t>
-            </a:r>
-            <a:r>
-              <a:rPr lang="ru-RU" dirty="0" smtClean="0"/>
-              <a:t>    </a:t>
-            </a:r>
-            <a:r>
-              <a:rPr lang="en-US" dirty="0" smtClean="0"/>
-              <a:t>RMSE</a:t>
-            </a:r>
-            <a:endParaRPr lang="ru-RU" dirty="0" smtClean="0"/>
-          </a:p>
-          <a:p>
-            <a:pPr marL="114300" indent="0">
-              <a:buNone/>
-            </a:pPr>
-            <a:r>
-              <a:rPr lang="ru-RU" dirty="0"/>
-              <a:t> </a:t>
-            </a:r>
-            <a:r>
-              <a:rPr lang="ru-RU" dirty="0" smtClean="0"/>
-              <a:t>    логарифмов</a:t>
-            </a:r>
-            <a:endParaRPr lang="ru-RU" dirty="0"/>
-          </a:p>
-        </p:txBody>
-      </p:sp>
-      <p:pic>
-        <p:nvPicPr>
-          <p:cNvPr id="2050" name="Picture 2"/>
-          <p:cNvPicPr>
-            <a:picLocks noChangeAspect="1" noChangeArrowheads="1"/>
-          </p:cNvPicPr>
-          <p:nvPr/>
-        </p:nvPicPr>
-        <p:blipFill>
-          <a:blip r:embed="rId3">
-            <a:extLst>
-              <a:ext uri="{28A0092B-C50C-407E-A947-70E740481C1C}">
-                <a14:useLocalDpi xmlns:a14="http://schemas.microsoft.com/office/drawing/2010/main" val="0"/>
-              </a:ext>
-            </a:extLst>
-          </a:blip>
-          <a:srcRect/>
-          <a:stretch>
-            <a:fillRect/>
-          </a:stretch>
-        </p:blipFill>
-        <p:spPr bwMode="auto">
-          <a:xfrm>
-            <a:off x="256498" y="1186809"/>
-            <a:ext cx="6126163" cy="3467100"/>
-          </a:xfrm>
-          <a:prstGeom prst="rect">
-            <a:avLst/>
-          </a:prstGeom>
-          <a:noFill/>
-          <a:ln>
-            <a:noFill/>
-          </a:ln>
-          <a:effectLst/>
-          <a:extLst>
-            <a:ext uri="{909E8E84-426E-40DD-AFC4-6F175D3DCCD1}">
-              <a14:hiddenFill xmlns:a14="http://schemas.microsoft.com/office/drawing/2010/main">
-                <a:solidFill>
-                  <a:schemeClr val="accent1"/>
-                </a:solidFill>
-              </a14:hiddenFill>
-            </a:ext>
-            <a:ext uri="{91240B29-F687-4F45-9708-019B960494DF}">
-              <a14:hiddenLine xmlns:a14="http://schemas.microsoft.com/office/drawing/2010/main" w="9525">
-                <a:solidFill>
-                  <a:schemeClr val="tx1"/>
-                </a:solidFill>
-                <a:miter lim="800000"/>
-                <a:headEnd/>
-                <a:tailEnd/>
-              </a14:hiddenLine>
-            </a:ext>
-            <a:ext uri="{AF507438-7753-43E0-B8FC-AC1667EBCBE1}">
-              <a14:hiddenEffects xmlns:a14="http://schemas.microsoft.com/office/drawing/2010/main">
-                <a:effectLst>
-                  <a:outerShdw dist="35921" dir="2700000" algn="ctr" rotWithShape="0">
-                    <a:schemeClr val="bg2"/>
-                  </a:outerShdw>
-                </a:effectLst>
-              </a14:hiddenEffects>
-            </a:ext>
-          </a:extLst>
-        </p:spPr>
-      </p:pic>
-    </p:spTree>
-    <p:extLst>
-      <p:ext uri="{BB962C8B-B14F-4D97-AF65-F5344CB8AC3E}">
-        <p14:creationId xmlns:p14="http://schemas.microsoft.com/office/powerpoint/2010/main" val="981254188"/>
-      </p:ext>
-    </p:extLst>
-  </p:cSld>
-  <p:clrMapOvr>
-    <a:masterClrMapping/>
-  </p:clrMapOvr>
-  <p:timing>
-    <p:tnLst>
-      <p:par>
-        <p:cTn id="1" dur="indefinite" restart="never" nodeType="tmRoot"/>
-      </p:par>
-    </p:tnLst>
-  </p:timing>
-</p:sld>
-</file>
-
-<file path=ppt/slides/slide4.xml><?xml version="1.0" encoding="utf-8"?>
-<p:sld xmlns:a="http://schemas.openxmlformats.org/drawingml/2006/main" xmlns:r="http://schemas.openxmlformats.org/officeDocument/2006/relationships" xmlns:p="http://schemas.openxmlformats.org/presentationml/2006/main">
-  <p:cSld>
-    <p:spTree>
-      <p:nvGrpSpPr>
-        <p:cNvPr id="1" name=""/>
-        <p:cNvGrpSpPr/>
-        <p:nvPr/>
-      </p:nvGrpSpPr>
-      <p:grpSpPr>
-        <a:xfrm>
-          <a:off x="0" y="0"/>
-          <a:ext cx="0" cy="0"/>
-          <a:chOff x="0" y="0"/>
-          <a:chExt cx="0" cy="0"/>
-        </a:xfrm>
-      </p:grpSpPr>
-      <p:sp>
-        <p:nvSpPr>
-          <p:cNvPr id="2" name="Заголовок 1"/>
-          <p:cNvSpPr>
-            <a:spLocks noGrp="1"/>
-          </p:cNvSpPr>
-          <p:nvPr>
-            <p:ph type="title"/>
-          </p:nvPr>
-        </p:nvSpPr>
-        <p:spPr/>
-        <p:txBody>
-          <a:bodyPr>
-            <a:normAutofit fontScale="90000"/>
-          </a:bodyPr>
-          <a:lstStyle/>
-          <a:p>
-            <a:r>
-              <a:rPr lang="ru-RU" dirty="0" smtClean="0"/>
-              <a:t>Пустые значения</a:t>
-            </a:r>
-            <a:endParaRPr lang="ru-RU" dirty="0"/>
-          </a:p>
-        </p:txBody>
-      </p:sp>
-      <p:sp>
-        <p:nvSpPr>
-          <p:cNvPr id="3" name="Текст 2"/>
-          <p:cNvSpPr>
-            <a:spLocks noGrp="1"/>
-          </p:cNvSpPr>
-          <p:nvPr>
-            <p:ph type="body" idx="1"/>
-          </p:nvPr>
-        </p:nvSpPr>
-        <p:spPr>
-          <a:xfrm>
-            <a:off x="5637754" y="1152475"/>
-            <a:ext cx="3194545" cy="3439260"/>
-          </a:xfrm>
-        </p:spPr>
-        <p:txBody>
-          <a:bodyPr>
-            <a:normAutofit fontScale="92500" lnSpcReduction="20000"/>
-          </a:bodyPr>
-          <a:lstStyle/>
-          <a:p>
-            <a:r>
-              <a:rPr lang="ru-RU" u="sng" dirty="0" smtClean="0"/>
-              <a:t>Стратегии</a:t>
-            </a:r>
-            <a:r>
-              <a:rPr lang="ru-RU" dirty="0" smtClean="0"/>
-              <a:t>:</a:t>
-            </a:r>
-          </a:p>
-          <a:p>
-            <a:pPr>
-              <a:buFontTx/>
-              <a:buChar char="-"/>
-            </a:pPr>
-            <a:r>
-              <a:rPr lang="ru-RU" dirty="0" smtClean="0"/>
-              <a:t>Объединение</a:t>
-            </a:r>
-          </a:p>
-          <a:p>
-            <a:pPr>
-              <a:buFontTx/>
-              <a:buChar char="-"/>
-            </a:pPr>
-            <a:r>
-              <a:rPr lang="ru-RU" dirty="0" smtClean="0"/>
-              <a:t>Заполнение средним</a:t>
-            </a:r>
-          </a:p>
-          <a:p>
-            <a:pPr>
-              <a:buFontTx/>
-              <a:buChar char="-"/>
-            </a:pPr>
-            <a:r>
-              <a:rPr lang="ru-RU" dirty="0" smtClean="0"/>
-              <a:t>Заполнение нулями</a:t>
-            </a:r>
-          </a:p>
-          <a:p>
-            <a:pPr>
-              <a:buFontTx/>
-              <a:buChar char="-"/>
-            </a:pPr>
-            <a:r>
-              <a:rPr lang="ru-RU" dirty="0" smtClean="0"/>
-              <a:t>Категория </a:t>
-            </a:r>
-            <a:r>
-              <a:rPr lang="en-US" dirty="0" smtClean="0"/>
-              <a:t>MISSING</a:t>
-            </a:r>
-            <a:endParaRPr lang="ru-RU" dirty="0" smtClean="0"/>
-          </a:p>
-          <a:p>
-            <a:pPr>
-              <a:buFontTx/>
-              <a:buChar char="-"/>
-            </a:pPr>
-            <a:endParaRPr lang="ru-RU" dirty="0" smtClean="0"/>
-          </a:p>
-        </p:txBody>
-      </p:sp>
-      <p:pic>
-        <p:nvPicPr>
-          <p:cNvPr id="2050" name="Picture 2"/>
-          <p:cNvPicPr>
-            <a:picLocks noChangeAspect="1" noChangeArrowheads="1"/>
-          </p:cNvPicPr>
-          <p:nvPr/>
-        </p:nvPicPr>
-        <p:blipFill>
-          <a:blip r:embed="rId2">
-            <a:extLst>
-              <a:ext uri="{28A0092B-C50C-407E-A947-70E740481C1C}">
-                <a14:useLocalDpi xmlns:a14="http://schemas.microsoft.com/office/drawing/2010/main" val="0"/>
-              </a:ext>
-            </a:extLst>
-          </a:blip>
-          <a:srcRect/>
-          <a:stretch>
-            <a:fillRect/>
-          </a:stretch>
-        </p:blipFill>
-        <p:spPr bwMode="auto">
-          <a:xfrm>
-            <a:off x="440754" y="1171046"/>
-            <a:ext cx="5197000" cy="3164130"/>
-          </a:xfrm>
-          <a:prstGeom prst="rect">
-            <a:avLst/>
-          </a:prstGeom>
-          <a:noFill/>
-          <a:ln>
-            <a:noFill/>
-          </a:ln>
-          <a:effectLst/>
-          <a:extLst>
-            <a:ext uri="{909E8E84-426E-40DD-AFC4-6F175D3DCCD1}">
-              <a14:hiddenFill xmlns:a14="http://schemas.microsoft.com/office/drawing/2010/main">
-                <a:solidFill>
-                  <a:schemeClr val="accent1"/>
-                </a:solidFill>
-              </a14:hiddenFill>
-            </a:ext>
-            <a:ext uri="{91240B29-F687-4F45-9708-019B960494DF}">
-              <a14:hiddenLine xmlns:a14="http://schemas.microsoft.com/office/drawing/2010/main" w="9525">
-                <a:solidFill>
-                  <a:schemeClr val="tx1"/>
-                </a:solidFill>
-                <a:miter lim="800000"/>
-                <a:headEnd/>
-                <a:tailEnd/>
-              </a14:hiddenLine>
-            </a:ext>
-            <a:ext uri="{AF507438-7753-43E0-B8FC-AC1667EBCBE1}">
-              <a14:hiddenEffects xmlns:a14="http://schemas.microsoft.com/office/drawing/2010/main">
-                <a:effectLst>
-                  <a:outerShdw dist="35921" dir="2700000" algn="ctr" rotWithShape="0">
-                    <a:schemeClr val="bg2"/>
-                  </a:outerShdw>
-                </a:effectLst>
-              </a14:hiddenEffects>
-            </a:ext>
-          </a:extLst>
-        </p:spPr>
-      </p:pic>
-    </p:spTree>
-    <p:extLst>
-      <p:ext uri="{BB962C8B-B14F-4D97-AF65-F5344CB8AC3E}">
-        <p14:creationId xmlns:p14="http://schemas.microsoft.com/office/powerpoint/2010/main" val="1776010457"/>
-      </p:ext>
-    </p:extLst>
-  </p:cSld>
-  <p:clrMapOvr>
-    <a:masterClrMapping/>
-  </p:clrMapOvr>
-</p:sld>
-</file>
-
-<file path=ppt/slides/slide5.xml><?xml version="1.0" encoding="utf-8"?>
-<p:sld xmlns:a="http://schemas.openxmlformats.org/drawingml/2006/main" xmlns:r="http://schemas.openxmlformats.org/officeDocument/2006/relationships" xmlns:p="http://schemas.openxmlformats.org/presentationml/2006/main">
-  <p:cSld>
-    <p:spTree>
-      <p:nvGrpSpPr>
-        <p:cNvPr id="1" name=""/>
-        <p:cNvGrpSpPr/>
-        <p:nvPr/>
-      </p:nvGrpSpPr>
-      <p:grpSpPr>
-        <a:xfrm>
-          <a:off x="0" y="0"/>
-          <a:ext cx="0" cy="0"/>
-          <a:chOff x="0" y="0"/>
-          <a:chExt cx="0" cy="0"/>
-        </a:xfrm>
-      </p:grpSpPr>
-      <p:sp>
-        <p:nvSpPr>
-          <p:cNvPr id="2" name="Заголовок 1"/>
-          <p:cNvSpPr>
-            <a:spLocks noGrp="1"/>
-          </p:cNvSpPr>
-          <p:nvPr>
-            <p:ph type="title"/>
-          </p:nvPr>
-        </p:nvSpPr>
-        <p:spPr/>
-        <p:txBody>
-          <a:bodyPr>
-            <a:normAutofit fontScale="90000"/>
-          </a:bodyPr>
-          <a:lstStyle/>
-          <a:p>
-            <a:r>
-              <a:rPr lang="ru-RU" dirty="0" smtClean="0"/>
-              <a:t>Выбросы</a:t>
-            </a:r>
-            <a:endParaRPr lang="ru-RU" dirty="0"/>
-          </a:p>
-        </p:txBody>
-      </p:sp>
-      <p:sp>
-        <p:nvSpPr>
-          <p:cNvPr id="3" name="Текст 2"/>
-          <p:cNvSpPr>
-            <a:spLocks noGrp="1"/>
-          </p:cNvSpPr>
-          <p:nvPr>
-            <p:ph type="body" idx="1"/>
-          </p:nvPr>
-        </p:nvSpPr>
-        <p:spPr>
-          <a:xfrm>
-            <a:off x="4151539" y="1152475"/>
-            <a:ext cx="4680761" cy="3416400"/>
-          </a:xfrm>
-        </p:spPr>
-        <p:txBody>
-          <a:bodyPr/>
-          <a:lstStyle/>
-          <a:p>
-            <a:r>
-              <a:rPr lang="ru-RU" dirty="0" smtClean="0"/>
-              <a:t>Присутствуют в большом количестве столбцов</a:t>
-            </a:r>
-          </a:p>
-          <a:p>
-            <a:r>
-              <a:rPr lang="ru-RU" dirty="0" smtClean="0"/>
-              <a:t>Удалили выбросы больше 1,5 * </a:t>
-            </a:r>
-            <a:r>
-              <a:rPr lang="en-US" dirty="0" smtClean="0"/>
-              <a:t>IQR</a:t>
-            </a:r>
-          </a:p>
-          <a:p>
-            <a:r>
-              <a:rPr lang="ru-RU" dirty="0" smtClean="0"/>
-              <a:t>Осталось 1140 домов</a:t>
-            </a:r>
-            <a:endParaRPr lang="ru-RU" dirty="0"/>
-          </a:p>
-        </p:txBody>
-      </p:sp>
-      <p:pic>
-        <p:nvPicPr>
-          <p:cNvPr id="5122" name="Picture 2"/>
-          <p:cNvPicPr>
-            <a:picLocks noChangeAspect="1" noChangeArrowheads="1"/>
-          </p:cNvPicPr>
-          <p:nvPr/>
-        </p:nvPicPr>
-        <p:blipFill>
-          <a:blip r:embed="rId2">
-            <a:extLst>
-              <a:ext uri="{28A0092B-C50C-407E-A947-70E740481C1C}">
-                <a14:useLocalDpi xmlns:a14="http://schemas.microsoft.com/office/drawing/2010/main" val="0"/>
-              </a:ext>
-            </a:extLst>
-          </a:blip>
-          <a:srcRect/>
-          <a:stretch>
-            <a:fillRect/>
-          </a:stretch>
-        </p:blipFill>
-        <p:spPr bwMode="auto">
-          <a:xfrm>
-            <a:off x="297808" y="1160833"/>
-            <a:ext cx="3853731" cy="3361346"/>
-          </a:xfrm>
-          <a:prstGeom prst="rect">
-            <a:avLst/>
-          </a:prstGeom>
-          <a:noFill/>
-          <a:ln>
-            <a:noFill/>
-          </a:ln>
-          <a:effectLst/>
-          <a:extLst>
-            <a:ext uri="{909E8E84-426E-40DD-AFC4-6F175D3DCCD1}">
-              <a14:hiddenFill xmlns:a14="http://schemas.microsoft.com/office/drawing/2010/main">
-                <a:solidFill>
-                  <a:schemeClr val="accent1"/>
-                </a:solidFill>
-              </a14:hiddenFill>
-            </a:ext>
-            <a:ext uri="{91240B29-F687-4F45-9708-019B960494DF}">
-              <a14:hiddenLine xmlns:a14="http://schemas.microsoft.com/office/drawing/2010/main" w="9525">
-                <a:solidFill>
-                  <a:schemeClr val="tx1"/>
-                </a:solidFill>
-                <a:miter lim="800000"/>
-                <a:headEnd/>
-                <a:tailEnd/>
-              </a14:hiddenLine>
-            </a:ext>
-            <a:ext uri="{AF507438-7753-43E0-B8FC-AC1667EBCBE1}">
-              <a14:hiddenEffects xmlns:a14="http://schemas.microsoft.com/office/drawing/2010/main">
-                <a:effectLst>
-                  <a:outerShdw dist="35921" dir="2700000" algn="ctr" rotWithShape="0">
-                    <a:schemeClr val="bg2"/>
-                  </a:outerShdw>
-                </a:effectLst>
-              </a14:hiddenEffects>
-            </a:ext>
-          </a:extLst>
-        </p:spPr>
-      </p:pic>
-    </p:spTree>
-    <p:extLst>
-      <p:ext uri="{BB962C8B-B14F-4D97-AF65-F5344CB8AC3E}">
-        <p14:creationId xmlns:p14="http://schemas.microsoft.com/office/powerpoint/2010/main" val="1459840307"/>
-      </p:ext>
-    </p:extLst>
-  </p:cSld>
-  <p:clrMapOvr>
-    <a:masterClrMapping/>
-  </p:clrMapOvr>
-</p:sld>
-</file>
-
-<file path=ppt/slides/slide6.xml><?xml version="1.0" encoding="utf-8"?>
-<p:sld xmlns:a="http://schemas.openxmlformats.org/drawingml/2006/main" xmlns:r="http://schemas.openxmlformats.org/officeDocument/2006/relationships" xmlns:p="http://schemas.openxmlformats.org/presentationml/2006/main">
-  <p:cSld>
-    <p:spTree>
-      <p:nvGrpSpPr>
-        <p:cNvPr id="1" name=""/>
-        <p:cNvGrpSpPr/>
-        <p:nvPr/>
-      </p:nvGrpSpPr>
-      <p:grpSpPr>
-        <a:xfrm>
-          <a:off x="0" y="0"/>
-          <a:ext cx="0" cy="0"/>
-          <a:chOff x="0" y="0"/>
-          <a:chExt cx="0" cy="0"/>
-        </a:xfrm>
-      </p:grpSpPr>
-      <p:sp>
-        <p:nvSpPr>
-          <p:cNvPr id="2" name="Заголовок 1"/>
-          <p:cNvSpPr>
-            <a:spLocks noGrp="1"/>
-          </p:cNvSpPr>
-          <p:nvPr>
-            <p:ph type="title"/>
-          </p:nvPr>
-        </p:nvSpPr>
-        <p:spPr/>
-        <p:txBody>
-          <a:bodyPr>
-            <a:normAutofit fontScale="90000"/>
-          </a:bodyPr>
-          <a:lstStyle/>
-          <a:p>
-            <a:r>
-              <a:rPr lang="ru-RU" dirty="0" err="1" smtClean="0"/>
-              <a:t>Логарифмизация</a:t>
-            </a:r>
-            <a:endParaRPr lang="ru-RU" dirty="0"/>
-          </a:p>
-        </p:txBody>
-      </p:sp>
-      <p:sp>
-        <p:nvSpPr>
-          <p:cNvPr id="3" name="Текст 2"/>
-          <p:cNvSpPr>
-            <a:spLocks noGrp="1"/>
-          </p:cNvSpPr>
-          <p:nvPr>
-            <p:ph type="body" idx="1"/>
-          </p:nvPr>
-        </p:nvSpPr>
-        <p:spPr>
-          <a:xfrm>
-            <a:off x="5979269" y="1176170"/>
-            <a:ext cx="2859238" cy="1515149"/>
-          </a:xfrm>
-        </p:spPr>
-        <p:txBody>
-          <a:bodyPr>
-            <a:noAutofit/>
-          </a:bodyPr>
-          <a:lstStyle/>
-          <a:p>
-            <a:r>
-              <a:rPr lang="ru-RU" sz="2000" dirty="0" smtClean="0"/>
-              <a:t>Смещение вправо</a:t>
-            </a:r>
-          </a:p>
-          <a:p>
-            <a:r>
-              <a:rPr lang="ru-RU" sz="2000" dirty="0" smtClean="0"/>
-              <a:t>Большие порядки</a:t>
-            </a:r>
-          </a:p>
-          <a:p>
-            <a:r>
-              <a:rPr lang="ru-RU" sz="2000" dirty="0" smtClean="0"/>
-              <a:t>Мультипликативная модель</a:t>
-            </a:r>
-            <a:endParaRPr lang="ru-RU" sz="2000" dirty="0"/>
-          </a:p>
-        </p:txBody>
-      </p:sp>
-      <p:pic>
-        <p:nvPicPr>
-          <p:cNvPr id="1026" name="Picture 2"/>
-          <p:cNvPicPr>
-            <a:picLocks noChangeAspect="1" noChangeArrowheads="1"/>
-          </p:cNvPicPr>
-          <p:nvPr/>
-        </p:nvPicPr>
-        <p:blipFill>
-          <a:blip r:embed="rId2">
-            <a:extLst>
-              <a:ext uri="{28A0092B-C50C-407E-A947-70E740481C1C}">
-                <a14:useLocalDpi xmlns:a14="http://schemas.microsoft.com/office/drawing/2010/main" val="0"/>
-              </a:ext>
-            </a:extLst>
-          </a:blip>
-          <a:srcRect/>
-          <a:stretch>
-            <a:fillRect/>
-          </a:stretch>
-        </p:blipFill>
-        <p:spPr bwMode="auto">
-          <a:xfrm>
-            <a:off x="317907" y="1176170"/>
-            <a:ext cx="5661362" cy="2495170"/>
-          </a:xfrm>
-          <a:prstGeom prst="rect">
-            <a:avLst/>
-          </a:prstGeom>
-          <a:noFill/>
-          <a:ln>
-            <a:noFill/>
-          </a:ln>
-          <a:effectLst/>
-          <a:extLst>
-            <a:ext uri="{909E8E84-426E-40DD-AFC4-6F175D3DCCD1}">
-              <a14:hiddenFill xmlns:a14="http://schemas.microsoft.com/office/drawing/2010/main">
-                <a:solidFill>
-                  <a:schemeClr val="accent1"/>
-                </a:solidFill>
-              </a14:hiddenFill>
-            </a:ext>
-            <a:ext uri="{91240B29-F687-4F45-9708-019B960494DF}">
-              <a14:hiddenLine xmlns:a14="http://schemas.microsoft.com/office/drawing/2010/main" w="9525">
-                <a:solidFill>
-                  <a:schemeClr val="tx1"/>
-                </a:solidFill>
-                <a:miter lim="800000"/>
-                <a:headEnd/>
-                <a:tailEnd/>
-              </a14:hiddenLine>
-            </a:ext>
-            <a:ext uri="{AF507438-7753-43E0-B8FC-AC1667EBCBE1}">
-              <a14:hiddenEffects xmlns:a14="http://schemas.microsoft.com/office/drawing/2010/main">
-                <a:effectLst>
-                  <a:outerShdw dist="35921" dir="2700000" algn="ctr" rotWithShape="0">
-                    <a:schemeClr val="bg2"/>
-                  </a:outerShdw>
-                </a:effectLst>
-              </a14:hiddenEffects>
-            </a:ext>
-          </a:extLst>
-        </p:spPr>
-      </p:pic>
-      <p:sp>
-        <p:nvSpPr>
-          <p:cNvPr id="5" name="Текст 2"/>
-          <p:cNvSpPr txBox="1">
-            <a:spLocks/>
-          </p:cNvSpPr>
-          <p:nvPr/>
-        </p:nvSpPr>
-        <p:spPr>
-          <a:xfrm>
-            <a:off x="317907" y="4072647"/>
-            <a:ext cx="5661362" cy="609600"/>
-          </a:xfrm>
-          <a:prstGeom prst="rect">
-            <a:avLst/>
-          </a:prstGeom>
-          <a:noFill/>
-          <a:ln>
-            <a:noFill/>
-          </a:ln>
-        </p:spPr>
-        <p:txBody>
-          <a:bodyPr spcFirstLastPara="1" vert="horz" wrap="square" lIns="91425" tIns="91425" rIns="91425" bIns="91425" anchor="t" anchorCtr="0">
-            <a:noAutofit/>
-          </a:bodyPr>
-          <a:lstStyle>
-            <a:lvl1pPr marL="457200" lvl="0" indent="-342900" algn="l" rtl="0" eaLnBrk="1" latinLnBrk="0" hangingPunct="1">
-              <a:lnSpc>
-                <a:spcPct val="115000"/>
-              </a:lnSpc>
-              <a:spcBef>
-                <a:spcPts val="0"/>
-              </a:spcBef>
-              <a:spcAft>
-                <a:spcPts val="0"/>
-              </a:spcAft>
-              <a:buClr>
-                <a:schemeClr val="tx1">
-                  <a:shade val="95000"/>
-                </a:schemeClr>
-              </a:buClr>
-              <a:buSzPts val="1800"/>
-              <a:buFont typeface="Wingdings 2"/>
-              <a:buChar char="●"/>
-              <a:defRPr kumimoji="0" sz="2800" kern="1200">
-                <a:solidFill>
-                  <a:schemeClr val="tx1"/>
-                </a:solidFill>
-                <a:latin typeface="+mn-lt"/>
-                <a:ea typeface="+mn-ea"/>
-                <a:cs typeface="+mn-cs"/>
-              </a:defRPr>
-            </a:lvl1pPr>
-            <a:lvl2pPr marL="914400" lvl="1" indent="-317500" algn="l" rtl="0" eaLnBrk="1" latinLnBrk="0" hangingPunct="1">
-              <a:lnSpc>
-                <a:spcPct val="115000"/>
-              </a:lnSpc>
-              <a:spcBef>
-                <a:spcPts val="0"/>
-              </a:spcBef>
-              <a:spcAft>
-                <a:spcPts val="0"/>
-              </a:spcAft>
-              <a:buClr>
-                <a:schemeClr val="tx1"/>
-              </a:buClr>
-              <a:buSzPts val="1400"/>
-              <a:buFont typeface="Wingdings 2"/>
-              <a:buChar char="○"/>
-              <a:defRPr kumimoji="0" sz="2400" kern="1200">
-                <a:solidFill>
-                  <a:schemeClr val="tx1"/>
-                </a:solidFill>
-                <a:latin typeface="+mn-lt"/>
-                <a:ea typeface="+mn-ea"/>
-                <a:cs typeface="+mn-cs"/>
-              </a:defRPr>
-            </a:lvl2pPr>
-            <a:lvl3pPr marL="1371600" lvl="2" indent="-317500" algn="l" rtl="0" eaLnBrk="1" latinLnBrk="0" hangingPunct="1">
-              <a:lnSpc>
-                <a:spcPct val="115000"/>
-              </a:lnSpc>
-              <a:spcBef>
-                <a:spcPts val="0"/>
-              </a:spcBef>
-              <a:spcAft>
-                <a:spcPts val="0"/>
-              </a:spcAft>
-              <a:buClr>
-                <a:schemeClr val="tx1"/>
-              </a:buClr>
-              <a:buSzPts val="1400"/>
-              <a:buFont typeface="Wingdings"/>
-              <a:buChar char="■"/>
-              <a:defRPr kumimoji="0" sz="2200" kern="1200">
-                <a:solidFill>
-                  <a:schemeClr val="tx1"/>
-                </a:solidFill>
-                <a:latin typeface="+mn-lt"/>
-                <a:ea typeface="+mn-ea"/>
-                <a:cs typeface="+mn-cs"/>
-              </a:defRPr>
-            </a:lvl3pPr>
-            <a:lvl4pPr marL="1828800" lvl="3" indent="-317500" algn="l" rtl="0" eaLnBrk="1" latinLnBrk="0" hangingPunct="1">
-              <a:lnSpc>
-                <a:spcPct val="115000"/>
-              </a:lnSpc>
-              <a:spcBef>
-                <a:spcPts val="0"/>
-              </a:spcBef>
-              <a:spcAft>
-                <a:spcPts val="0"/>
-              </a:spcAft>
-              <a:buClr>
-                <a:schemeClr val="tx1"/>
-              </a:buClr>
-              <a:buSzPts val="1400"/>
-              <a:buFont typeface="Wingdings 3"/>
-              <a:buChar char="●"/>
-              <a:defRPr kumimoji="0" sz="2000" kern="1200">
-                <a:solidFill>
-                  <a:schemeClr val="tx1"/>
-                </a:solidFill>
-                <a:latin typeface="+mn-lt"/>
-                <a:ea typeface="+mn-ea"/>
-                <a:cs typeface="+mn-cs"/>
-              </a:defRPr>
-            </a:lvl4pPr>
-            <a:lvl5pPr marL="2286000" lvl="4" indent="-317500" algn="l" rtl="0" eaLnBrk="1" latinLnBrk="0" hangingPunct="1">
-              <a:lnSpc>
-                <a:spcPct val="115000"/>
-              </a:lnSpc>
-              <a:spcBef>
-                <a:spcPts val="0"/>
-              </a:spcBef>
-              <a:spcAft>
-                <a:spcPts val="0"/>
-              </a:spcAft>
-              <a:buClr>
-                <a:schemeClr val="tx1"/>
-              </a:buClr>
-              <a:buSzPts val="1400"/>
-              <a:buFont typeface="Wingdings 2"/>
-              <a:buChar char="○"/>
-              <a:defRPr kumimoji="0" sz="2000" kern="1200">
-                <a:solidFill>
-                  <a:schemeClr val="tx1"/>
-                </a:solidFill>
-                <a:latin typeface="+mn-lt"/>
-                <a:ea typeface="+mn-ea"/>
-                <a:cs typeface="+mn-cs"/>
-              </a:defRPr>
-            </a:lvl5pPr>
-            <a:lvl6pPr marL="2743200" lvl="5" indent="-317500" algn="l" rtl="0" eaLnBrk="1" latinLnBrk="0" hangingPunct="1">
-              <a:lnSpc>
-                <a:spcPct val="115000"/>
-              </a:lnSpc>
-              <a:spcBef>
-                <a:spcPts val="0"/>
-              </a:spcBef>
-              <a:spcAft>
-                <a:spcPts val="0"/>
-              </a:spcAft>
-              <a:buClr>
-                <a:schemeClr val="tx1"/>
-              </a:buClr>
-              <a:buSzPts val="1400"/>
-              <a:buFont typeface="Wingdings 3"/>
-              <a:buChar char="■"/>
-              <a:defRPr kumimoji="0" sz="1800" kern="1200">
-                <a:solidFill>
-                  <a:schemeClr val="tx1"/>
-                </a:solidFill>
-                <a:latin typeface="+mn-lt"/>
-                <a:ea typeface="+mn-ea"/>
-                <a:cs typeface="+mn-cs"/>
-              </a:defRPr>
-            </a:lvl6pPr>
-            <a:lvl7pPr marL="3200400" lvl="6" indent="-317500" algn="l" rtl="0" eaLnBrk="1" latinLnBrk="0" hangingPunct="1">
-              <a:lnSpc>
-                <a:spcPct val="115000"/>
-              </a:lnSpc>
-              <a:spcBef>
-                <a:spcPts val="0"/>
-              </a:spcBef>
-              <a:spcAft>
-                <a:spcPts val="0"/>
-              </a:spcAft>
-              <a:buClr>
-                <a:schemeClr val="tx1"/>
-              </a:buClr>
-              <a:buSzPts val="1400"/>
-              <a:buFont typeface="Wingdings 2"/>
-              <a:buChar char="●"/>
-              <a:defRPr kumimoji="0" sz="1600" kern="1200">
-                <a:solidFill>
-                  <a:schemeClr val="tx1"/>
-                </a:solidFill>
-                <a:latin typeface="+mn-lt"/>
-                <a:ea typeface="+mn-ea"/>
-                <a:cs typeface="+mn-cs"/>
-              </a:defRPr>
-            </a:lvl7pPr>
-            <a:lvl8pPr marL="3657600" lvl="7" indent="-317500" algn="l" rtl="0" eaLnBrk="1" latinLnBrk="0" hangingPunct="1">
-              <a:lnSpc>
-                <a:spcPct val="115000"/>
-              </a:lnSpc>
-              <a:spcBef>
-                <a:spcPts val="0"/>
-              </a:spcBef>
-              <a:spcAft>
-                <a:spcPts val="0"/>
-              </a:spcAft>
-              <a:buClr>
-                <a:schemeClr val="tx1"/>
-              </a:buClr>
-              <a:buSzPts val="1400"/>
-              <a:buFont typeface="Wingdings 2"/>
-              <a:buChar char="○"/>
-              <a:defRPr kumimoji="0" sz="1400" kern="1200">
-                <a:solidFill>
-                  <a:schemeClr val="tx1"/>
-                </a:solidFill>
-                <a:latin typeface="+mn-lt"/>
-                <a:ea typeface="+mn-ea"/>
-                <a:cs typeface="+mn-cs"/>
-              </a:defRPr>
-            </a:lvl8pPr>
-            <a:lvl9pPr marL="4114800" lvl="8" indent="-317500" algn="l" rtl="0" eaLnBrk="1" latinLnBrk="0" hangingPunct="1">
-              <a:lnSpc>
-                <a:spcPct val="115000"/>
-              </a:lnSpc>
-              <a:spcBef>
-                <a:spcPts val="0"/>
-              </a:spcBef>
-              <a:spcAft>
-                <a:spcPts val="0"/>
-              </a:spcAft>
-              <a:buClr>
-                <a:schemeClr val="tx1"/>
-              </a:buClr>
-              <a:buSzPts val="1400"/>
-              <a:buFont typeface="Wingdings 2"/>
-              <a:buChar char="■"/>
-              <a:defRPr kumimoji="0" sz="1400" kern="1200" baseline="0">
-                <a:solidFill>
-                  <a:schemeClr val="tx1"/>
-                </a:solidFill>
-                <a:latin typeface="+mn-lt"/>
-                <a:ea typeface="+mn-ea"/>
-                <a:cs typeface="+mn-cs"/>
-              </a:defRPr>
-            </a:lvl9pPr>
-          </a:lstStyle>
-          <a:p>
-            <a:pPr marL="114300" indent="0" algn="ctr">
-              <a:buNone/>
-            </a:pPr>
-            <a:r>
-              <a:rPr lang="ru-RU" dirty="0" smtClean="0"/>
-              <a:t>Цены на квартиры</a:t>
-            </a:r>
-            <a:endParaRPr lang="ru-RU" dirty="0"/>
-          </a:p>
-        </p:txBody>
-      </p:sp>
-      <p:pic>
-        <p:nvPicPr>
-          <p:cNvPr id="1027" name="Picture 3"/>
-          <p:cNvPicPr>
-            <a:picLocks noChangeAspect="1" noChangeArrowheads="1"/>
-          </p:cNvPicPr>
-          <p:nvPr/>
-        </p:nvPicPr>
-        <p:blipFill>
-          <a:blip r:embed="rId3">
-            <a:extLst>
-              <a:ext uri="{28A0092B-C50C-407E-A947-70E740481C1C}">
-                <a14:useLocalDpi xmlns:a14="http://schemas.microsoft.com/office/drawing/2010/main" val="0"/>
-              </a:ext>
-            </a:extLst>
-          </a:blip>
-          <a:srcRect/>
-          <a:stretch>
-            <a:fillRect/>
-          </a:stretch>
-        </p:blipFill>
-        <p:spPr bwMode="auto">
-          <a:xfrm>
-            <a:off x="6086218" y="2879387"/>
-            <a:ext cx="2931627" cy="2130358"/>
-          </a:xfrm>
-          <a:prstGeom prst="rect">
-            <a:avLst/>
-          </a:prstGeom>
-          <a:noFill/>
-          <a:ln>
-            <a:noFill/>
-          </a:ln>
-          <a:effectLst/>
-          <a:extLst>
-            <a:ext uri="{909E8E84-426E-40DD-AFC4-6F175D3DCCD1}">
-              <a14:hiddenFill xmlns:a14="http://schemas.microsoft.com/office/drawing/2010/main">
-                <a:solidFill>
-                  <a:schemeClr val="accent1"/>
-                </a:solidFill>
-              </a14:hiddenFill>
-            </a:ext>
-            <a:ext uri="{91240B29-F687-4F45-9708-019B960494DF}">
-              <a14:hiddenLine xmlns:a14="http://schemas.microsoft.com/office/drawing/2010/main" w="9525">
-                <a:solidFill>
-                  <a:schemeClr val="tx1"/>
-                </a:solidFill>
-                <a:miter lim="800000"/>
-                <a:headEnd/>
-                <a:tailEnd/>
-              </a14:hiddenLine>
-            </a:ext>
-            <a:ext uri="{AF507438-7753-43E0-B8FC-AC1667EBCBE1}">
-              <a14:hiddenEffects xmlns:a14="http://schemas.microsoft.com/office/drawing/2010/main">
-                <a:effectLst>
-                  <a:outerShdw dist="35921" dir="2700000" algn="ctr" rotWithShape="0">
-                    <a:schemeClr val="bg2"/>
-                  </a:outerShdw>
-                </a:effectLst>
-              </a14:hiddenEffects>
-            </a:ext>
-          </a:extLst>
-        </p:spPr>
-      </p:pic>
-      <p:sp>
-        <p:nvSpPr>
-          <p:cNvPr id="4" name="Стрелка вправо 3"/>
-          <p:cNvSpPr/>
-          <p:nvPr/>
-        </p:nvSpPr>
-        <p:spPr>
-          <a:xfrm>
-            <a:off x="4844375" y="4225923"/>
-            <a:ext cx="978408" cy="484632"/>
-          </a:xfrm>
-          <a:prstGeom prst="rightArrow">
-            <a:avLst/>
-          </a:prstGeom>
-          <a:gradFill>
-            <a:gsLst>
-              <a:gs pos="0">
-                <a:srgbClr val="5E9EFF"/>
-              </a:gs>
-              <a:gs pos="39999">
-                <a:srgbClr val="85C2FF"/>
-              </a:gs>
-              <a:gs pos="70000">
-                <a:srgbClr val="C4D6EB"/>
-              </a:gs>
-              <a:gs pos="100000">
-                <a:srgbClr val="FFEBFA"/>
-              </a:gs>
-            </a:gsLst>
-            <a:lin ang="5400000" scaled="0"/>
-          </a:gradFill>
-        </p:spPr>
-        <p:style>
-          <a:lnRef idx="2">
-            <a:schemeClr val="accent1">
-              <a:shade val="50000"/>
-            </a:schemeClr>
-          </a:lnRef>
-          <a:fillRef idx="1">
-            <a:schemeClr val="accent1"/>
-          </a:fillRef>
-          <a:effectRef idx="0">
-            <a:schemeClr val="accent1"/>
-          </a:effectRef>
-          <a:fontRef idx="minor">
-            <a:schemeClr val="lt1"/>
-          </a:fontRef>
-        </p:style>
-        <p:txBody>
-          <a:bodyPr rtlCol="0" anchor="ctr"/>
-          <a:lstStyle/>
-          <a:p>
-            <a:pPr algn="ctr"/>
-            <a:endParaRPr lang="ru-RU"/>
-          </a:p>
-        </p:txBody>
-      </p:sp>
-      <p:sp>
-        <p:nvSpPr>
-          <p:cNvPr id="6" name="Стрелка вниз 5"/>
-          <p:cNvSpPr/>
-          <p:nvPr/>
-        </p:nvSpPr>
-        <p:spPr>
-          <a:xfrm rot="10800000">
-            <a:off x="3193134" y="3688429"/>
-            <a:ext cx="293390" cy="617285"/>
-          </a:xfrm>
-          <a:prstGeom prst="downArrow">
-            <a:avLst/>
-          </a:prstGeom>
-          <a:gradFill>
-            <a:gsLst>
-              <a:gs pos="0">
-                <a:srgbClr val="5E9EFF"/>
-              </a:gs>
-              <a:gs pos="39999">
-                <a:srgbClr val="85C2FF"/>
-              </a:gs>
-              <a:gs pos="70000">
-                <a:srgbClr val="C4D6EB"/>
-              </a:gs>
-              <a:gs pos="100000">
-                <a:srgbClr val="FFEBFA"/>
-              </a:gs>
-            </a:gsLst>
-            <a:lin ang="5400000" scaled="0"/>
-          </a:gradFill>
-        </p:spPr>
-        <p:style>
-          <a:lnRef idx="2">
-            <a:schemeClr val="accent1">
-              <a:shade val="50000"/>
-            </a:schemeClr>
-          </a:lnRef>
-          <a:fillRef idx="1">
-            <a:schemeClr val="accent1"/>
-          </a:fillRef>
-          <a:effectRef idx="0">
-            <a:schemeClr val="accent1"/>
-          </a:effectRef>
-          <a:fontRef idx="minor">
-            <a:schemeClr val="lt1"/>
-          </a:fontRef>
-        </p:style>
-        <p:txBody>
-          <a:bodyPr rtlCol="0" anchor="ctr"/>
-          <a:lstStyle/>
-          <a:p>
-            <a:pPr algn="ctr"/>
-            <a:endParaRPr lang="ru-RU"/>
-          </a:p>
-        </p:txBody>
-      </p:sp>
-      <p:sp>
-        <p:nvSpPr>
-          <p:cNvPr id="10" name="Текст 2"/>
-          <p:cNvSpPr txBox="1">
-            <a:spLocks/>
-          </p:cNvSpPr>
-          <p:nvPr/>
-        </p:nvSpPr>
-        <p:spPr>
-          <a:xfrm>
-            <a:off x="2412532" y="3760524"/>
-            <a:ext cx="2473997" cy="368084"/>
-          </a:xfrm>
-          <a:prstGeom prst="rect">
-            <a:avLst/>
-          </a:prstGeom>
-          <a:noFill/>
-          <a:ln>
-            <a:noFill/>
-          </a:ln>
-        </p:spPr>
-        <p:txBody>
-          <a:bodyPr spcFirstLastPara="1" vert="horz" wrap="square" lIns="91425" tIns="91425" rIns="91425" bIns="91425" anchor="t" anchorCtr="0">
-            <a:noAutofit/>
-          </a:bodyPr>
-          <a:lstStyle>
-            <a:lvl1pPr marL="457200" lvl="0" indent="-342900" algn="l" rtl="0" eaLnBrk="1" latinLnBrk="0" hangingPunct="1">
-              <a:lnSpc>
-                <a:spcPct val="115000"/>
-              </a:lnSpc>
-              <a:spcBef>
-                <a:spcPts val="0"/>
-              </a:spcBef>
-              <a:spcAft>
-                <a:spcPts val="0"/>
-              </a:spcAft>
-              <a:buClr>
-                <a:schemeClr val="tx1">
-                  <a:shade val="95000"/>
-                </a:schemeClr>
-              </a:buClr>
-              <a:buSzPts val="1800"/>
-              <a:buFont typeface="Wingdings 2"/>
-              <a:buChar char="●"/>
-              <a:defRPr kumimoji="0" sz="2800" kern="1200">
-                <a:solidFill>
-                  <a:schemeClr val="tx1"/>
-                </a:solidFill>
-                <a:latin typeface="+mn-lt"/>
-                <a:ea typeface="+mn-ea"/>
-                <a:cs typeface="+mn-cs"/>
-              </a:defRPr>
-            </a:lvl1pPr>
-            <a:lvl2pPr marL="914400" lvl="1" indent="-317500" algn="l" rtl="0" eaLnBrk="1" latinLnBrk="0" hangingPunct="1">
-              <a:lnSpc>
-                <a:spcPct val="115000"/>
-              </a:lnSpc>
-              <a:spcBef>
-                <a:spcPts val="0"/>
-              </a:spcBef>
-              <a:spcAft>
-                <a:spcPts val="0"/>
-              </a:spcAft>
-              <a:buClr>
-                <a:schemeClr val="tx1"/>
-              </a:buClr>
-              <a:buSzPts val="1400"/>
-              <a:buFont typeface="Wingdings 2"/>
-              <a:buChar char="○"/>
-              <a:defRPr kumimoji="0" sz="2400" kern="1200">
-                <a:solidFill>
-                  <a:schemeClr val="tx1"/>
-                </a:solidFill>
-                <a:latin typeface="+mn-lt"/>
-                <a:ea typeface="+mn-ea"/>
-                <a:cs typeface="+mn-cs"/>
-              </a:defRPr>
-            </a:lvl2pPr>
-            <a:lvl3pPr marL="1371600" lvl="2" indent="-317500" algn="l" rtl="0" eaLnBrk="1" latinLnBrk="0" hangingPunct="1">
-              <a:lnSpc>
-                <a:spcPct val="115000"/>
-              </a:lnSpc>
-              <a:spcBef>
-                <a:spcPts val="0"/>
-              </a:spcBef>
-              <a:spcAft>
-                <a:spcPts val="0"/>
-              </a:spcAft>
-              <a:buClr>
-                <a:schemeClr val="tx1"/>
-              </a:buClr>
-              <a:buSzPts val="1400"/>
-              <a:buFont typeface="Wingdings"/>
-              <a:buChar char="■"/>
-              <a:defRPr kumimoji="0" sz="2200" kern="1200">
-                <a:solidFill>
-                  <a:schemeClr val="tx1"/>
-                </a:solidFill>
-                <a:latin typeface="+mn-lt"/>
-                <a:ea typeface="+mn-ea"/>
-                <a:cs typeface="+mn-cs"/>
-              </a:defRPr>
-            </a:lvl3pPr>
-            <a:lvl4pPr marL="1828800" lvl="3" indent="-317500" algn="l" rtl="0" eaLnBrk="1" latinLnBrk="0" hangingPunct="1">
-              <a:lnSpc>
-                <a:spcPct val="115000"/>
-              </a:lnSpc>
-              <a:spcBef>
-                <a:spcPts val="0"/>
-              </a:spcBef>
-              <a:spcAft>
-                <a:spcPts val="0"/>
-              </a:spcAft>
-              <a:buClr>
-                <a:schemeClr val="tx1"/>
-              </a:buClr>
-              <a:buSzPts val="1400"/>
-              <a:buFont typeface="Wingdings 3"/>
-              <a:buChar char="●"/>
-              <a:defRPr kumimoji="0" sz="2000" kern="1200">
-                <a:solidFill>
-                  <a:schemeClr val="tx1"/>
-                </a:solidFill>
-                <a:latin typeface="+mn-lt"/>
-                <a:ea typeface="+mn-ea"/>
-                <a:cs typeface="+mn-cs"/>
-              </a:defRPr>
-            </a:lvl4pPr>
-            <a:lvl5pPr marL="2286000" lvl="4" indent="-317500" algn="l" rtl="0" eaLnBrk="1" latinLnBrk="0" hangingPunct="1">
-              <a:lnSpc>
-                <a:spcPct val="115000"/>
-              </a:lnSpc>
-              <a:spcBef>
-                <a:spcPts val="0"/>
-              </a:spcBef>
-              <a:spcAft>
-                <a:spcPts val="0"/>
-              </a:spcAft>
-              <a:buClr>
-                <a:schemeClr val="tx1"/>
-              </a:buClr>
-              <a:buSzPts val="1400"/>
-              <a:buFont typeface="Wingdings 2"/>
-              <a:buChar char="○"/>
-              <a:defRPr kumimoji="0" sz="2000" kern="1200">
-                <a:solidFill>
-                  <a:schemeClr val="tx1"/>
-                </a:solidFill>
-                <a:latin typeface="+mn-lt"/>
-                <a:ea typeface="+mn-ea"/>
-                <a:cs typeface="+mn-cs"/>
-              </a:defRPr>
-            </a:lvl5pPr>
-            <a:lvl6pPr marL="2743200" lvl="5" indent="-317500" algn="l" rtl="0" eaLnBrk="1" latinLnBrk="0" hangingPunct="1">
-              <a:lnSpc>
-                <a:spcPct val="115000"/>
-              </a:lnSpc>
-              <a:spcBef>
-                <a:spcPts val="0"/>
-              </a:spcBef>
-              <a:spcAft>
-                <a:spcPts val="0"/>
-              </a:spcAft>
-              <a:buClr>
-                <a:schemeClr val="tx1"/>
-              </a:buClr>
-              <a:buSzPts val="1400"/>
-              <a:buFont typeface="Wingdings 3"/>
-              <a:buChar char="■"/>
-              <a:defRPr kumimoji="0" sz="1800" kern="1200">
-                <a:solidFill>
-                  <a:schemeClr val="tx1"/>
-                </a:solidFill>
-                <a:latin typeface="+mn-lt"/>
-                <a:ea typeface="+mn-ea"/>
-                <a:cs typeface="+mn-cs"/>
-              </a:defRPr>
-            </a:lvl6pPr>
-            <a:lvl7pPr marL="3200400" lvl="6" indent="-317500" algn="l" rtl="0" eaLnBrk="1" latinLnBrk="0" hangingPunct="1">
-              <a:lnSpc>
-                <a:spcPct val="115000"/>
-              </a:lnSpc>
-              <a:spcBef>
-                <a:spcPts val="0"/>
-              </a:spcBef>
-              <a:spcAft>
-                <a:spcPts val="0"/>
-              </a:spcAft>
-              <a:buClr>
-                <a:schemeClr val="tx1"/>
-              </a:buClr>
-              <a:buSzPts val="1400"/>
-              <a:buFont typeface="Wingdings 2"/>
-              <a:buChar char="●"/>
-              <a:defRPr kumimoji="0" sz="1600" kern="1200">
-                <a:solidFill>
-                  <a:schemeClr val="tx1"/>
-                </a:solidFill>
-                <a:latin typeface="+mn-lt"/>
-                <a:ea typeface="+mn-ea"/>
-                <a:cs typeface="+mn-cs"/>
-              </a:defRPr>
-            </a:lvl7pPr>
-            <a:lvl8pPr marL="3657600" lvl="7" indent="-317500" algn="l" rtl="0" eaLnBrk="1" latinLnBrk="0" hangingPunct="1">
-              <a:lnSpc>
-                <a:spcPct val="115000"/>
-              </a:lnSpc>
-              <a:spcBef>
-                <a:spcPts val="0"/>
-              </a:spcBef>
-              <a:spcAft>
-                <a:spcPts val="0"/>
-              </a:spcAft>
-              <a:buClr>
-                <a:schemeClr val="tx1"/>
-              </a:buClr>
-              <a:buSzPts val="1400"/>
-              <a:buFont typeface="Wingdings 2"/>
-              <a:buChar char="○"/>
-              <a:defRPr kumimoji="0" sz="1400" kern="1200">
-                <a:solidFill>
-                  <a:schemeClr val="tx1"/>
-                </a:solidFill>
-                <a:latin typeface="+mn-lt"/>
-                <a:ea typeface="+mn-ea"/>
-                <a:cs typeface="+mn-cs"/>
-              </a:defRPr>
-            </a:lvl8pPr>
-            <a:lvl9pPr marL="4114800" lvl="8" indent="-317500" algn="l" rtl="0" eaLnBrk="1" latinLnBrk="0" hangingPunct="1">
-              <a:lnSpc>
-                <a:spcPct val="115000"/>
-              </a:lnSpc>
-              <a:spcBef>
-                <a:spcPts val="0"/>
-              </a:spcBef>
-              <a:spcAft>
-                <a:spcPts val="0"/>
-              </a:spcAft>
-              <a:buClr>
-                <a:schemeClr val="tx1"/>
-              </a:buClr>
-              <a:buSzPts val="1400"/>
-              <a:buFont typeface="Wingdings 2"/>
-              <a:buChar char="■"/>
-              <a:defRPr kumimoji="0" sz="1400" kern="1200" baseline="0">
-                <a:solidFill>
-                  <a:schemeClr val="tx1"/>
-                </a:solidFill>
-                <a:latin typeface="+mn-lt"/>
-                <a:ea typeface="+mn-ea"/>
-                <a:cs typeface="+mn-cs"/>
-              </a:defRPr>
-            </a:lvl9pPr>
-          </a:lstStyle>
-          <a:p>
-            <a:pPr marL="114300" indent="0" algn="ctr">
-              <a:buNone/>
-            </a:pPr>
-            <a:r>
-              <a:rPr lang="ru-RU" sz="2000" dirty="0" smtClean="0"/>
-              <a:t>До</a:t>
-            </a:r>
-            <a:endParaRPr lang="ru-RU" sz="2000" dirty="0"/>
-          </a:p>
-        </p:txBody>
-      </p:sp>
-      <p:sp>
-        <p:nvSpPr>
-          <p:cNvPr id="11" name="Текст 2"/>
-          <p:cNvSpPr txBox="1">
-            <a:spLocks/>
-          </p:cNvSpPr>
-          <p:nvPr/>
-        </p:nvSpPr>
-        <p:spPr>
-          <a:xfrm>
-            <a:off x="4049950" y="4526513"/>
-            <a:ext cx="2473997" cy="368084"/>
-          </a:xfrm>
-          <a:prstGeom prst="rect">
-            <a:avLst/>
-          </a:prstGeom>
-          <a:noFill/>
-          <a:ln>
-            <a:noFill/>
-          </a:ln>
-        </p:spPr>
-        <p:txBody>
-          <a:bodyPr spcFirstLastPara="1" vert="horz" wrap="square" lIns="91425" tIns="91425" rIns="91425" bIns="91425" anchor="t" anchorCtr="0">
-            <a:noAutofit/>
-          </a:bodyPr>
-          <a:lstStyle>
-            <a:lvl1pPr marL="457200" lvl="0" indent="-342900" algn="l" rtl="0" eaLnBrk="1" latinLnBrk="0" hangingPunct="1">
-              <a:lnSpc>
-                <a:spcPct val="115000"/>
-              </a:lnSpc>
-              <a:spcBef>
-                <a:spcPts val="0"/>
-              </a:spcBef>
-              <a:spcAft>
-                <a:spcPts val="0"/>
-              </a:spcAft>
-              <a:buClr>
-                <a:schemeClr val="tx1">
-                  <a:shade val="95000"/>
-                </a:schemeClr>
-              </a:buClr>
-              <a:buSzPts val="1800"/>
-              <a:buFont typeface="Wingdings 2"/>
-              <a:buChar char="●"/>
-              <a:defRPr kumimoji="0" sz="2800" kern="1200">
-                <a:solidFill>
-                  <a:schemeClr val="tx1"/>
-                </a:solidFill>
-                <a:latin typeface="+mn-lt"/>
-                <a:ea typeface="+mn-ea"/>
-                <a:cs typeface="+mn-cs"/>
-              </a:defRPr>
-            </a:lvl1pPr>
-            <a:lvl2pPr marL="914400" lvl="1" indent="-317500" algn="l" rtl="0" eaLnBrk="1" latinLnBrk="0" hangingPunct="1">
-              <a:lnSpc>
-                <a:spcPct val="115000"/>
-              </a:lnSpc>
-              <a:spcBef>
-                <a:spcPts val="0"/>
-              </a:spcBef>
-              <a:spcAft>
-                <a:spcPts val="0"/>
-              </a:spcAft>
-              <a:buClr>
-                <a:schemeClr val="tx1"/>
-              </a:buClr>
-              <a:buSzPts val="1400"/>
-              <a:buFont typeface="Wingdings 2"/>
-              <a:buChar char="○"/>
-              <a:defRPr kumimoji="0" sz="2400" kern="1200">
-                <a:solidFill>
-                  <a:schemeClr val="tx1"/>
-                </a:solidFill>
-                <a:latin typeface="+mn-lt"/>
-                <a:ea typeface="+mn-ea"/>
-                <a:cs typeface="+mn-cs"/>
-              </a:defRPr>
-            </a:lvl2pPr>
-            <a:lvl3pPr marL="1371600" lvl="2" indent="-317500" algn="l" rtl="0" eaLnBrk="1" latinLnBrk="0" hangingPunct="1">
-              <a:lnSpc>
-                <a:spcPct val="115000"/>
-              </a:lnSpc>
-              <a:spcBef>
-                <a:spcPts val="0"/>
-              </a:spcBef>
-              <a:spcAft>
-                <a:spcPts val="0"/>
-              </a:spcAft>
-              <a:buClr>
-                <a:schemeClr val="tx1"/>
-              </a:buClr>
-              <a:buSzPts val="1400"/>
-              <a:buFont typeface="Wingdings"/>
-              <a:buChar char="■"/>
-              <a:defRPr kumimoji="0" sz="2200" kern="1200">
-                <a:solidFill>
-                  <a:schemeClr val="tx1"/>
-                </a:solidFill>
-                <a:latin typeface="+mn-lt"/>
-                <a:ea typeface="+mn-ea"/>
-                <a:cs typeface="+mn-cs"/>
-              </a:defRPr>
-            </a:lvl3pPr>
-            <a:lvl4pPr marL="1828800" lvl="3" indent="-317500" algn="l" rtl="0" eaLnBrk="1" latinLnBrk="0" hangingPunct="1">
-              <a:lnSpc>
-                <a:spcPct val="115000"/>
-              </a:lnSpc>
-              <a:spcBef>
-                <a:spcPts val="0"/>
-              </a:spcBef>
-              <a:spcAft>
-                <a:spcPts val="0"/>
-              </a:spcAft>
-              <a:buClr>
-                <a:schemeClr val="tx1"/>
-              </a:buClr>
-              <a:buSzPts val="1400"/>
-              <a:buFont typeface="Wingdings 3"/>
-              <a:buChar char="●"/>
-              <a:defRPr kumimoji="0" sz="2000" kern="1200">
-                <a:solidFill>
-                  <a:schemeClr val="tx1"/>
-                </a:solidFill>
-                <a:latin typeface="+mn-lt"/>
-                <a:ea typeface="+mn-ea"/>
-                <a:cs typeface="+mn-cs"/>
-              </a:defRPr>
-            </a:lvl4pPr>
-            <a:lvl5pPr marL="2286000" lvl="4" indent="-317500" algn="l" rtl="0" eaLnBrk="1" latinLnBrk="0" hangingPunct="1">
-              <a:lnSpc>
-                <a:spcPct val="115000"/>
-              </a:lnSpc>
-              <a:spcBef>
-                <a:spcPts val="0"/>
-              </a:spcBef>
-              <a:spcAft>
-                <a:spcPts val="0"/>
-              </a:spcAft>
-              <a:buClr>
-                <a:schemeClr val="tx1"/>
-              </a:buClr>
-              <a:buSzPts val="1400"/>
-              <a:buFont typeface="Wingdings 2"/>
-              <a:buChar char="○"/>
-              <a:defRPr kumimoji="0" sz="2000" kern="1200">
-                <a:solidFill>
-                  <a:schemeClr val="tx1"/>
-                </a:solidFill>
-                <a:latin typeface="+mn-lt"/>
-                <a:ea typeface="+mn-ea"/>
-                <a:cs typeface="+mn-cs"/>
-              </a:defRPr>
-            </a:lvl5pPr>
-            <a:lvl6pPr marL="2743200" lvl="5" indent="-317500" algn="l" rtl="0" eaLnBrk="1" latinLnBrk="0" hangingPunct="1">
-              <a:lnSpc>
-                <a:spcPct val="115000"/>
-              </a:lnSpc>
-              <a:spcBef>
-                <a:spcPts val="0"/>
-              </a:spcBef>
-              <a:spcAft>
-                <a:spcPts val="0"/>
-              </a:spcAft>
-              <a:buClr>
-                <a:schemeClr val="tx1"/>
-              </a:buClr>
-              <a:buSzPts val="1400"/>
-              <a:buFont typeface="Wingdings 3"/>
-              <a:buChar char="■"/>
-              <a:defRPr kumimoji="0" sz="1800" kern="1200">
-                <a:solidFill>
-                  <a:schemeClr val="tx1"/>
-                </a:solidFill>
-                <a:latin typeface="+mn-lt"/>
-                <a:ea typeface="+mn-ea"/>
-                <a:cs typeface="+mn-cs"/>
-              </a:defRPr>
-            </a:lvl6pPr>
-            <a:lvl7pPr marL="3200400" lvl="6" indent="-317500" algn="l" rtl="0" eaLnBrk="1" latinLnBrk="0" hangingPunct="1">
-              <a:lnSpc>
-                <a:spcPct val="115000"/>
-              </a:lnSpc>
-              <a:spcBef>
-                <a:spcPts val="0"/>
-              </a:spcBef>
-              <a:spcAft>
-                <a:spcPts val="0"/>
-              </a:spcAft>
-              <a:buClr>
-                <a:schemeClr val="tx1"/>
-              </a:buClr>
-              <a:buSzPts val="1400"/>
-              <a:buFont typeface="Wingdings 2"/>
-              <a:buChar char="●"/>
-              <a:defRPr kumimoji="0" sz="1600" kern="1200">
-                <a:solidFill>
-                  <a:schemeClr val="tx1"/>
-                </a:solidFill>
-                <a:latin typeface="+mn-lt"/>
-                <a:ea typeface="+mn-ea"/>
-                <a:cs typeface="+mn-cs"/>
-              </a:defRPr>
-            </a:lvl7pPr>
-            <a:lvl8pPr marL="3657600" lvl="7" indent="-317500" algn="l" rtl="0" eaLnBrk="1" latinLnBrk="0" hangingPunct="1">
-              <a:lnSpc>
-                <a:spcPct val="115000"/>
-              </a:lnSpc>
-              <a:spcBef>
-                <a:spcPts val="0"/>
-              </a:spcBef>
-              <a:spcAft>
-                <a:spcPts val="0"/>
-              </a:spcAft>
-              <a:buClr>
-                <a:schemeClr val="tx1"/>
-              </a:buClr>
-              <a:buSzPts val="1400"/>
-              <a:buFont typeface="Wingdings 2"/>
-              <a:buChar char="○"/>
-              <a:defRPr kumimoji="0" sz="1400" kern="1200">
-                <a:solidFill>
-                  <a:schemeClr val="tx1"/>
-                </a:solidFill>
-                <a:latin typeface="+mn-lt"/>
-                <a:ea typeface="+mn-ea"/>
-                <a:cs typeface="+mn-cs"/>
-              </a:defRPr>
-            </a:lvl8pPr>
-            <a:lvl9pPr marL="4114800" lvl="8" indent="-317500" algn="l" rtl="0" eaLnBrk="1" latinLnBrk="0" hangingPunct="1">
-              <a:lnSpc>
-                <a:spcPct val="115000"/>
-              </a:lnSpc>
-              <a:spcBef>
-                <a:spcPts val="0"/>
-              </a:spcBef>
-              <a:spcAft>
-                <a:spcPts val="0"/>
-              </a:spcAft>
-              <a:buClr>
-                <a:schemeClr val="tx1"/>
-              </a:buClr>
-              <a:buSzPts val="1400"/>
-              <a:buFont typeface="Wingdings 2"/>
-              <a:buChar char="■"/>
-              <a:defRPr kumimoji="0" sz="1400" kern="1200" baseline="0">
-                <a:solidFill>
-                  <a:schemeClr val="tx1"/>
-                </a:solidFill>
-                <a:latin typeface="+mn-lt"/>
-                <a:ea typeface="+mn-ea"/>
-                <a:cs typeface="+mn-cs"/>
-              </a:defRPr>
-            </a:lvl9pPr>
-          </a:lstStyle>
-          <a:p>
-            <a:pPr marL="114300" indent="0" algn="ctr">
-              <a:buNone/>
-            </a:pPr>
-            <a:r>
-              <a:rPr lang="ru-RU" sz="2000" dirty="0" smtClean="0"/>
-              <a:t>После</a:t>
-            </a:r>
-            <a:endParaRPr lang="ru-RU" sz="2000" dirty="0"/>
-          </a:p>
-        </p:txBody>
-      </p:sp>
-    </p:spTree>
-    <p:extLst>
-      <p:ext uri="{BB962C8B-B14F-4D97-AF65-F5344CB8AC3E}">
-        <p14:creationId xmlns:p14="http://schemas.microsoft.com/office/powerpoint/2010/main" val="3385974467"/>
-      </p:ext>
-    </p:extLst>
-  </p:cSld>
-  <p:clrMapOvr>
-    <a:masterClrMapping/>
-  </p:clrMapOvr>
-</p:sld>
-</file>
-
-<file path=ppt/slides/slide7.xml><?xml version="1.0" encoding="utf-8"?>
-<p:sld xmlns:a="http://schemas.openxmlformats.org/drawingml/2006/main" xmlns:r="http://schemas.openxmlformats.org/officeDocument/2006/relationships" xmlns:p="http://schemas.openxmlformats.org/presentationml/2006/main">
-  <p:cSld>
-    <p:spTree>
-      <p:nvGrpSpPr>
-        <p:cNvPr id="1" name=""/>
-        <p:cNvGrpSpPr/>
-        <p:nvPr/>
-      </p:nvGrpSpPr>
-      <p:grpSpPr>
-        <a:xfrm>
-          <a:off x="0" y="0"/>
-          <a:ext cx="0" cy="0"/>
-          <a:chOff x="0" y="0"/>
-          <a:chExt cx="0" cy="0"/>
-        </a:xfrm>
-      </p:grpSpPr>
-      <p:sp>
-        <p:nvSpPr>
-          <p:cNvPr id="2" name="Заголовок 1"/>
-          <p:cNvSpPr>
-            <a:spLocks noGrp="1"/>
-          </p:cNvSpPr>
-          <p:nvPr>
-            <p:ph type="title"/>
-          </p:nvPr>
-        </p:nvSpPr>
-        <p:spPr/>
-        <p:txBody>
-          <a:bodyPr>
-            <a:normAutofit fontScale="90000"/>
-          </a:bodyPr>
-          <a:lstStyle/>
-          <a:p>
-            <a:r>
-              <a:rPr lang="ru-RU" dirty="0" smtClean="0"/>
-              <a:t>Отбор числовых признаков</a:t>
-            </a:r>
-            <a:endParaRPr lang="ru-RU" dirty="0"/>
-          </a:p>
-        </p:txBody>
-      </p:sp>
-      <p:sp>
-        <p:nvSpPr>
-          <p:cNvPr id="3" name="Текст 2"/>
-          <p:cNvSpPr>
-            <a:spLocks noGrp="1"/>
-          </p:cNvSpPr>
-          <p:nvPr>
-            <p:ph type="body" idx="1"/>
-          </p:nvPr>
-        </p:nvSpPr>
-        <p:spPr>
-          <a:xfrm>
-            <a:off x="2537602" y="1152475"/>
-            <a:ext cx="6294698" cy="3416400"/>
-          </a:xfrm>
-        </p:spPr>
-        <p:txBody>
-          <a:bodyPr>
-            <a:normAutofit fontScale="77500" lnSpcReduction="20000"/>
-          </a:bodyPr>
-          <a:lstStyle/>
-          <a:p>
-            <a:r>
-              <a:rPr lang="ru-RU" dirty="0" smtClean="0"/>
-              <a:t>Алгоритм:</a:t>
-            </a:r>
-          </a:p>
-          <a:p>
-            <a:pPr marL="628650" indent="-514350">
-              <a:buAutoNum type="arabicPeriod"/>
-            </a:pPr>
-            <a:r>
-              <a:rPr lang="ru-RU" dirty="0" smtClean="0"/>
-              <a:t>Строим матрицу корреляции</a:t>
-            </a:r>
-          </a:p>
-          <a:p>
-            <a:pPr marL="628650" indent="-514350">
-              <a:buAutoNum type="arabicPeriod"/>
-            </a:pPr>
-            <a:r>
-              <a:rPr lang="ru-RU" dirty="0" smtClean="0"/>
-              <a:t>Добавляем лучший признак в обучающую выборку</a:t>
-            </a:r>
-          </a:p>
-          <a:p>
-            <a:pPr marL="628650" indent="-514350">
-              <a:buAutoNum type="arabicPeriod"/>
-            </a:pPr>
-            <a:r>
-              <a:rPr lang="ru-RU" dirty="0" smtClean="0"/>
-              <a:t>Проверяем по очереди добавление других признаков</a:t>
-            </a:r>
-          </a:p>
-          <a:p>
-            <a:pPr marL="628650" indent="-514350">
-              <a:buAutoNum type="arabicPeriod"/>
-            </a:pPr>
-            <a:r>
-              <a:rPr lang="ru-RU" dirty="0" smtClean="0"/>
-              <a:t>Добавляем признак с лучшей </a:t>
-            </a:r>
-            <a:r>
-              <a:rPr lang="en-US" dirty="0" smtClean="0"/>
-              <a:t>adjusted R2 </a:t>
-            </a:r>
-            <a:r>
-              <a:rPr lang="ru-RU" dirty="0" smtClean="0"/>
-              <a:t>в обучающую выборку</a:t>
-            </a:r>
-          </a:p>
-          <a:p>
-            <a:pPr marL="628650" indent="-514350">
-              <a:buAutoNum type="arabicPeriod"/>
-            </a:pPr>
-            <a:r>
-              <a:rPr lang="ru-RU" dirty="0" smtClean="0"/>
-              <a:t>Повторяем шаги 3-4, пока </a:t>
-            </a:r>
-            <a:r>
-              <a:rPr lang="en-US" dirty="0" smtClean="0"/>
-              <a:t>R2 </a:t>
-            </a:r>
-            <a:r>
-              <a:rPr lang="ru-RU" dirty="0" smtClean="0"/>
-              <a:t>не перестает расти</a:t>
-            </a:r>
-            <a:endParaRPr lang="ru-RU" dirty="0"/>
-          </a:p>
-        </p:txBody>
-      </p:sp>
-      <p:pic>
-        <p:nvPicPr>
-          <p:cNvPr id="4098" name="Picture 2"/>
-          <p:cNvPicPr>
-            <a:picLocks noChangeAspect="1" noChangeArrowheads="1"/>
-          </p:cNvPicPr>
-          <p:nvPr/>
-        </p:nvPicPr>
-        <p:blipFill>
-          <a:blip r:embed="rId2">
-            <a:extLst>
-              <a:ext uri="{28A0092B-C50C-407E-A947-70E740481C1C}">
-                <a14:useLocalDpi xmlns:a14="http://schemas.microsoft.com/office/drawing/2010/main" val="0"/>
-              </a:ext>
-            </a:extLst>
-          </a:blip>
-          <a:srcRect/>
-          <a:stretch>
-            <a:fillRect/>
-          </a:stretch>
-        </p:blipFill>
-        <p:spPr bwMode="auto">
-          <a:xfrm>
-            <a:off x="432577" y="1192787"/>
-            <a:ext cx="2105025" cy="1133475"/>
-          </a:xfrm>
-          <a:prstGeom prst="rect">
-            <a:avLst/>
-          </a:prstGeom>
-          <a:noFill/>
-          <a:ln>
-            <a:noFill/>
-          </a:ln>
-          <a:effectLst/>
-          <a:extLst>
-            <a:ext uri="{909E8E84-426E-40DD-AFC4-6F175D3DCCD1}">
-              <a14:hiddenFill xmlns:a14="http://schemas.microsoft.com/office/drawing/2010/main">
-                <a:solidFill>
-                  <a:schemeClr val="accent1"/>
-                </a:solidFill>
-              </a14:hiddenFill>
-            </a:ext>
-            <a:ext uri="{91240B29-F687-4F45-9708-019B960494DF}">
-              <a14:hiddenLine xmlns:a14="http://schemas.microsoft.com/office/drawing/2010/main" w="9525">
-                <a:solidFill>
-                  <a:schemeClr val="tx1"/>
-                </a:solidFill>
-                <a:miter lim="800000"/>
-                <a:headEnd/>
-                <a:tailEnd/>
-              </a14:hiddenLine>
-            </a:ext>
-            <a:ext uri="{AF507438-7753-43E0-B8FC-AC1667EBCBE1}">
-              <a14:hiddenEffects xmlns:a14="http://schemas.microsoft.com/office/drawing/2010/main">
-                <a:effectLst>
-                  <a:outerShdw dist="35921" dir="2700000" algn="ctr" rotWithShape="0">
-                    <a:schemeClr val="bg2"/>
-                  </a:outerShdw>
-                </a:effectLst>
-              </a14:hiddenEffects>
-            </a:ext>
-          </a:extLst>
-        </p:spPr>
-      </p:pic>
-    </p:spTree>
-    <p:extLst>
-      <p:ext uri="{BB962C8B-B14F-4D97-AF65-F5344CB8AC3E}">
-        <p14:creationId xmlns:p14="http://schemas.microsoft.com/office/powerpoint/2010/main" val="416119028"/>
-      </p:ext>
-    </p:extLst>
-  </p:cSld>
-  <p:clrMapOvr>
-    <a:masterClrMapping/>
-  </p:clrMapOvr>
-</p:sld>
-</file>
-
-<file path=ppt/slides/slide8.xml><?xml version="1.0" encoding="utf-8"?>
-<p:sld xmlns:a="http://schemas.openxmlformats.org/drawingml/2006/main" xmlns:r="http://schemas.openxmlformats.org/officeDocument/2006/relationships" xmlns:p="http://schemas.openxmlformats.org/presentationml/2006/main">
-  <p:cSld>
-    <p:spTree>
-      <p:nvGrpSpPr>
-        <p:cNvPr id="1" name=""/>
-        <p:cNvGrpSpPr/>
-        <p:nvPr/>
-      </p:nvGrpSpPr>
-      <p:grpSpPr>
-        <a:xfrm>
-          <a:off x="0" y="0"/>
-          <a:ext cx="0" cy="0"/>
-          <a:chOff x="0" y="0"/>
-          <a:chExt cx="0" cy="0"/>
-        </a:xfrm>
-      </p:grpSpPr>
-      <p:sp>
-        <p:nvSpPr>
-          <p:cNvPr id="2" name="Заголовок 1"/>
-          <p:cNvSpPr>
-            <a:spLocks noGrp="1"/>
-          </p:cNvSpPr>
-          <p:nvPr>
-            <p:ph type="title"/>
-          </p:nvPr>
-        </p:nvSpPr>
-        <p:spPr/>
-        <p:txBody>
-          <a:bodyPr>
-            <a:normAutofit fontScale="90000"/>
-          </a:bodyPr>
-          <a:lstStyle/>
-          <a:p>
-            <a:r>
-              <a:rPr lang="ru-RU" dirty="0" smtClean="0"/>
               <a:t>Строковые признаки</a:t>
             </a:r>
-            <a:endParaRPr lang="ru-RU" dirty="0"/>
           </a:p>
         </p:txBody>
       </p:sp>
@@ -8433,35 +5439,50 @@
           </a:xfrm>
         </p:spPr>
         <p:txBody>
-          <a:bodyPr/>
+          <a:bodyPr>
+            <a:normAutofit fontScale="92500" lnSpcReduction="20000"/>
+          </a:bodyPr>
           <a:lstStyle/>
           <a:p>
             <a:r>
-              <a:rPr lang="ru-RU" dirty="0" smtClean="0"/>
+              <a:rPr lang="ru-RU" dirty="0"/>
               <a:t>Основной метод </a:t>
             </a:r>
             <a:r>
-              <a:rPr lang="en-US" dirty="0" smtClean="0"/>
-              <a:t>Ordinal Encoding</a:t>
-            </a:r>
-          </a:p>
-          <a:p>
-            <a:r>
-              <a:rPr lang="ru-RU" dirty="0" smtClean="0"/>
+              <a:rPr lang="en-US" dirty="0"/>
+              <a:t>Target Encoding</a:t>
+            </a:r>
+          </a:p>
+          <a:p>
+            <a:r>
+              <a:rPr lang="ru-RU" dirty="0"/>
               <a:t>Некоторые ряды интуитивны (пример вверху)</a:t>
             </a:r>
           </a:p>
           <a:p>
             <a:r>
-              <a:rPr lang="ru-RU" dirty="0" smtClean="0"/>
+              <a:rPr lang="ru-RU" dirty="0"/>
               <a:t>Другие видны из графиков</a:t>
             </a:r>
           </a:p>
           <a:p>
             <a:r>
-              <a:rPr lang="ru-RU" dirty="0" smtClean="0"/>
+              <a:rPr lang="ru-RU" dirty="0"/>
               <a:t>(пример внизу)</a:t>
             </a:r>
+            <a:endParaRPr lang="en-US" dirty="0"/>
+          </a:p>
+          <a:p>
+            <a:r>
+              <a:rPr lang="en-US" dirty="0"/>
+              <a:t>Ordinal encoding </a:t>
+            </a:r>
+            <a:r>
+              <a:rPr lang="ru-RU" dirty="0"/>
+              <a:t>также показывает неплохой результат</a:t>
+            </a:r>
+          </a:p>
+          <a:p>
             <a:endParaRPr lang="ru-RU" dirty="0"/>
           </a:p>
         </p:txBody>
@@ -8607,6 +5628,3060 @@
 </p:sld>
 </file>
 
+<file path=ppt/slides/slide11.xml><?xml version="1.0" encoding="utf-8"?>
+<p:sld xmlns:a="http://schemas.openxmlformats.org/drawingml/2006/main" xmlns:r="http://schemas.openxmlformats.org/officeDocument/2006/relationships" xmlns:p="http://schemas.openxmlformats.org/presentationml/2006/main">
+  <p:cSld>
+    <p:spTree>
+      <p:nvGrpSpPr>
+        <p:cNvPr id="1" name=""/>
+        <p:cNvGrpSpPr/>
+        <p:nvPr/>
+      </p:nvGrpSpPr>
+      <p:grpSpPr>
+        <a:xfrm>
+          <a:off x="0" y="0"/>
+          <a:ext cx="0" cy="0"/>
+          <a:chOff x="0" y="0"/>
+          <a:chExt cx="0" cy="0"/>
+        </a:xfrm>
+      </p:grpSpPr>
+      <p:sp>
+        <p:nvSpPr>
+          <p:cNvPr id="2" name="Заголовок 1"/>
+          <p:cNvSpPr>
+            <a:spLocks noGrp="1"/>
+          </p:cNvSpPr>
+          <p:nvPr>
+            <p:ph type="title"/>
+          </p:nvPr>
+        </p:nvSpPr>
+        <p:spPr/>
+        <p:txBody>
+          <a:bodyPr>
+            <a:normAutofit fontScale="90000"/>
+          </a:bodyPr>
+          <a:lstStyle/>
+          <a:p>
+            <a:r>
+              <a:rPr lang="ru-RU" dirty="0"/>
+              <a:t>Используемые модели</a:t>
+            </a:r>
+          </a:p>
+        </p:txBody>
+      </p:sp>
+      <p:sp>
+        <p:nvSpPr>
+          <p:cNvPr id="3" name="Текст 2"/>
+          <p:cNvSpPr>
+            <a:spLocks noGrp="1"/>
+          </p:cNvSpPr>
+          <p:nvPr>
+            <p:ph type="body" idx="1"/>
+          </p:nvPr>
+        </p:nvSpPr>
+        <p:spPr>
+          <a:xfrm>
+            <a:off x="311700" y="1152475"/>
+            <a:ext cx="4286240" cy="3416400"/>
+          </a:xfrm>
+        </p:spPr>
+        <p:txBody>
+          <a:bodyPr>
+            <a:normAutofit fontScale="85000" lnSpcReduction="20000"/>
+          </a:bodyPr>
+          <a:lstStyle/>
+          <a:p>
+            <a:r>
+              <a:rPr lang="en-US" i="1" u="sng" dirty="0" err="1"/>
+              <a:t>LinearRegression</a:t>
+            </a:r>
+            <a:endParaRPr lang="ru-RU" i="1" u="sng" dirty="0"/>
+          </a:p>
+          <a:p>
+            <a:r>
+              <a:rPr lang="en-US" i="1" u="sng" dirty="0" err="1"/>
+              <a:t>LassoLarsCV</a:t>
+            </a:r>
+            <a:endParaRPr lang="en-US" i="1" u="sng" dirty="0"/>
+          </a:p>
+          <a:p>
+            <a:r>
+              <a:rPr lang="en-US" i="1" u="sng" dirty="0" err="1"/>
+              <a:t>DecisionTreeRegressor</a:t>
+            </a:r>
+            <a:endParaRPr lang="en-US" i="1" u="sng" dirty="0"/>
+          </a:p>
+          <a:p>
+            <a:r>
+              <a:rPr lang="en-US" i="1" u="sng" dirty="0" err="1"/>
+              <a:t>LGBMRegressor</a:t>
+            </a:r>
+            <a:endParaRPr lang="en-US" i="1" u="sng" dirty="0"/>
+          </a:p>
+          <a:p>
+            <a:r>
+              <a:rPr lang="en-US" dirty="0" err="1"/>
+              <a:t>KNeighborsRegressor</a:t>
+            </a:r>
+            <a:endParaRPr lang="en-US" dirty="0"/>
+          </a:p>
+          <a:p>
+            <a:r>
+              <a:rPr lang="en-US" dirty="0" err="1"/>
+              <a:t>BaggingRegressor</a:t>
+            </a:r>
+            <a:endParaRPr lang="ru-RU" dirty="0"/>
+          </a:p>
+          <a:p>
+            <a:r>
+              <a:rPr lang="en-US" b="1" dirty="0" err="1"/>
+              <a:t>StackingRegressor</a:t>
+            </a:r>
+            <a:endParaRPr lang="en-US" b="1" dirty="0"/>
+          </a:p>
+          <a:p>
+            <a:r>
+              <a:rPr lang="en-US" b="1" dirty="0" err="1"/>
+              <a:t>RandomForestRegressor</a:t>
+            </a:r>
+            <a:endParaRPr lang="en-US" b="1" dirty="0"/>
+          </a:p>
+          <a:p>
+            <a:r>
+              <a:rPr lang="en-US" i="1" u="sng" dirty="0" err="1"/>
+              <a:t>ElasticNet</a:t>
+            </a:r>
+            <a:endParaRPr lang="en-US" i="1" u="sng" dirty="0"/>
+          </a:p>
+          <a:p>
+            <a:endParaRPr lang="en-US" dirty="0"/>
+          </a:p>
+          <a:p>
+            <a:endParaRPr lang="en-US" dirty="0"/>
+          </a:p>
+          <a:p>
+            <a:endParaRPr lang="ru-RU" dirty="0"/>
+          </a:p>
+        </p:txBody>
+      </p:sp>
+      <p:sp>
+        <p:nvSpPr>
+          <p:cNvPr id="4" name="Текст 2"/>
+          <p:cNvSpPr txBox="1">
+            <a:spLocks/>
+          </p:cNvSpPr>
+          <p:nvPr/>
+        </p:nvSpPr>
+        <p:spPr>
+          <a:xfrm>
+            <a:off x="4750340" y="1155718"/>
+            <a:ext cx="4286240" cy="3416400"/>
+          </a:xfrm>
+          <a:prstGeom prst="rect">
+            <a:avLst/>
+          </a:prstGeom>
+          <a:noFill/>
+          <a:ln>
+            <a:noFill/>
+          </a:ln>
+        </p:spPr>
+        <p:txBody>
+          <a:bodyPr spcFirstLastPara="1" vert="horz" wrap="square" lIns="91425" tIns="91425" rIns="91425" bIns="91425" anchor="t" anchorCtr="0">
+            <a:normAutofit/>
+          </a:bodyPr>
+          <a:lstStyle>
+            <a:lvl1pPr marL="457200" lvl="0" indent="-342900" algn="l" rtl="0" eaLnBrk="1" latinLnBrk="0" hangingPunct="1">
+              <a:lnSpc>
+                <a:spcPct val="115000"/>
+              </a:lnSpc>
+              <a:spcBef>
+                <a:spcPts val="0"/>
+              </a:spcBef>
+              <a:spcAft>
+                <a:spcPts val="0"/>
+              </a:spcAft>
+              <a:buClr>
+                <a:schemeClr val="tx1">
+                  <a:shade val="95000"/>
+                </a:schemeClr>
+              </a:buClr>
+              <a:buSzPts val="1800"/>
+              <a:buFont typeface="Wingdings 2"/>
+              <a:buChar char="●"/>
+              <a:defRPr kumimoji="0" sz="2800" kern="1200">
+                <a:solidFill>
+                  <a:schemeClr val="tx1"/>
+                </a:solidFill>
+                <a:latin typeface="+mn-lt"/>
+                <a:ea typeface="+mn-ea"/>
+                <a:cs typeface="+mn-cs"/>
+              </a:defRPr>
+            </a:lvl1pPr>
+            <a:lvl2pPr marL="914400" lvl="1" indent="-317500" algn="l" rtl="0" eaLnBrk="1" latinLnBrk="0" hangingPunct="1">
+              <a:lnSpc>
+                <a:spcPct val="115000"/>
+              </a:lnSpc>
+              <a:spcBef>
+                <a:spcPts val="0"/>
+              </a:spcBef>
+              <a:spcAft>
+                <a:spcPts val="0"/>
+              </a:spcAft>
+              <a:buClr>
+                <a:schemeClr val="tx1"/>
+              </a:buClr>
+              <a:buSzPts val="1400"/>
+              <a:buFont typeface="Wingdings 2"/>
+              <a:buChar char="○"/>
+              <a:defRPr kumimoji="0" sz="2400" kern="1200">
+                <a:solidFill>
+                  <a:schemeClr val="tx1"/>
+                </a:solidFill>
+                <a:latin typeface="+mn-lt"/>
+                <a:ea typeface="+mn-ea"/>
+                <a:cs typeface="+mn-cs"/>
+              </a:defRPr>
+            </a:lvl2pPr>
+            <a:lvl3pPr marL="1371600" lvl="2" indent="-317500" algn="l" rtl="0" eaLnBrk="1" latinLnBrk="0" hangingPunct="1">
+              <a:lnSpc>
+                <a:spcPct val="115000"/>
+              </a:lnSpc>
+              <a:spcBef>
+                <a:spcPts val="0"/>
+              </a:spcBef>
+              <a:spcAft>
+                <a:spcPts val="0"/>
+              </a:spcAft>
+              <a:buClr>
+                <a:schemeClr val="tx1"/>
+              </a:buClr>
+              <a:buSzPts val="1400"/>
+              <a:buFont typeface="Wingdings"/>
+              <a:buChar char="■"/>
+              <a:defRPr kumimoji="0" sz="2200" kern="1200">
+                <a:solidFill>
+                  <a:schemeClr val="tx1"/>
+                </a:solidFill>
+                <a:latin typeface="+mn-lt"/>
+                <a:ea typeface="+mn-ea"/>
+                <a:cs typeface="+mn-cs"/>
+              </a:defRPr>
+            </a:lvl3pPr>
+            <a:lvl4pPr marL="1828800" lvl="3" indent="-317500" algn="l" rtl="0" eaLnBrk="1" latinLnBrk="0" hangingPunct="1">
+              <a:lnSpc>
+                <a:spcPct val="115000"/>
+              </a:lnSpc>
+              <a:spcBef>
+                <a:spcPts val="0"/>
+              </a:spcBef>
+              <a:spcAft>
+                <a:spcPts val="0"/>
+              </a:spcAft>
+              <a:buClr>
+                <a:schemeClr val="tx1"/>
+              </a:buClr>
+              <a:buSzPts val="1400"/>
+              <a:buFont typeface="Wingdings 3"/>
+              <a:buChar char="●"/>
+              <a:defRPr kumimoji="0" sz="2000" kern="1200">
+                <a:solidFill>
+                  <a:schemeClr val="tx1"/>
+                </a:solidFill>
+                <a:latin typeface="+mn-lt"/>
+                <a:ea typeface="+mn-ea"/>
+                <a:cs typeface="+mn-cs"/>
+              </a:defRPr>
+            </a:lvl4pPr>
+            <a:lvl5pPr marL="2286000" lvl="4" indent="-317500" algn="l" rtl="0" eaLnBrk="1" latinLnBrk="0" hangingPunct="1">
+              <a:lnSpc>
+                <a:spcPct val="115000"/>
+              </a:lnSpc>
+              <a:spcBef>
+                <a:spcPts val="0"/>
+              </a:spcBef>
+              <a:spcAft>
+                <a:spcPts val="0"/>
+              </a:spcAft>
+              <a:buClr>
+                <a:schemeClr val="tx1"/>
+              </a:buClr>
+              <a:buSzPts val="1400"/>
+              <a:buFont typeface="Wingdings 2"/>
+              <a:buChar char="○"/>
+              <a:defRPr kumimoji="0" sz="2000" kern="1200">
+                <a:solidFill>
+                  <a:schemeClr val="tx1"/>
+                </a:solidFill>
+                <a:latin typeface="+mn-lt"/>
+                <a:ea typeface="+mn-ea"/>
+                <a:cs typeface="+mn-cs"/>
+              </a:defRPr>
+            </a:lvl5pPr>
+            <a:lvl6pPr marL="2743200" lvl="5" indent="-317500" algn="l" rtl="0" eaLnBrk="1" latinLnBrk="0" hangingPunct="1">
+              <a:lnSpc>
+                <a:spcPct val="115000"/>
+              </a:lnSpc>
+              <a:spcBef>
+                <a:spcPts val="0"/>
+              </a:spcBef>
+              <a:spcAft>
+                <a:spcPts val="0"/>
+              </a:spcAft>
+              <a:buClr>
+                <a:schemeClr val="tx1"/>
+              </a:buClr>
+              <a:buSzPts val="1400"/>
+              <a:buFont typeface="Wingdings 3"/>
+              <a:buChar char="■"/>
+              <a:defRPr kumimoji="0" sz="1800" kern="1200">
+                <a:solidFill>
+                  <a:schemeClr val="tx1"/>
+                </a:solidFill>
+                <a:latin typeface="+mn-lt"/>
+                <a:ea typeface="+mn-ea"/>
+                <a:cs typeface="+mn-cs"/>
+              </a:defRPr>
+            </a:lvl6pPr>
+            <a:lvl7pPr marL="3200400" lvl="6" indent="-317500" algn="l" rtl="0" eaLnBrk="1" latinLnBrk="0" hangingPunct="1">
+              <a:lnSpc>
+                <a:spcPct val="115000"/>
+              </a:lnSpc>
+              <a:spcBef>
+                <a:spcPts val="0"/>
+              </a:spcBef>
+              <a:spcAft>
+                <a:spcPts val="0"/>
+              </a:spcAft>
+              <a:buClr>
+                <a:schemeClr val="tx1"/>
+              </a:buClr>
+              <a:buSzPts val="1400"/>
+              <a:buFont typeface="Wingdings 2"/>
+              <a:buChar char="●"/>
+              <a:defRPr kumimoji="0" sz="1600" kern="1200">
+                <a:solidFill>
+                  <a:schemeClr val="tx1"/>
+                </a:solidFill>
+                <a:latin typeface="+mn-lt"/>
+                <a:ea typeface="+mn-ea"/>
+                <a:cs typeface="+mn-cs"/>
+              </a:defRPr>
+            </a:lvl7pPr>
+            <a:lvl8pPr marL="3657600" lvl="7" indent="-317500" algn="l" rtl="0" eaLnBrk="1" latinLnBrk="0" hangingPunct="1">
+              <a:lnSpc>
+                <a:spcPct val="115000"/>
+              </a:lnSpc>
+              <a:spcBef>
+                <a:spcPts val="0"/>
+              </a:spcBef>
+              <a:spcAft>
+                <a:spcPts val="0"/>
+              </a:spcAft>
+              <a:buClr>
+                <a:schemeClr val="tx1"/>
+              </a:buClr>
+              <a:buSzPts val="1400"/>
+              <a:buFont typeface="Wingdings 2"/>
+              <a:buChar char="○"/>
+              <a:defRPr kumimoji="0" sz="1400" kern="1200">
+                <a:solidFill>
+                  <a:schemeClr val="tx1"/>
+                </a:solidFill>
+                <a:latin typeface="+mn-lt"/>
+                <a:ea typeface="+mn-ea"/>
+                <a:cs typeface="+mn-cs"/>
+              </a:defRPr>
+            </a:lvl8pPr>
+            <a:lvl9pPr marL="4114800" lvl="8" indent="-317500" algn="l" rtl="0" eaLnBrk="1" latinLnBrk="0" hangingPunct="1">
+              <a:lnSpc>
+                <a:spcPct val="115000"/>
+              </a:lnSpc>
+              <a:spcBef>
+                <a:spcPts val="0"/>
+              </a:spcBef>
+              <a:spcAft>
+                <a:spcPts val="0"/>
+              </a:spcAft>
+              <a:buClr>
+                <a:schemeClr val="tx1"/>
+              </a:buClr>
+              <a:buSzPts val="1400"/>
+              <a:buFont typeface="Wingdings 2"/>
+              <a:buChar char="■"/>
+              <a:defRPr kumimoji="0" sz="1400" kern="1200" baseline="0">
+                <a:solidFill>
+                  <a:schemeClr val="tx1"/>
+                </a:solidFill>
+                <a:latin typeface="+mn-lt"/>
+                <a:ea typeface="+mn-ea"/>
+                <a:cs typeface="+mn-cs"/>
+              </a:defRPr>
+            </a:lvl9pPr>
+          </a:lstStyle>
+          <a:p>
+            <a:r>
+              <a:rPr lang="ru-RU" u="sng" dirty="0"/>
+              <a:t>Автоматизация</a:t>
+            </a:r>
+            <a:r>
+              <a:rPr lang="ru-RU" dirty="0"/>
+              <a:t>: </a:t>
+            </a:r>
+            <a:r>
+              <a:rPr lang="en-US" dirty="0" err="1"/>
+              <a:t>make_pipeline</a:t>
+            </a:r>
+            <a:endParaRPr lang="en-US" dirty="0"/>
+          </a:p>
+          <a:p>
+            <a:r>
+              <a:rPr lang="ru-RU" u="sng" dirty="0"/>
+              <a:t>Нормализация</a:t>
+            </a:r>
+            <a:r>
+              <a:rPr lang="ru-RU" dirty="0"/>
+              <a:t>: </a:t>
+            </a:r>
+            <a:r>
+              <a:rPr lang="en-US" dirty="0" err="1"/>
+              <a:t>StandardScaler</a:t>
+            </a:r>
+            <a:endParaRPr lang="ru-RU" dirty="0"/>
+          </a:p>
+          <a:p>
+            <a:pPr marL="114300" indent="0">
+              <a:buNone/>
+            </a:pPr>
+            <a:r>
+              <a:rPr lang="ru-RU" dirty="0"/>
+              <a:t>    </a:t>
+            </a:r>
+            <a:r>
+              <a:rPr lang="en-US" b="1" dirty="0" err="1"/>
+              <a:t>RobustScaler</a:t>
+            </a:r>
+            <a:endParaRPr lang="en-US" b="1" dirty="0"/>
+          </a:p>
+          <a:p>
+            <a:endParaRPr lang="ru-RU" dirty="0"/>
+          </a:p>
+          <a:p>
+            <a:endParaRPr lang="en-US" dirty="0"/>
+          </a:p>
+          <a:p>
+            <a:endParaRPr lang="ru-RU" dirty="0"/>
+          </a:p>
+        </p:txBody>
+      </p:sp>
+    </p:spTree>
+    <p:extLst>
+      <p:ext uri="{BB962C8B-B14F-4D97-AF65-F5344CB8AC3E}">
+        <p14:creationId xmlns:p14="http://schemas.microsoft.com/office/powerpoint/2010/main" val="4201281674"/>
+      </p:ext>
+    </p:extLst>
+  </p:cSld>
+  <p:clrMapOvr>
+    <a:masterClrMapping/>
+  </p:clrMapOvr>
+</p:sld>
+</file>
+
+<file path=ppt/slides/slide12.xml><?xml version="1.0" encoding="utf-8"?>
+<p:sld xmlns:a="http://schemas.openxmlformats.org/drawingml/2006/main" xmlns:r="http://schemas.openxmlformats.org/officeDocument/2006/relationships" xmlns:p="http://schemas.openxmlformats.org/presentationml/2006/main">
+  <p:cSld>
+    <p:spTree>
+      <p:nvGrpSpPr>
+        <p:cNvPr id="1" name=""/>
+        <p:cNvGrpSpPr/>
+        <p:nvPr/>
+      </p:nvGrpSpPr>
+      <p:grpSpPr>
+        <a:xfrm>
+          <a:off x="0" y="0"/>
+          <a:ext cx="0" cy="0"/>
+          <a:chOff x="0" y="0"/>
+          <a:chExt cx="0" cy="0"/>
+        </a:xfrm>
+      </p:grpSpPr>
+      <p:sp>
+        <p:nvSpPr>
+          <p:cNvPr id="2" name="Заголовок 1"/>
+          <p:cNvSpPr>
+            <a:spLocks noGrp="1"/>
+          </p:cNvSpPr>
+          <p:nvPr>
+            <p:ph type="title"/>
+          </p:nvPr>
+        </p:nvSpPr>
+        <p:spPr/>
+        <p:txBody>
+          <a:bodyPr>
+            <a:normAutofit fontScale="90000"/>
+          </a:bodyPr>
+          <a:lstStyle/>
+          <a:p>
+            <a:r>
+              <a:rPr lang="ru-RU" dirty="0"/>
+              <a:t>Проверка гипотез</a:t>
+            </a:r>
+          </a:p>
+        </p:txBody>
+      </p:sp>
+      <p:sp>
+        <p:nvSpPr>
+          <p:cNvPr id="3" name="Текст 2"/>
+          <p:cNvSpPr>
+            <a:spLocks noGrp="1"/>
+          </p:cNvSpPr>
+          <p:nvPr>
+            <p:ph type="body" idx="1"/>
+          </p:nvPr>
+        </p:nvSpPr>
+        <p:spPr/>
+        <p:txBody>
+          <a:bodyPr>
+            <a:normAutofit fontScale="92500"/>
+          </a:bodyPr>
+          <a:lstStyle/>
+          <a:p>
+            <a:r>
+              <a:rPr lang="ru-RU" dirty="0"/>
+              <a:t>Порядок признаков имеет значение</a:t>
+            </a:r>
+          </a:p>
+          <a:p>
+            <a:pPr lvl="1"/>
+            <a:r>
+              <a:rPr lang="ru-RU" dirty="0"/>
+              <a:t>Ошибочно принята за истину. Истина: нет.</a:t>
+            </a:r>
+          </a:p>
+          <a:p>
+            <a:r>
+              <a:rPr lang="ru-RU" dirty="0"/>
+              <a:t>Удаление выбросов в предсказаниях улучшает модель</a:t>
+            </a:r>
+          </a:p>
+          <a:p>
+            <a:pPr lvl="1"/>
+            <a:r>
+              <a:rPr lang="ru-RU" dirty="0"/>
+              <a:t>Нет</a:t>
+            </a:r>
+          </a:p>
+          <a:p>
+            <a:r>
+              <a:rPr lang="ru-RU" dirty="0"/>
+              <a:t>Удаление </a:t>
+            </a:r>
+            <a:r>
+              <a:rPr lang="ru-RU" dirty="0" err="1"/>
+              <a:t>валидационной</a:t>
+            </a:r>
+            <a:r>
+              <a:rPr lang="ru-RU" dirty="0"/>
+              <a:t> части повышает качество модели</a:t>
+            </a:r>
+          </a:p>
+          <a:p>
+            <a:pPr lvl="1"/>
+            <a:r>
+              <a:rPr lang="ru-RU" dirty="0"/>
+              <a:t>Нет</a:t>
+            </a:r>
+          </a:p>
+        </p:txBody>
+      </p:sp>
+    </p:spTree>
+    <p:extLst>
+      <p:ext uri="{BB962C8B-B14F-4D97-AF65-F5344CB8AC3E}">
+        <p14:creationId xmlns:p14="http://schemas.microsoft.com/office/powerpoint/2010/main" val="1584176042"/>
+      </p:ext>
+    </p:extLst>
+  </p:cSld>
+  <p:clrMapOvr>
+    <a:masterClrMapping/>
+  </p:clrMapOvr>
+</p:sld>
+</file>
+
+<file path=ppt/slides/slide13.xml><?xml version="1.0" encoding="utf-8"?>
+<p:sld xmlns:a="http://schemas.openxmlformats.org/drawingml/2006/main" xmlns:r="http://schemas.openxmlformats.org/officeDocument/2006/relationships" xmlns:p="http://schemas.openxmlformats.org/presentationml/2006/main">
+  <p:cSld>
+    <p:spTree>
+      <p:nvGrpSpPr>
+        <p:cNvPr id="1" name=""/>
+        <p:cNvGrpSpPr/>
+        <p:nvPr/>
+      </p:nvGrpSpPr>
+      <p:grpSpPr>
+        <a:xfrm>
+          <a:off x="0" y="0"/>
+          <a:ext cx="0" cy="0"/>
+          <a:chOff x="0" y="0"/>
+          <a:chExt cx="0" cy="0"/>
+        </a:xfrm>
+      </p:grpSpPr>
+      <p:sp>
+        <p:nvSpPr>
+          <p:cNvPr id="2" name="Заголовок 1"/>
+          <p:cNvSpPr>
+            <a:spLocks noGrp="1"/>
+          </p:cNvSpPr>
+          <p:nvPr>
+            <p:ph type="title"/>
+          </p:nvPr>
+        </p:nvSpPr>
+        <p:spPr/>
+        <p:txBody>
+          <a:bodyPr>
+            <a:normAutofit fontScale="90000"/>
+          </a:bodyPr>
+          <a:lstStyle/>
+          <a:p>
+            <a:r>
+              <a:rPr lang="ru-RU" dirty="0"/>
+              <a:t>Выводы</a:t>
+            </a:r>
+          </a:p>
+        </p:txBody>
+      </p:sp>
+      <p:sp>
+        <p:nvSpPr>
+          <p:cNvPr id="3" name="Текст 2"/>
+          <p:cNvSpPr>
+            <a:spLocks noGrp="1"/>
+          </p:cNvSpPr>
+          <p:nvPr>
+            <p:ph type="body" idx="1"/>
+          </p:nvPr>
+        </p:nvSpPr>
+        <p:spPr>
+          <a:xfrm>
+            <a:off x="311700" y="1152474"/>
+            <a:ext cx="8520600" cy="3991025"/>
+          </a:xfrm>
+        </p:spPr>
+        <p:txBody>
+          <a:bodyPr>
+            <a:normAutofit fontScale="92500" lnSpcReduction="20000"/>
+          </a:bodyPr>
+          <a:lstStyle/>
+          <a:p>
+            <a:r>
+              <a:rPr lang="ru-RU" dirty="0"/>
+              <a:t>На цены влияет множество факторов таких как место, возраст, качество и размер дома;</a:t>
+            </a:r>
+          </a:p>
+          <a:p>
+            <a:endParaRPr lang="ru-RU" dirty="0"/>
+          </a:p>
+          <a:p>
+            <a:r>
+              <a:rPr lang="ru-RU" dirty="0" err="1"/>
+              <a:t>Линрегрессия</a:t>
+            </a:r>
+            <a:r>
+              <a:rPr lang="ru-RU" dirty="0"/>
+              <a:t> вполне неплохо справляется с задачей;</a:t>
+            </a:r>
+          </a:p>
+          <a:p>
+            <a:endParaRPr lang="ru-RU" dirty="0"/>
+          </a:p>
+          <a:p>
+            <a:r>
+              <a:rPr lang="ru-RU" dirty="0"/>
+              <a:t>Фича инжиниринг и подбор </a:t>
+            </a:r>
+            <a:r>
+              <a:rPr lang="ru-RU" dirty="0" err="1"/>
+              <a:t>гиперпараметров</a:t>
+            </a:r>
+            <a:r>
+              <a:rPr lang="ru-RU" dirty="0"/>
+              <a:t> улучшают результат;</a:t>
+            </a:r>
+          </a:p>
+          <a:p>
+            <a:endParaRPr lang="ru-RU" dirty="0"/>
+          </a:p>
+          <a:p>
+            <a:r>
+              <a:rPr lang="ru-RU" dirty="0"/>
+              <a:t>Правильно проведенная ЕДА заключает в себе самую большую часть успеха.</a:t>
+            </a:r>
+          </a:p>
+        </p:txBody>
+      </p:sp>
+    </p:spTree>
+    <p:extLst>
+      <p:ext uri="{BB962C8B-B14F-4D97-AF65-F5344CB8AC3E}">
+        <p14:creationId xmlns:p14="http://schemas.microsoft.com/office/powerpoint/2010/main" val="3179707828"/>
+      </p:ext>
+    </p:extLst>
+  </p:cSld>
+  <p:clrMapOvr>
+    <a:masterClrMapping/>
+  </p:clrMapOvr>
+</p:sld>
+</file>
+
+<file path=ppt/slides/slide14.xml><?xml version="1.0" encoding="utf-8"?>
+<p:sld xmlns:a="http://schemas.openxmlformats.org/drawingml/2006/main" xmlns:r="http://schemas.openxmlformats.org/officeDocument/2006/relationships" xmlns:p="http://schemas.openxmlformats.org/presentationml/2006/main">
+  <p:cSld>
+    <p:spTree>
+      <p:nvGrpSpPr>
+        <p:cNvPr id="1" name=""/>
+        <p:cNvGrpSpPr/>
+        <p:nvPr/>
+      </p:nvGrpSpPr>
+      <p:grpSpPr>
+        <a:xfrm>
+          <a:off x="0" y="0"/>
+          <a:ext cx="0" cy="0"/>
+          <a:chOff x="0" y="0"/>
+          <a:chExt cx="0" cy="0"/>
+        </a:xfrm>
+      </p:grpSpPr>
+      <p:sp>
+        <p:nvSpPr>
+          <p:cNvPr id="2" name="Заголовок 1"/>
+          <p:cNvSpPr>
+            <a:spLocks noGrp="1"/>
+          </p:cNvSpPr>
+          <p:nvPr>
+            <p:ph type="title"/>
+          </p:nvPr>
+        </p:nvSpPr>
+        <p:spPr/>
+        <p:txBody>
+          <a:bodyPr>
+            <a:normAutofit fontScale="90000"/>
+          </a:bodyPr>
+          <a:lstStyle/>
+          <a:p>
+            <a:r>
+              <a:rPr lang="ru-RU" dirty="0"/>
+              <a:t>Рекомендации покупателям</a:t>
+            </a:r>
+          </a:p>
+        </p:txBody>
+      </p:sp>
+      <p:sp>
+        <p:nvSpPr>
+          <p:cNvPr id="3" name="Текст 2"/>
+          <p:cNvSpPr>
+            <a:spLocks noGrp="1"/>
+          </p:cNvSpPr>
+          <p:nvPr>
+            <p:ph type="body" idx="1"/>
+          </p:nvPr>
+        </p:nvSpPr>
+        <p:spPr/>
+        <p:txBody>
+          <a:bodyPr>
+            <a:normAutofit fontScale="77500" lnSpcReduction="20000"/>
+          </a:bodyPr>
+          <a:lstStyle/>
+          <a:p>
+            <a:r>
+              <a:rPr lang="ru-RU" dirty="0"/>
+              <a:t>Место имеет значение. Районы значительно влияют на цену;</a:t>
+            </a:r>
+          </a:p>
+          <a:p>
+            <a:endParaRPr lang="ru-RU" dirty="0"/>
+          </a:p>
+          <a:p>
+            <a:r>
+              <a:rPr lang="ru-RU" dirty="0"/>
+              <a:t>Размер и возраст дома имеют важное значение;</a:t>
+            </a:r>
+          </a:p>
+          <a:p>
+            <a:endParaRPr lang="ru-RU" dirty="0"/>
+          </a:p>
+          <a:p>
+            <a:r>
+              <a:rPr lang="ru-RU" dirty="0"/>
+              <a:t>Торгуйтесь, основывая на показателе качества дома, размера жилой площади и машин что вмещаются в гараж;</a:t>
+            </a:r>
+          </a:p>
+          <a:p>
+            <a:pPr marL="114300" indent="0">
+              <a:buNone/>
+            </a:pPr>
+            <a:r>
+              <a:rPr lang="ru-RU" dirty="0"/>
+              <a:t> </a:t>
+            </a:r>
+          </a:p>
+          <a:p>
+            <a:r>
+              <a:rPr lang="ru-RU" dirty="0"/>
+              <a:t>В новый дом можно въехать сразу, но возможно дешевле будет купить постарше и провести реновация.</a:t>
+            </a:r>
+          </a:p>
+        </p:txBody>
+      </p:sp>
+    </p:spTree>
+    <p:extLst>
+      <p:ext uri="{BB962C8B-B14F-4D97-AF65-F5344CB8AC3E}">
+        <p14:creationId xmlns:p14="http://schemas.microsoft.com/office/powerpoint/2010/main" val="3246475399"/>
+      </p:ext>
+    </p:extLst>
+  </p:cSld>
+  <p:clrMapOvr>
+    <a:masterClrMapping/>
+  </p:clrMapOvr>
+</p:sld>
+</file>
+
+<file path=ppt/slides/slide15.xml><?xml version="1.0" encoding="utf-8"?>
+<p:sld xmlns:a="http://schemas.openxmlformats.org/drawingml/2006/main" xmlns:r="http://schemas.openxmlformats.org/officeDocument/2006/relationships" xmlns:p="http://schemas.openxmlformats.org/presentationml/2006/main">
+  <p:cSld>
+    <p:spTree>
+      <p:nvGrpSpPr>
+        <p:cNvPr id="1" name=""/>
+        <p:cNvGrpSpPr/>
+        <p:nvPr/>
+      </p:nvGrpSpPr>
+      <p:grpSpPr>
+        <a:xfrm>
+          <a:off x="0" y="0"/>
+          <a:ext cx="0" cy="0"/>
+          <a:chOff x="0" y="0"/>
+          <a:chExt cx="0" cy="0"/>
+        </a:xfrm>
+      </p:grpSpPr>
+      <p:sp>
+        <p:nvSpPr>
+          <p:cNvPr id="2" name="Заголовок 1"/>
+          <p:cNvSpPr>
+            <a:spLocks noGrp="1"/>
+          </p:cNvSpPr>
+          <p:nvPr>
+            <p:ph type="title"/>
+          </p:nvPr>
+        </p:nvSpPr>
+        <p:spPr/>
+        <p:txBody>
+          <a:bodyPr>
+            <a:normAutofit fontScale="90000"/>
+          </a:bodyPr>
+          <a:lstStyle/>
+          <a:p>
+            <a:r>
+              <a:rPr lang="ru-RU" dirty="0"/>
+              <a:t>Рекомендации продавцам</a:t>
+            </a:r>
+          </a:p>
+        </p:txBody>
+      </p:sp>
+      <p:sp>
+        <p:nvSpPr>
+          <p:cNvPr id="3" name="Текст 2"/>
+          <p:cNvSpPr>
+            <a:spLocks noGrp="1"/>
+          </p:cNvSpPr>
+          <p:nvPr>
+            <p:ph type="body" idx="1"/>
+          </p:nvPr>
+        </p:nvSpPr>
+        <p:spPr/>
+        <p:txBody>
+          <a:bodyPr>
+            <a:normAutofit fontScale="77500" lnSpcReduction="20000"/>
+          </a:bodyPr>
+          <a:lstStyle/>
+          <a:p>
+            <a:r>
+              <a:rPr lang="ru-RU" dirty="0"/>
+              <a:t>Место имеет значение. Формируйте вашу цену исходя также из локации;</a:t>
+            </a:r>
+          </a:p>
+          <a:p>
+            <a:endParaRPr lang="ru-RU" dirty="0"/>
+          </a:p>
+          <a:p>
+            <a:r>
+              <a:rPr lang="ru-RU" dirty="0"/>
+              <a:t>Также обратите внимание на общее качество дома, размер жилой площади и гаража;</a:t>
+            </a:r>
+          </a:p>
+          <a:p>
+            <a:pPr marL="114300" indent="0">
+              <a:buNone/>
+            </a:pPr>
+            <a:r>
+              <a:rPr lang="ru-RU" dirty="0"/>
+              <a:t> </a:t>
+            </a:r>
+          </a:p>
+          <a:p>
+            <a:r>
+              <a:rPr lang="ru-RU" dirty="0"/>
+              <a:t>Возраст дома и дата последнего ремонта имеют значение;</a:t>
+            </a:r>
+            <a:endParaRPr lang="en-US" dirty="0"/>
+          </a:p>
+          <a:p>
+            <a:endParaRPr lang="en-US" dirty="0"/>
+          </a:p>
+          <a:p>
+            <a:r>
+              <a:rPr lang="ru-RU" dirty="0"/>
+              <a:t>В целом тренд идет на увеличение стоимости недвижимости.</a:t>
+            </a:r>
+          </a:p>
+        </p:txBody>
+      </p:sp>
+    </p:spTree>
+    <p:extLst>
+      <p:ext uri="{BB962C8B-B14F-4D97-AF65-F5344CB8AC3E}">
+        <p14:creationId xmlns:p14="http://schemas.microsoft.com/office/powerpoint/2010/main" val="4089531481"/>
+      </p:ext>
+    </p:extLst>
+  </p:cSld>
+  <p:clrMapOvr>
+    <a:masterClrMapping/>
+  </p:clrMapOvr>
+</p:sld>
+</file>
+
+<file path=ppt/slides/slide16.xml><?xml version="1.0" encoding="utf-8"?>
+<p:sld xmlns:a="http://schemas.openxmlformats.org/drawingml/2006/main" xmlns:r="http://schemas.openxmlformats.org/officeDocument/2006/relationships" xmlns:p="http://schemas.openxmlformats.org/presentationml/2006/main">
+  <p:cSld>
+    <p:spTree>
+      <p:nvGrpSpPr>
+        <p:cNvPr id="1" name=""/>
+        <p:cNvGrpSpPr/>
+        <p:nvPr/>
+      </p:nvGrpSpPr>
+      <p:grpSpPr>
+        <a:xfrm>
+          <a:off x="0" y="0"/>
+          <a:ext cx="0" cy="0"/>
+          <a:chOff x="0" y="0"/>
+          <a:chExt cx="0" cy="0"/>
+        </a:xfrm>
+      </p:grpSpPr>
+      <p:sp>
+        <p:nvSpPr>
+          <p:cNvPr id="4" name="Заголовок 3"/>
+          <p:cNvSpPr>
+            <a:spLocks noGrp="1"/>
+          </p:cNvSpPr>
+          <p:nvPr>
+            <p:ph type="title"/>
+          </p:nvPr>
+        </p:nvSpPr>
+        <p:spPr>
+          <a:xfrm>
+            <a:off x="266304" y="931407"/>
+            <a:ext cx="8520600" cy="572700"/>
+          </a:xfrm>
+        </p:spPr>
+        <p:txBody>
+          <a:bodyPr>
+            <a:noAutofit/>
+          </a:bodyPr>
+          <a:lstStyle/>
+          <a:p>
+            <a:pPr algn="ctr"/>
+            <a:r>
+              <a:rPr lang="ru-RU" sz="4400" dirty="0"/>
+              <a:t>Спасибо</a:t>
+            </a:r>
+            <a:br>
+              <a:rPr lang="ru-RU" sz="4400" dirty="0"/>
+            </a:br>
+            <a:r>
+              <a:rPr lang="ru-RU" sz="4400" dirty="0"/>
+              <a:t>за внимание!</a:t>
+            </a:r>
+            <a:br>
+              <a:rPr lang="ru-RU" sz="4400" dirty="0"/>
+            </a:br>
+            <a:br>
+              <a:rPr lang="ru-RU" sz="4400" dirty="0"/>
+            </a:br>
+            <a:r>
+              <a:rPr lang="ru-RU" sz="4400" dirty="0"/>
+              <a:t>Вопросы?</a:t>
+            </a:r>
+          </a:p>
+        </p:txBody>
+      </p:sp>
+    </p:spTree>
+    <p:extLst>
+      <p:ext uri="{BB962C8B-B14F-4D97-AF65-F5344CB8AC3E}">
+        <p14:creationId xmlns:p14="http://schemas.microsoft.com/office/powerpoint/2010/main" val="3472401071"/>
+      </p:ext>
+    </p:extLst>
+  </p:cSld>
+  <p:clrMapOvr>
+    <a:masterClrMapping/>
+  </p:clrMapOvr>
+</p:sld>
+</file>
+
+<file path=ppt/slides/slide2.xml><?xml version="1.0" encoding="utf-8"?>
+<p:sld xmlns:a="http://schemas.openxmlformats.org/drawingml/2006/main" xmlns:r="http://schemas.openxmlformats.org/officeDocument/2006/relationships" xmlns:p="http://schemas.openxmlformats.org/presentationml/2006/main">
+  <p:cSld>
+    <p:spTree>
+      <p:nvGrpSpPr>
+        <p:cNvPr id="1" name=""/>
+        <p:cNvGrpSpPr/>
+        <p:nvPr/>
+      </p:nvGrpSpPr>
+      <p:grpSpPr>
+        <a:xfrm>
+          <a:off x="0" y="0"/>
+          <a:ext cx="0" cy="0"/>
+          <a:chOff x="0" y="0"/>
+          <a:chExt cx="0" cy="0"/>
+        </a:xfrm>
+      </p:grpSpPr>
+      <p:sp>
+        <p:nvSpPr>
+          <p:cNvPr id="2" name="Заголовок 1"/>
+          <p:cNvSpPr>
+            <a:spLocks noGrp="1"/>
+          </p:cNvSpPr>
+          <p:nvPr>
+            <p:ph type="title"/>
+          </p:nvPr>
+        </p:nvSpPr>
+        <p:spPr/>
+        <p:txBody>
+          <a:bodyPr>
+            <a:normAutofit fontScale="90000"/>
+          </a:bodyPr>
+          <a:lstStyle/>
+          <a:p>
+            <a:r>
+              <a:rPr lang="ru-RU" dirty="0"/>
+              <a:t>Команда</a:t>
+            </a:r>
+          </a:p>
+        </p:txBody>
+      </p:sp>
+      <p:sp>
+        <p:nvSpPr>
+          <p:cNvPr id="3" name="Текст 2"/>
+          <p:cNvSpPr>
+            <a:spLocks noGrp="1"/>
+          </p:cNvSpPr>
+          <p:nvPr>
+            <p:ph type="body" idx="1"/>
+          </p:nvPr>
+        </p:nvSpPr>
+        <p:spPr/>
+        <p:txBody>
+          <a:bodyPr/>
+          <a:lstStyle/>
+          <a:p>
+            <a:r>
+              <a:rPr lang="ru-RU" dirty="0"/>
+              <a:t>Дмитрий Диденко – код</a:t>
+            </a:r>
+          </a:p>
+          <a:p>
+            <a:r>
+              <a:rPr lang="ru-RU" dirty="0"/>
+              <a:t>Михаил Боков – категориальные признаки</a:t>
+            </a:r>
+          </a:p>
+          <a:p>
+            <a:r>
+              <a:rPr lang="ru-RU" dirty="0"/>
+              <a:t>Вадим Рыжков – презентация</a:t>
+            </a:r>
+          </a:p>
+          <a:p>
+            <a:r>
+              <a:rPr lang="ru-RU" dirty="0"/>
+              <a:t>Михаил </a:t>
+            </a:r>
+            <a:r>
+              <a:rPr lang="ru-RU" dirty="0" err="1"/>
+              <a:t>Бружмелев</a:t>
+            </a:r>
+            <a:r>
+              <a:rPr lang="ru-RU" dirty="0"/>
+              <a:t> – идеи</a:t>
+            </a:r>
+          </a:p>
+          <a:p>
+            <a:r>
+              <a:rPr lang="ru-RU" dirty="0"/>
+              <a:t>Гульнара </a:t>
+            </a:r>
+            <a:r>
+              <a:rPr lang="ru-RU" dirty="0" err="1"/>
+              <a:t>Шагалиева</a:t>
+            </a:r>
+            <a:r>
+              <a:rPr lang="ru-RU" dirty="0"/>
+              <a:t> – моральная поддержка</a:t>
+            </a:r>
+          </a:p>
+        </p:txBody>
+      </p:sp>
+    </p:spTree>
+    <p:extLst>
+      <p:ext uri="{BB962C8B-B14F-4D97-AF65-F5344CB8AC3E}">
+        <p14:creationId xmlns:p14="http://schemas.microsoft.com/office/powerpoint/2010/main" val="48133632"/>
+      </p:ext>
+    </p:extLst>
+  </p:cSld>
+  <p:clrMapOvr>
+    <a:masterClrMapping/>
+  </p:clrMapOvr>
+</p:sld>
+</file>
+
+<file path=ppt/slides/slide3.xml><?xml version="1.0" encoding="utf-8"?>
+<p:sld xmlns:a="http://schemas.openxmlformats.org/drawingml/2006/main" xmlns:r="http://schemas.openxmlformats.org/officeDocument/2006/relationships" xmlns:p="http://schemas.openxmlformats.org/presentationml/2006/main">
+  <p:cSld>
+    <p:spTree>
+      <p:nvGrpSpPr>
+        <p:cNvPr id="1" name=""/>
+        <p:cNvGrpSpPr/>
+        <p:nvPr/>
+      </p:nvGrpSpPr>
+      <p:grpSpPr>
+        <a:xfrm>
+          <a:off x="0" y="0"/>
+          <a:ext cx="0" cy="0"/>
+          <a:chOff x="0" y="0"/>
+          <a:chExt cx="0" cy="0"/>
+        </a:xfrm>
+      </p:grpSpPr>
+      <p:sp>
+        <p:nvSpPr>
+          <p:cNvPr id="2" name="Заголовок 1"/>
+          <p:cNvSpPr>
+            <a:spLocks noGrp="1"/>
+          </p:cNvSpPr>
+          <p:nvPr>
+            <p:ph type="title"/>
+          </p:nvPr>
+        </p:nvSpPr>
+        <p:spPr/>
+        <p:txBody>
+          <a:bodyPr>
+            <a:normAutofit fontScale="90000"/>
+          </a:bodyPr>
+          <a:lstStyle/>
+          <a:p>
+            <a:r>
+              <a:rPr lang="ru-RU" dirty="0"/>
+              <a:t>Инструменты</a:t>
+            </a:r>
+          </a:p>
+        </p:txBody>
+      </p:sp>
+      <p:sp>
+        <p:nvSpPr>
+          <p:cNvPr id="3" name="Текст 2"/>
+          <p:cNvSpPr>
+            <a:spLocks noGrp="1"/>
+          </p:cNvSpPr>
+          <p:nvPr>
+            <p:ph type="body" idx="1"/>
+          </p:nvPr>
+        </p:nvSpPr>
+        <p:spPr/>
+        <p:txBody>
+          <a:bodyPr/>
+          <a:lstStyle/>
+          <a:p>
+            <a:r>
+              <a:rPr lang="en-US" dirty="0" err="1"/>
+              <a:t>Todoist</a:t>
+            </a:r>
+            <a:r>
+              <a:rPr lang="en-US" dirty="0"/>
+              <a:t> </a:t>
+            </a:r>
+            <a:r>
+              <a:rPr lang="ru-RU" dirty="0"/>
+              <a:t>для отслеживания задач, сроков, ответственных исполнителей (</a:t>
+            </a:r>
+            <a:r>
+              <a:rPr lang="en-US" dirty="0"/>
+              <a:t>todoist.com)</a:t>
+            </a:r>
+          </a:p>
+          <a:p>
+            <a:r>
+              <a:rPr lang="ru-RU" dirty="0"/>
+              <a:t>Интеграция с анонимным </a:t>
+            </a:r>
+            <a:r>
+              <a:rPr lang="en-US" dirty="0"/>
+              <a:t>FTP-</a:t>
+            </a:r>
+            <a:r>
+              <a:rPr lang="ru-RU" dirty="0"/>
+              <a:t>сервером для записи результатов работы моделей</a:t>
+            </a:r>
+            <a:endParaRPr lang="en-US" dirty="0"/>
+          </a:p>
+          <a:p>
+            <a:r>
+              <a:rPr lang="en-US" dirty="0" err="1"/>
+              <a:t>Github</a:t>
+            </a:r>
+            <a:r>
+              <a:rPr lang="en-US" dirty="0"/>
+              <a:t> </a:t>
+            </a:r>
+            <a:r>
+              <a:rPr lang="ru-RU" dirty="0"/>
+              <a:t>для модели</a:t>
+            </a:r>
+            <a:endParaRPr lang="en-US" dirty="0"/>
+          </a:p>
+          <a:p>
+            <a:r>
+              <a:rPr lang="en-US" dirty="0"/>
+              <a:t>Zoom</a:t>
+            </a:r>
+            <a:r>
+              <a:rPr lang="ru-RU" dirty="0"/>
+              <a:t> и </a:t>
+            </a:r>
+            <a:r>
+              <a:rPr lang="en-US" dirty="0"/>
+              <a:t>Telegram </a:t>
+            </a:r>
+            <a:r>
+              <a:rPr lang="ru-RU" dirty="0"/>
+              <a:t>для взаимодействия</a:t>
+            </a:r>
+          </a:p>
+        </p:txBody>
+      </p:sp>
+    </p:spTree>
+    <p:extLst>
+      <p:ext uri="{BB962C8B-B14F-4D97-AF65-F5344CB8AC3E}">
+        <p14:creationId xmlns:p14="http://schemas.microsoft.com/office/powerpoint/2010/main" val="2667130146"/>
+      </p:ext>
+    </p:extLst>
+  </p:cSld>
+  <p:clrMapOvr>
+    <a:masterClrMapping/>
+  </p:clrMapOvr>
+</p:sld>
+</file>
+
+<file path=ppt/slides/slide4.xml><?xml version="1.0" encoding="utf-8"?>
+<p:sld xmlns:a="http://schemas.openxmlformats.org/drawingml/2006/main" xmlns:r="http://schemas.openxmlformats.org/officeDocument/2006/relationships" xmlns:p="http://schemas.openxmlformats.org/presentationml/2006/main">
+  <p:cSld>
+    <p:spTree>
+      <p:nvGrpSpPr>
+        <p:cNvPr id="1" name=""/>
+        <p:cNvGrpSpPr/>
+        <p:nvPr/>
+      </p:nvGrpSpPr>
+      <p:grpSpPr>
+        <a:xfrm>
+          <a:off x="0" y="0"/>
+          <a:ext cx="0" cy="0"/>
+          <a:chOff x="0" y="0"/>
+          <a:chExt cx="0" cy="0"/>
+        </a:xfrm>
+      </p:grpSpPr>
+      <p:sp>
+        <p:nvSpPr>
+          <p:cNvPr id="2" name="Заголовок 1"/>
+          <p:cNvSpPr>
+            <a:spLocks noGrp="1"/>
+          </p:cNvSpPr>
+          <p:nvPr>
+            <p:ph type="title"/>
+          </p:nvPr>
+        </p:nvSpPr>
+        <p:spPr/>
+        <p:txBody>
+          <a:bodyPr>
+            <a:normAutofit fontScale="90000"/>
+          </a:bodyPr>
+          <a:lstStyle/>
+          <a:p>
+            <a:r>
+              <a:rPr lang="ru-RU" dirty="0"/>
+              <a:t>Результаты соревнования</a:t>
+            </a:r>
+          </a:p>
+        </p:txBody>
+      </p:sp>
+      <p:sp>
+        <p:nvSpPr>
+          <p:cNvPr id="3" name="Текст 2"/>
+          <p:cNvSpPr>
+            <a:spLocks noGrp="1"/>
+          </p:cNvSpPr>
+          <p:nvPr>
+            <p:ph type="body" idx="1"/>
+          </p:nvPr>
+        </p:nvSpPr>
+        <p:spPr>
+          <a:xfrm>
+            <a:off x="6382661" y="1152475"/>
+            <a:ext cx="2449639" cy="3501434"/>
+          </a:xfrm>
+        </p:spPr>
+        <p:txBody>
+          <a:bodyPr>
+            <a:normAutofit fontScale="70000" lnSpcReduction="20000"/>
+          </a:bodyPr>
+          <a:lstStyle/>
+          <a:p>
+            <a:r>
+              <a:rPr lang="ru-RU" u="sng" dirty="0"/>
+              <a:t>Цель</a:t>
+            </a:r>
+            <a:r>
+              <a:rPr lang="ru-RU" dirty="0"/>
+              <a:t>: предсказать цены на дома в американском городке</a:t>
+            </a:r>
+          </a:p>
+          <a:p>
+            <a:r>
+              <a:rPr lang="ru-RU" u="sng" dirty="0"/>
+              <a:t>Обучающая выборка</a:t>
+            </a:r>
+            <a:r>
+              <a:rPr lang="ru-RU" dirty="0"/>
+              <a:t>:</a:t>
+            </a:r>
+          </a:p>
+          <a:p>
+            <a:pPr marL="114300" indent="0">
+              <a:buNone/>
+            </a:pPr>
+            <a:r>
+              <a:rPr lang="ru-RU" dirty="0"/>
+              <a:t>     1460 домов</a:t>
+            </a:r>
+          </a:p>
+          <a:p>
+            <a:r>
+              <a:rPr lang="ru-RU" u="sng" dirty="0"/>
+              <a:t>Метрика</a:t>
+            </a:r>
+            <a:r>
+              <a:rPr lang="ru-RU" dirty="0"/>
+              <a:t>:</a:t>
+            </a:r>
+          </a:p>
+          <a:p>
+            <a:pPr marL="114300" indent="0">
+              <a:buNone/>
+            </a:pPr>
+            <a:r>
+              <a:rPr lang="ru-RU" dirty="0"/>
+              <a:t>     </a:t>
+            </a:r>
+            <a:r>
+              <a:rPr lang="en-US" dirty="0"/>
+              <a:t>RMSE</a:t>
+            </a:r>
+            <a:endParaRPr lang="ru-RU" dirty="0"/>
+          </a:p>
+          <a:p>
+            <a:pPr marL="114300" indent="0">
+              <a:buNone/>
+            </a:pPr>
+            <a:r>
+              <a:rPr lang="ru-RU" dirty="0"/>
+              <a:t>     логарифмов</a:t>
+            </a:r>
+          </a:p>
+        </p:txBody>
+      </p:sp>
+      <p:pic>
+        <p:nvPicPr>
+          <p:cNvPr id="7" name="Picture 6">
+            <a:extLst>
+              <a:ext uri="{FF2B5EF4-FFF2-40B4-BE49-F238E27FC236}">
+                <a16:creationId xmlns:a16="http://schemas.microsoft.com/office/drawing/2014/main" id="{6969299E-EBD3-630F-2A19-FB93ACB53792}"/>
+              </a:ext>
+            </a:extLst>
+          </p:cNvPr>
+          <p:cNvPicPr>
+            <a:picLocks noChangeAspect="1"/>
+          </p:cNvPicPr>
+          <p:nvPr/>
+        </p:nvPicPr>
+        <p:blipFill>
+          <a:blip r:embed="rId3"/>
+          <a:stretch>
+            <a:fillRect/>
+          </a:stretch>
+        </p:blipFill>
+        <p:spPr>
+          <a:xfrm>
+            <a:off x="0" y="1493295"/>
+            <a:ext cx="6411220" cy="1409897"/>
+          </a:xfrm>
+          <a:prstGeom prst="rect">
+            <a:avLst/>
+          </a:prstGeom>
+        </p:spPr>
+      </p:pic>
+    </p:spTree>
+    <p:extLst>
+      <p:ext uri="{BB962C8B-B14F-4D97-AF65-F5344CB8AC3E}">
+        <p14:creationId xmlns:p14="http://schemas.microsoft.com/office/powerpoint/2010/main" val="981254188"/>
+      </p:ext>
+    </p:extLst>
+  </p:cSld>
+  <p:clrMapOvr>
+    <a:masterClrMapping/>
+  </p:clrMapOvr>
+</p:sld>
+</file>
+
+<file path=ppt/slides/slide5.xml><?xml version="1.0" encoding="utf-8"?>
+<p:sld xmlns:a="http://schemas.openxmlformats.org/drawingml/2006/main" xmlns:r="http://schemas.openxmlformats.org/officeDocument/2006/relationships" xmlns:p="http://schemas.openxmlformats.org/presentationml/2006/main">
+  <p:cSld>
+    <p:spTree>
+      <p:nvGrpSpPr>
+        <p:cNvPr id="1" name="Shape 60"/>
+        <p:cNvGrpSpPr/>
+        <p:nvPr/>
+      </p:nvGrpSpPr>
+      <p:grpSpPr>
+        <a:xfrm>
+          <a:off x="0" y="0"/>
+          <a:ext cx="0" cy="0"/>
+          <a:chOff x="0" y="0"/>
+          <a:chExt cx="0" cy="0"/>
+        </a:xfrm>
+      </p:grpSpPr>
+      <p:sp>
+        <p:nvSpPr>
+          <p:cNvPr id="61" name="Google Shape;61;p14"/>
+          <p:cNvSpPr txBox="1">
+            <a:spLocks noGrp="1"/>
+          </p:cNvSpPr>
+          <p:nvPr>
+            <p:ph type="title"/>
+          </p:nvPr>
+        </p:nvSpPr>
+        <p:spPr>
+          <a:prstGeom prst="rect">
+            <a:avLst/>
+          </a:prstGeom>
+          <a:noFill/>
+          <a:ln>
+            <a:noFill/>
+          </a:ln>
+        </p:spPr>
+        <p:txBody>
+          <a:bodyPr spcFirstLastPara="1" wrap="square" lIns="91425" tIns="91425" rIns="91425" bIns="91425" anchor="t" anchorCtr="0">
+            <a:normAutofit fontScale="90000"/>
+          </a:bodyPr>
+          <a:lstStyle/>
+          <a:p>
+            <a:pPr marL="0" lvl="0" indent="0" algn="l" rtl="0">
+              <a:lnSpc>
+                <a:spcPct val="100000"/>
+              </a:lnSpc>
+              <a:spcBef>
+                <a:spcPts val="0"/>
+              </a:spcBef>
+              <a:spcAft>
+                <a:spcPts val="0"/>
+              </a:spcAft>
+              <a:buSzPct val="111111"/>
+              <a:buNone/>
+            </a:pPr>
+            <a:r>
+              <a:rPr lang="ru" dirty="0"/>
+              <a:t>План выступления</a:t>
+            </a:r>
+            <a:endParaRPr dirty="0"/>
+          </a:p>
+        </p:txBody>
+      </p:sp>
+      <p:sp>
+        <p:nvSpPr>
+          <p:cNvPr id="62" name="Google Shape;62;p14"/>
+          <p:cNvSpPr txBox="1">
+            <a:spLocks noGrp="1"/>
+          </p:cNvSpPr>
+          <p:nvPr>
+            <p:ph type="body" idx="1"/>
+          </p:nvPr>
+        </p:nvSpPr>
+        <p:spPr>
+          <a:prstGeom prst="rect">
+            <a:avLst/>
+          </a:prstGeom>
+          <a:noFill/>
+          <a:ln>
+            <a:noFill/>
+          </a:ln>
+        </p:spPr>
+        <p:txBody>
+          <a:bodyPr spcFirstLastPara="1" wrap="square" lIns="91425" tIns="91425" rIns="91425" bIns="91425" anchor="t" anchorCtr="0">
+            <a:normAutofit/>
+          </a:bodyPr>
+          <a:lstStyle/>
+          <a:p>
+            <a:r>
+              <a:rPr lang="ru-RU" dirty="0"/>
+              <a:t>Соревнование</a:t>
+            </a:r>
+          </a:p>
+          <a:p>
+            <a:r>
+              <a:rPr lang="en-US" dirty="0"/>
+              <a:t>EDA</a:t>
+            </a:r>
+          </a:p>
+          <a:p>
+            <a:r>
+              <a:rPr lang="ru-RU" dirty="0"/>
+              <a:t>Гипотезы</a:t>
+            </a:r>
+          </a:p>
+          <a:p>
+            <a:r>
+              <a:rPr lang="ru-RU" dirty="0"/>
+              <a:t>Проверка</a:t>
+            </a:r>
+          </a:p>
+          <a:p>
+            <a:r>
+              <a:rPr lang="ru-RU" dirty="0"/>
+              <a:t>Выводы</a:t>
+            </a:r>
+            <a:endParaRPr lang="en-US" dirty="0"/>
+          </a:p>
+          <a:p>
+            <a:r>
+              <a:rPr lang="ru-RU" dirty="0"/>
+              <a:t>О нашей работе</a:t>
+            </a:r>
+            <a:endParaRPr dirty="0"/>
+          </a:p>
+        </p:txBody>
+      </p:sp>
+    </p:spTree>
+  </p:cSld>
+  <p:clrMapOvr>
+    <a:masterClrMapping/>
+  </p:clrMapOvr>
+</p:sld>
+</file>
+
+<file path=ppt/slides/slide6.xml><?xml version="1.0" encoding="utf-8"?>
+<p:sld xmlns:a="http://schemas.openxmlformats.org/drawingml/2006/main" xmlns:r="http://schemas.openxmlformats.org/officeDocument/2006/relationships" xmlns:p="http://schemas.openxmlformats.org/presentationml/2006/main">
+  <p:cSld>
+    <p:spTree>
+      <p:nvGrpSpPr>
+        <p:cNvPr id="1" name=""/>
+        <p:cNvGrpSpPr/>
+        <p:nvPr/>
+      </p:nvGrpSpPr>
+      <p:grpSpPr>
+        <a:xfrm>
+          <a:off x="0" y="0"/>
+          <a:ext cx="0" cy="0"/>
+          <a:chOff x="0" y="0"/>
+          <a:chExt cx="0" cy="0"/>
+        </a:xfrm>
+      </p:grpSpPr>
+      <p:sp>
+        <p:nvSpPr>
+          <p:cNvPr id="2" name="Заголовок 1"/>
+          <p:cNvSpPr>
+            <a:spLocks noGrp="1"/>
+          </p:cNvSpPr>
+          <p:nvPr>
+            <p:ph type="title"/>
+          </p:nvPr>
+        </p:nvSpPr>
+        <p:spPr/>
+        <p:txBody>
+          <a:bodyPr>
+            <a:normAutofit fontScale="90000"/>
+          </a:bodyPr>
+          <a:lstStyle/>
+          <a:p>
+            <a:r>
+              <a:rPr lang="ru-RU" dirty="0"/>
+              <a:t>Пустые значения</a:t>
+            </a:r>
+          </a:p>
+        </p:txBody>
+      </p:sp>
+      <p:sp>
+        <p:nvSpPr>
+          <p:cNvPr id="3" name="Текст 2"/>
+          <p:cNvSpPr>
+            <a:spLocks noGrp="1"/>
+          </p:cNvSpPr>
+          <p:nvPr>
+            <p:ph type="body" idx="1"/>
+          </p:nvPr>
+        </p:nvSpPr>
+        <p:spPr>
+          <a:xfrm>
+            <a:off x="5637754" y="1152475"/>
+            <a:ext cx="3194545" cy="3439260"/>
+          </a:xfrm>
+        </p:spPr>
+        <p:txBody>
+          <a:bodyPr>
+            <a:normAutofit fontScale="92500" lnSpcReduction="20000"/>
+          </a:bodyPr>
+          <a:lstStyle/>
+          <a:p>
+            <a:r>
+              <a:rPr lang="ru-RU" u="sng" dirty="0"/>
+              <a:t>Стратегии</a:t>
+            </a:r>
+            <a:r>
+              <a:rPr lang="ru-RU" dirty="0"/>
+              <a:t>:</a:t>
+            </a:r>
+          </a:p>
+          <a:p>
+            <a:pPr>
+              <a:buFontTx/>
+              <a:buChar char="-"/>
+            </a:pPr>
+            <a:r>
+              <a:rPr lang="ru-RU" dirty="0"/>
+              <a:t>Объединение</a:t>
+            </a:r>
+          </a:p>
+          <a:p>
+            <a:pPr>
+              <a:buFontTx/>
+              <a:buChar char="-"/>
+            </a:pPr>
+            <a:r>
+              <a:rPr lang="ru-RU" dirty="0"/>
+              <a:t>Заполнение средним</a:t>
+            </a:r>
+          </a:p>
+          <a:p>
+            <a:pPr>
+              <a:buFontTx/>
+              <a:buChar char="-"/>
+            </a:pPr>
+            <a:r>
+              <a:rPr lang="ru-RU" dirty="0"/>
+              <a:t>Заполнение нулями</a:t>
+            </a:r>
+          </a:p>
+          <a:p>
+            <a:pPr>
+              <a:buFontTx/>
+              <a:buChar char="-"/>
+            </a:pPr>
+            <a:r>
+              <a:rPr lang="ru-RU" dirty="0"/>
+              <a:t>Категория </a:t>
+            </a:r>
+            <a:r>
+              <a:rPr lang="en-US" dirty="0"/>
+              <a:t>MISSING</a:t>
+            </a:r>
+            <a:endParaRPr lang="ru-RU" dirty="0"/>
+          </a:p>
+          <a:p>
+            <a:pPr>
+              <a:buFontTx/>
+              <a:buChar char="-"/>
+            </a:pPr>
+            <a:endParaRPr lang="ru-RU" dirty="0"/>
+          </a:p>
+        </p:txBody>
+      </p:sp>
+      <p:pic>
+        <p:nvPicPr>
+          <p:cNvPr id="2050" name="Picture 2"/>
+          <p:cNvPicPr>
+            <a:picLocks noChangeAspect="1" noChangeArrowheads="1"/>
+          </p:cNvPicPr>
+          <p:nvPr/>
+        </p:nvPicPr>
+        <p:blipFill>
+          <a:blip r:embed="rId2">
+            <a:extLst>
+              <a:ext uri="{28A0092B-C50C-407E-A947-70E740481C1C}">
+                <a14:useLocalDpi xmlns:a14="http://schemas.microsoft.com/office/drawing/2010/main" val="0"/>
+              </a:ext>
+            </a:extLst>
+          </a:blip>
+          <a:srcRect/>
+          <a:stretch>
+            <a:fillRect/>
+          </a:stretch>
+        </p:blipFill>
+        <p:spPr bwMode="auto">
+          <a:xfrm>
+            <a:off x="440754" y="1171046"/>
+            <a:ext cx="5197000" cy="3164130"/>
+          </a:xfrm>
+          <a:prstGeom prst="rect">
+            <a:avLst/>
+          </a:prstGeom>
+          <a:noFill/>
+          <a:ln>
+            <a:noFill/>
+          </a:ln>
+          <a:effectLst/>
+          <a:extLst>
+            <a:ext uri="{909E8E84-426E-40DD-AFC4-6F175D3DCCD1}">
+              <a14:hiddenFill xmlns:a14="http://schemas.microsoft.com/office/drawing/2010/main">
+                <a:solidFill>
+                  <a:schemeClr val="accent1"/>
+                </a:solidFill>
+              </a14:hiddenFill>
+            </a:ext>
+            <a:ext uri="{91240B29-F687-4F45-9708-019B960494DF}">
+              <a14:hiddenLine xmlns:a14="http://schemas.microsoft.com/office/drawing/2010/main" w="9525">
+                <a:solidFill>
+                  <a:schemeClr val="tx1"/>
+                </a:solidFill>
+                <a:miter lim="800000"/>
+                <a:headEnd/>
+                <a:tailEnd/>
+              </a14:hiddenLine>
+            </a:ext>
+            <a:ext uri="{AF507438-7753-43E0-B8FC-AC1667EBCBE1}">
+              <a14:hiddenEffects xmlns:a14="http://schemas.microsoft.com/office/drawing/2010/main">
+                <a:effectLst>
+                  <a:outerShdw dist="35921" dir="2700000" algn="ctr" rotWithShape="0">
+                    <a:schemeClr val="bg2"/>
+                  </a:outerShdw>
+                </a:effectLst>
+              </a14:hiddenEffects>
+            </a:ext>
+          </a:extLst>
+        </p:spPr>
+      </p:pic>
+    </p:spTree>
+    <p:extLst>
+      <p:ext uri="{BB962C8B-B14F-4D97-AF65-F5344CB8AC3E}">
+        <p14:creationId xmlns:p14="http://schemas.microsoft.com/office/powerpoint/2010/main" val="1776010457"/>
+      </p:ext>
+    </p:extLst>
+  </p:cSld>
+  <p:clrMapOvr>
+    <a:masterClrMapping/>
+  </p:clrMapOvr>
+</p:sld>
+</file>
+
+<file path=ppt/slides/slide7.xml><?xml version="1.0" encoding="utf-8"?>
+<p:sld xmlns:a="http://schemas.openxmlformats.org/drawingml/2006/main" xmlns:r="http://schemas.openxmlformats.org/officeDocument/2006/relationships" xmlns:p="http://schemas.openxmlformats.org/presentationml/2006/main">
+  <p:cSld>
+    <p:spTree>
+      <p:nvGrpSpPr>
+        <p:cNvPr id="1" name=""/>
+        <p:cNvGrpSpPr/>
+        <p:nvPr/>
+      </p:nvGrpSpPr>
+      <p:grpSpPr>
+        <a:xfrm>
+          <a:off x="0" y="0"/>
+          <a:ext cx="0" cy="0"/>
+          <a:chOff x="0" y="0"/>
+          <a:chExt cx="0" cy="0"/>
+        </a:xfrm>
+      </p:grpSpPr>
+      <p:sp>
+        <p:nvSpPr>
+          <p:cNvPr id="2" name="Заголовок 1"/>
+          <p:cNvSpPr>
+            <a:spLocks noGrp="1"/>
+          </p:cNvSpPr>
+          <p:nvPr>
+            <p:ph type="title"/>
+          </p:nvPr>
+        </p:nvSpPr>
+        <p:spPr/>
+        <p:txBody>
+          <a:bodyPr>
+            <a:normAutofit fontScale="90000"/>
+          </a:bodyPr>
+          <a:lstStyle/>
+          <a:p>
+            <a:r>
+              <a:rPr lang="ru-RU" dirty="0"/>
+              <a:t>Выбросы</a:t>
+            </a:r>
+          </a:p>
+        </p:txBody>
+      </p:sp>
+      <p:sp>
+        <p:nvSpPr>
+          <p:cNvPr id="3" name="Текст 2"/>
+          <p:cNvSpPr>
+            <a:spLocks noGrp="1"/>
+          </p:cNvSpPr>
+          <p:nvPr>
+            <p:ph type="body" idx="1"/>
+          </p:nvPr>
+        </p:nvSpPr>
+        <p:spPr>
+          <a:xfrm>
+            <a:off x="4151539" y="1152475"/>
+            <a:ext cx="4680761" cy="3416400"/>
+          </a:xfrm>
+        </p:spPr>
+        <p:txBody>
+          <a:bodyPr/>
+          <a:lstStyle/>
+          <a:p>
+            <a:r>
+              <a:rPr lang="ru-RU" dirty="0"/>
+              <a:t>Присутствуют в большом количестве столбцов</a:t>
+            </a:r>
+          </a:p>
+          <a:p>
+            <a:r>
+              <a:rPr lang="ru-RU" dirty="0"/>
+              <a:t>Удалили выбросы больше </a:t>
+            </a:r>
+            <a:r>
+              <a:rPr lang="en-US" dirty="0"/>
+              <a:t>3</a:t>
+            </a:r>
+            <a:r>
+              <a:rPr lang="ru-RU" dirty="0"/>
+              <a:t> * </a:t>
+            </a:r>
+            <a:r>
+              <a:rPr lang="en-US" dirty="0"/>
+              <a:t>IQR</a:t>
+            </a:r>
+          </a:p>
+          <a:p>
+            <a:r>
+              <a:rPr lang="ru-RU" dirty="0"/>
+              <a:t>Осталось 1140 домов</a:t>
+            </a:r>
+          </a:p>
+        </p:txBody>
+      </p:sp>
+      <p:pic>
+        <p:nvPicPr>
+          <p:cNvPr id="5122" name="Picture 2"/>
+          <p:cNvPicPr>
+            <a:picLocks noChangeAspect="1" noChangeArrowheads="1"/>
+          </p:cNvPicPr>
+          <p:nvPr/>
+        </p:nvPicPr>
+        <p:blipFill>
+          <a:blip r:embed="rId2">
+            <a:extLst>
+              <a:ext uri="{28A0092B-C50C-407E-A947-70E740481C1C}">
+                <a14:useLocalDpi xmlns:a14="http://schemas.microsoft.com/office/drawing/2010/main" val="0"/>
+              </a:ext>
+            </a:extLst>
+          </a:blip>
+          <a:srcRect/>
+          <a:stretch>
+            <a:fillRect/>
+          </a:stretch>
+        </p:blipFill>
+        <p:spPr bwMode="auto">
+          <a:xfrm>
+            <a:off x="297808" y="1160833"/>
+            <a:ext cx="3853731" cy="3361346"/>
+          </a:xfrm>
+          <a:prstGeom prst="rect">
+            <a:avLst/>
+          </a:prstGeom>
+          <a:noFill/>
+          <a:ln>
+            <a:noFill/>
+          </a:ln>
+          <a:effectLst/>
+          <a:extLst>
+            <a:ext uri="{909E8E84-426E-40DD-AFC4-6F175D3DCCD1}">
+              <a14:hiddenFill xmlns:a14="http://schemas.microsoft.com/office/drawing/2010/main">
+                <a:solidFill>
+                  <a:schemeClr val="accent1"/>
+                </a:solidFill>
+              </a14:hiddenFill>
+            </a:ext>
+            <a:ext uri="{91240B29-F687-4F45-9708-019B960494DF}">
+              <a14:hiddenLine xmlns:a14="http://schemas.microsoft.com/office/drawing/2010/main" w="9525">
+                <a:solidFill>
+                  <a:schemeClr val="tx1"/>
+                </a:solidFill>
+                <a:miter lim="800000"/>
+                <a:headEnd/>
+                <a:tailEnd/>
+              </a14:hiddenLine>
+            </a:ext>
+            <a:ext uri="{AF507438-7753-43E0-B8FC-AC1667EBCBE1}">
+              <a14:hiddenEffects xmlns:a14="http://schemas.microsoft.com/office/drawing/2010/main">
+                <a:effectLst>
+                  <a:outerShdw dist="35921" dir="2700000" algn="ctr" rotWithShape="0">
+                    <a:schemeClr val="bg2"/>
+                  </a:outerShdw>
+                </a:effectLst>
+              </a14:hiddenEffects>
+            </a:ext>
+          </a:extLst>
+        </p:spPr>
+      </p:pic>
+    </p:spTree>
+    <p:extLst>
+      <p:ext uri="{BB962C8B-B14F-4D97-AF65-F5344CB8AC3E}">
+        <p14:creationId xmlns:p14="http://schemas.microsoft.com/office/powerpoint/2010/main" val="1459840307"/>
+      </p:ext>
+    </p:extLst>
+  </p:cSld>
+  <p:clrMapOvr>
+    <a:masterClrMapping/>
+  </p:clrMapOvr>
+</p:sld>
+</file>
+
+<file path=ppt/slides/slide8.xml><?xml version="1.0" encoding="utf-8"?>
+<p:sld xmlns:a="http://schemas.openxmlformats.org/drawingml/2006/main" xmlns:r="http://schemas.openxmlformats.org/officeDocument/2006/relationships" xmlns:p="http://schemas.openxmlformats.org/presentationml/2006/main">
+  <p:cSld>
+    <p:spTree>
+      <p:nvGrpSpPr>
+        <p:cNvPr id="1" name=""/>
+        <p:cNvGrpSpPr/>
+        <p:nvPr/>
+      </p:nvGrpSpPr>
+      <p:grpSpPr>
+        <a:xfrm>
+          <a:off x="0" y="0"/>
+          <a:ext cx="0" cy="0"/>
+          <a:chOff x="0" y="0"/>
+          <a:chExt cx="0" cy="0"/>
+        </a:xfrm>
+      </p:grpSpPr>
+      <p:sp>
+        <p:nvSpPr>
+          <p:cNvPr id="2" name="Заголовок 1"/>
+          <p:cNvSpPr>
+            <a:spLocks noGrp="1"/>
+          </p:cNvSpPr>
+          <p:nvPr>
+            <p:ph type="title"/>
+          </p:nvPr>
+        </p:nvSpPr>
+        <p:spPr/>
+        <p:txBody>
+          <a:bodyPr>
+            <a:normAutofit fontScale="90000"/>
+          </a:bodyPr>
+          <a:lstStyle/>
+          <a:p>
+            <a:r>
+              <a:rPr lang="ru-RU" dirty="0" err="1"/>
+              <a:t>Логарифмизация</a:t>
+            </a:r>
+            <a:endParaRPr lang="ru-RU" dirty="0"/>
+          </a:p>
+        </p:txBody>
+      </p:sp>
+      <p:sp>
+        <p:nvSpPr>
+          <p:cNvPr id="3" name="Текст 2"/>
+          <p:cNvSpPr>
+            <a:spLocks noGrp="1"/>
+          </p:cNvSpPr>
+          <p:nvPr>
+            <p:ph type="body" idx="1"/>
+          </p:nvPr>
+        </p:nvSpPr>
+        <p:spPr>
+          <a:xfrm>
+            <a:off x="5979269" y="1176170"/>
+            <a:ext cx="2859238" cy="1515149"/>
+          </a:xfrm>
+        </p:spPr>
+        <p:txBody>
+          <a:bodyPr>
+            <a:noAutofit/>
+          </a:bodyPr>
+          <a:lstStyle/>
+          <a:p>
+            <a:r>
+              <a:rPr lang="ru-RU" sz="2000" dirty="0"/>
+              <a:t>Смещение вправо</a:t>
+            </a:r>
+          </a:p>
+          <a:p>
+            <a:r>
+              <a:rPr lang="ru-RU" sz="2000" dirty="0"/>
+              <a:t>Большие порядки</a:t>
+            </a:r>
+          </a:p>
+        </p:txBody>
+      </p:sp>
+      <p:pic>
+        <p:nvPicPr>
+          <p:cNvPr id="1026" name="Picture 2"/>
+          <p:cNvPicPr>
+            <a:picLocks noChangeAspect="1" noChangeArrowheads="1"/>
+          </p:cNvPicPr>
+          <p:nvPr/>
+        </p:nvPicPr>
+        <p:blipFill>
+          <a:blip r:embed="rId2">
+            <a:extLst>
+              <a:ext uri="{28A0092B-C50C-407E-A947-70E740481C1C}">
+                <a14:useLocalDpi xmlns:a14="http://schemas.microsoft.com/office/drawing/2010/main" val="0"/>
+              </a:ext>
+            </a:extLst>
+          </a:blip>
+          <a:srcRect/>
+          <a:stretch>
+            <a:fillRect/>
+          </a:stretch>
+        </p:blipFill>
+        <p:spPr bwMode="auto">
+          <a:xfrm>
+            <a:off x="317907" y="1176170"/>
+            <a:ext cx="5661362" cy="2495170"/>
+          </a:xfrm>
+          <a:prstGeom prst="rect">
+            <a:avLst/>
+          </a:prstGeom>
+          <a:noFill/>
+          <a:ln>
+            <a:noFill/>
+          </a:ln>
+          <a:effectLst/>
+          <a:extLst>
+            <a:ext uri="{909E8E84-426E-40DD-AFC4-6F175D3DCCD1}">
+              <a14:hiddenFill xmlns:a14="http://schemas.microsoft.com/office/drawing/2010/main">
+                <a:solidFill>
+                  <a:schemeClr val="accent1"/>
+                </a:solidFill>
+              </a14:hiddenFill>
+            </a:ext>
+            <a:ext uri="{91240B29-F687-4F45-9708-019B960494DF}">
+              <a14:hiddenLine xmlns:a14="http://schemas.microsoft.com/office/drawing/2010/main" w="9525">
+                <a:solidFill>
+                  <a:schemeClr val="tx1"/>
+                </a:solidFill>
+                <a:miter lim="800000"/>
+                <a:headEnd/>
+                <a:tailEnd/>
+              </a14:hiddenLine>
+            </a:ext>
+            <a:ext uri="{AF507438-7753-43E0-B8FC-AC1667EBCBE1}">
+              <a14:hiddenEffects xmlns:a14="http://schemas.microsoft.com/office/drawing/2010/main">
+                <a:effectLst>
+                  <a:outerShdw dist="35921" dir="2700000" algn="ctr" rotWithShape="0">
+                    <a:schemeClr val="bg2"/>
+                  </a:outerShdw>
+                </a:effectLst>
+              </a14:hiddenEffects>
+            </a:ext>
+          </a:extLst>
+        </p:spPr>
+      </p:pic>
+      <p:sp>
+        <p:nvSpPr>
+          <p:cNvPr id="5" name="Текст 2"/>
+          <p:cNvSpPr txBox="1">
+            <a:spLocks/>
+          </p:cNvSpPr>
+          <p:nvPr/>
+        </p:nvSpPr>
+        <p:spPr>
+          <a:xfrm>
+            <a:off x="317907" y="4072647"/>
+            <a:ext cx="5661362" cy="609600"/>
+          </a:xfrm>
+          <a:prstGeom prst="rect">
+            <a:avLst/>
+          </a:prstGeom>
+          <a:noFill/>
+          <a:ln>
+            <a:noFill/>
+          </a:ln>
+        </p:spPr>
+        <p:txBody>
+          <a:bodyPr spcFirstLastPara="1" vert="horz" wrap="square" lIns="91425" tIns="91425" rIns="91425" bIns="91425" anchor="t" anchorCtr="0">
+            <a:noAutofit/>
+          </a:bodyPr>
+          <a:lstStyle>
+            <a:lvl1pPr marL="457200" lvl="0" indent="-342900" algn="l" rtl="0" eaLnBrk="1" latinLnBrk="0" hangingPunct="1">
+              <a:lnSpc>
+                <a:spcPct val="115000"/>
+              </a:lnSpc>
+              <a:spcBef>
+                <a:spcPts val="0"/>
+              </a:spcBef>
+              <a:spcAft>
+                <a:spcPts val="0"/>
+              </a:spcAft>
+              <a:buClr>
+                <a:schemeClr val="tx1">
+                  <a:shade val="95000"/>
+                </a:schemeClr>
+              </a:buClr>
+              <a:buSzPts val="1800"/>
+              <a:buFont typeface="Wingdings 2"/>
+              <a:buChar char="●"/>
+              <a:defRPr kumimoji="0" sz="2800" kern="1200">
+                <a:solidFill>
+                  <a:schemeClr val="tx1"/>
+                </a:solidFill>
+                <a:latin typeface="+mn-lt"/>
+                <a:ea typeface="+mn-ea"/>
+                <a:cs typeface="+mn-cs"/>
+              </a:defRPr>
+            </a:lvl1pPr>
+            <a:lvl2pPr marL="914400" lvl="1" indent="-317500" algn="l" rtl="0" eaLnBrk="1" latinLnBrk="0" hangingPunct="1">
+              <a:lnSpc>
+                <a:spcPct val="115000"/>
+              </a:lnSpc>
+              <a:spcBef>
+                <a:spcPts val="0"/>
+              </a:spcBef>
+              <a:spcAft>
+                <a:spcPts val="0"/>
+              </a:spcAft>
+              <a:buClr>
+                <a:schemeClr val="tx1"/>
+              </a:buClr>
+              <a:buSzPts val="1400"/>
+              <a:buFont typeface="Wingdings 2"/>
+              <a:buChar char="○"/>
+              <a:defRPr kumimoji="0" sz="2400" kern="1200">
+                <a:solidFill>
+                  <a:schemeClr val="tx1"/>
+                </a:solidFill>
+                <a:latin typeface="+mn-lt"/>
+                <a:ea typeface="+mn-ea"/>
+                <a:cs typeface="+mn-cs"/>
+              </a:defRPr>
+            </a:lvl2pPr>
+            <a:lvl3pPr marL="1371600" lvl="2" indent="-317500" algn="l" rtl="0" eaLnBrk="1" latinLnBrk="0" hangingPunct="1">
+              <a:lnSpc>
+                <a:spcPct val="115000"/>
+              </a:lnSpc>
+              <a:spcBef>
+                <a:spcPts val="0"/>
+              </a:spcBef>
+              <a:spcAft>
+                <a:spcPts val="0"/>
+              </a:spcAft>
+              <a:buClr>
+                <a:schemeClr val="tx1"/>
+              </a:buClr>
+              <a:buSzPts val="1400"/>
+              <a:buFont typeface="Wingdings"/>
+              <a:buChar char="■"/>
+              <a:defRPr kumimoji="0" sz="2200" kern="1200">
+                <a:solidFill>
+                  <a:schemeClr val="tx1"/>
+                </a:solidFill>
+                <a:latin typeface="+mn-lt"/>
+                <a:ea typeface="+mn-ea"/>
+                <a:cs typeface="+mn-cs"/>
+              </a:defRPr>
+            </a:lvl3pPr>
+            <a:lvl4pPr marL="1828800" lvl="3" indent="-317500" algn="l" rtl="0" eaLnBrk="1" latinLnBrk="0" hangingPunct="1">
+              <a:lnSpc>
+                <a:spcPct val="115000"/>
+              </a:lnSpc>
+              <a:spcBef>
+                <a:spcPts val="0"/>
+              </a:spcBef>
+              <a:spcAft>
+                <a:spcPts val="0"/>
+              </a:spcAft>
+              <a:buClr>
+                <a:schemeClr val="tx1"/>
+              </a:buClr>
+              <a:buSzPts val="1400"/>
+              <a:buFont typeface="Wingdings 3"/>
+              <a:buChar char="●"/>
+              <a:defRPr kumimoji="0" sz="2000" kern="1200">
+                <a:solidFill>
+                  <a:schemeClr val="tx1"/>
+                </a:solidFill>
+                <a:latin typeface="+mn-lt"/>
+                <a:ea typeface="+mn-ea"/>
+                <a:cs typeface="+mn-cs"/>
+              </a:defRPr>
+            </a:lvl4pPr>
+            <a:lvl5pPr marL="2286000" lvl="4" indent="-317500" algn="l" rtl="0" eaLnBrk="1" latinLnBrk="0" hangingPunct="1">
+              <a:lnSpc>
+                <a:spcPct val="115000"/>
+              </a:lnSpc>
+              <a:spcBef>
+                <a:spcPts val="0"/>
+              </a:spcBef>
+              <a:spcAft>
+                <a:spcPts val="0"/>
+              </a:spcAft>
+              <a:buClr>
+                <a:schemeClr val="tx1"/>
+              </a:buClr>
+              <a:buSzPts val="1400"/>
+              <a:buFont typeface="Wingdings 2"/>
+              <a:buChar char="○"/>
+              <a:defRPr kumimoji="0" sz="2000" kern="1200">
+                <a:solidFill>
+                  <a:schemeClr val="tx1"/>
+                </a:solidFill>
+                <a:latin typeface="+mn-lt"/>
+                <a:ea typeface="+mn-ea"/>
+                <a:cs typeface="+mn-cs"/>
+              </a:defRPr>
+            </a:lvl5pPr>
+            <a:lvl6pPr marL="2743200" lvl="5" indent="-317500" algn="l" rtl="0" eaLnBrk="1" latinLnBrk="0" hangingPunct="1">
+              <a:lnSpc>
+                <a:spcPct val="115000"/>
+              </a:lnSpc>
+              <a:spcBef>
+                <a:spcPts val="0"/>
+              </a:spcBef>
+              <a:spcAft>
+                <a:spcPts val="0"/>
+              </a:spcAft>
+              <a:buClr>
+                <a:schemeClr val="tx1"/>
+              </a:buClr>
+              <a:buSzPts val="1400"/>
+              <a:buFont typeface="Wingdings 3"/>
+              <a:buChar char="■"/>
+              <a:defRPr kumimoji="0" sz="1800" kern="1200">
+                <a:solidFill>
+                  <a:schemeClr val="tx1"/>
+                </a:solidFill>
+                <a:latin typeface="+mn-lt"/>
+                <a:ea typeface="+mn-ea"/>
+                <a:cs typeface="+mn-cs"/>
+              </a:defRPr>
+            </a:lvl6pPr>
+            <a:lvl7pPr marL="3200400" lvl="6" indent="-317500" algn="l" rtl="0" eaLnBrk="1" latinLnBrk="0" hangingPunct="1">
+              <a:lnSpc>
+                <a:spcPct val="115000"/>
+              </a:lnSpc>
+              <a:spcBef>
+                <a:spcPts val="0"/>
+              </a:spcBef>
+              <a:spcAft>
+                <a:spcPts val="0"/>
+              </a:spcAft>
+              <a:buClr>
+                <a:schemeClr val="tx1"/>
+              </a:buClr>
+              <a:buSzPts val="1400"/>
+              <a:buFont typeface="Wingdings 2"/>
+              <a:buChar char="●"/>
+              <a:defRPr kumimoji="0" sz="1600" kern="1200">
+                <a:solidFill>
+                  <a:schemeClr val="tx1"/>
+                </a:solidFill>
+                <a:latin typeface="+mn-lt"/>
+                <a:ea typeface="+mn-ea"/>
+                <a:cs typeface="+mn-cs"/>
+              </a:defRPr>
+            </a:lvl7pPr>
+            <a:lvl8pPr marL="3657600" lvl="7" indent="-317500" algn="l" rtl="0" eaLnBrk="1" latinLnBrk="0" hangingPunct="1">
+              <a:lnSpc>
+                <a:spcPct val="115000"/>
+              </a:lnSpc>
+              <a:spcBef>
+                <a:spcPts val="0"/>
+              </a:spcBef>
+              <a:spcAft>
+                <a:spcPts val="0"/>
+              </a:spcAft>
+              <a:buClr>
+                <a:schemeClr val="tx1"/>
+              </a:buClr>
+              <a:buSzPts val="1400"/>
+              <a:buFont typeface="Wingdings 2"/>
+              <a:buChar char="○"/>
+              <a:defRPr kumimoji="0" sz="1400" kern="1200">
+                <a:solidFill>
+                  <a:schemeClr val="tx1"/>
+                </a:solidFill>
+                <a:latin typeface="+mn-lt"/>
+                <a:ea typeface="+mn-ea"/>
+                <a:cs typeface="+mn-cs"/>
+              </a:defRPr>
+            </a:lvl8pPr>
+            <a:lvl9pPr marL="4114800" lvl="8" indent="-317500" algn="l" rtl="0" eaLnBrk="1" latinLnBrk="0" hangingPunct="1">
+              <a:lnSpc>
+                <a:spcPct val="115000"/>
+              </a:lnSpc>
+              <a:spcBef>
+                <a:spcPts val="0"/>
+              </a:spcBef>
+              <a:spcAft>
+                <a:spcPts val="0"/>
+              </a:spcAft>
+              <a:buClr>
+                <a:schemeClr val="tx1"/>
+              </a:buClr>
+              <a:buSzPts val="1400"/>
+              <a:buFont typeface="Wingdings 2"/>
+              <a:buChar char="■"/>
+              <a:defRPr kumimoji="0" sz="1400" kern="1200" baseline="0">
+                <a:solidFill>
+                  <a:schemeClr val="tx1"/>
+                </a:solidFill>
+                <a:latin typeface="+mn-lt"/>
+                <a:ea typeface="+mn-ea"/>
+                <a:cs typeface="+mn-cs"/>
+              </a:defRPr>
+            </a:lvl9pPr>
+          </a:lstStyle>
+          <a:p>
+            <a:pPr marL="114300" indent="0" algn="ctr">
+              <a:buNone/>
+            </a:pPr>
+            <a:r>
+              <a:rPr lang="ru-RU" dirty="0"/>
+              <a:t>Цены на квартиры</a:t>
+            </a:r>
+          </a:p>
+        </p:txBody>
+      </p:sp>
+      <p:pic>
+        <p:nvPicPr>
+          <p:cNvPr id="1027" name="Picture 3"/>
+          <p:cNvPicPr>
+            <a:picLocks noChangeAspect="1" noChangeArrowheads="1"/>
+          </p:cNvPicPr>
+          <p:nvPr/>
+        </p:nvPicPr>
+        <p:blipFill>
+          <a:blip r:embed="rId3">
+            <a:extLst>
+              <a:ext uri="{28A0092B-C50C-407E-A947-70E740481C1C}">
+                <a14:useLocalDpi xmlns:a14="http://schemas.microsoft.com/office/drawing/2010/main" val="0"/>
+              </a:ext>
+            </a:extLst>
+          </a:blip>
+          <a:srcRect/>
+          <a:stretch>
+            <a:fillRect/>
+          </a:stretch>
+        </p:blipFill>
+        <p:spPr bwMode="auto">
+          <a:xfrm>
+            <a:off x="6086218" y="2879387"/>
+            <a:ext cx="2931627" cy="2130358"/>
+          </a:xfrm>
+          <a:prstGeom prst="rect">
+            <a:avLst/>
+          </a:prstGeom>
+          <a:noFill/>
+          <a:ln>
+            <a:noFill/>
+          </a:ln>
+          <a:effectLst/>
+          <a:extLst>
+            <a:ext uri="{909E8E84-426E-40DD-AFC4-6F175D3DCCD1}">
+              <a14:hiddenFill xmlns:a14="http://schemas.microsoft.com/office/drawing/2010/main">
+                <a:solidFill>
+                  <a:schemeClr val="accent1"/>
+                </a:solidFill>
+              </a14:hiddenFill>
+            </a:ext>
+            <a:ext uri="{91240B29-F687-4F45-9708-019B960494DF}">
+              <a14:hiddenLine xmlns:a14="http://schemas.microsoft.com/office/drawing/2010/main" w="9525">
+                <a:solidFill>
+                  <a:schemeClr val="tx1"/>
+                </a:solidFill>
+                <a:miter lim="800000"/>
+                <a:headEnd/>
+                <a:tailEnd/>
+              </a14:hiddenLine>
+            </a:ext>
+            <a:ext uri="{AF507438-7753-43E0-B8FC-AC1667EBCBE1}">
+              <a14:hiddenEffects xmlns:a14="http://schemas.microsoft.com/office/drawing/2010/main">
+                <a:effectLst>
+                  <a:outerShdw dist="35921" dir="2700000" algn="ctr" rotWithShape="0">
+                    <a:schemeClr val="bg2"/>
+                  </a:outerShdw>
+                </a:effectLst>
+              </a14:hiddenEffects>
+            </a:ext>
+          </a:extLst>
+        </p:spPr>
+      </p:pic>
+      <p:sp>
+        <p:nvSpPr>
+          <p:cNvPr id="4" name="Стрелка вправо 3"/>
+          <p:cNvSpPr/>
+          <p:nvPr/>
+        </p:nvSpPr>
+        <p:spPr>
+          <a:xfrm>
+            <a:off x="4844375" y="4225923"/>
+            <a:ext cx="978408" cy="484632"/>
+          </a:xfrm>
+          <a:prstGeom prst="rightArrow">
+            <a:avLst/>
+          </a:prstGeom>
+          <a:gradFill>
+            <a:gsLst>
+              <a:gs pos="0">
+                <a:srgbClr val="5E9EFF"/>
+              </a:gs>
+              <a:gs pos="39999">
+                <a:srgbClr val="85C2FF"/>
+              </a:gs>
+              <a:gs pos="70000">
+                <a:srgbClr val="C4D6EB"/>
+              </a:gs>
+              <a:gs pos="100000">
+                <a:srgbClr val="FFEBFA"/>
+              </a:gs>
+            </a:gsLst>
+            <a:lin ang="5400000" scaled="0"/>
+          </a:gradFill>
+        </p:spPr>
+        <p:style>
+          <a:lnRef idx="2">
+            <a:schemeClr val="accent1">
+              <a:shade val="50000"/>
+            </a:schemeClr>
+          </a:lnRef>
+          <a:fillRef idx="1">
+            <a:schemeClr val="accent1"/>
+          </a:fillRef>
+          <a:effectRef idx="0">
+            <a:schemeClr val="accent1"/>
+          </a:effectRef>
+          <a:fontRef idx="minor">
+            <a:schemeClr val="lt1"/>
+          </a:fontRef>
+        </p:style>
+        <p:txBody>
+          <a:bodyPr rtlCol="0" anchor="ctr"/>
+          <a:lstStyle/>
+          <a:p>
+            <a:pPr algn="ctr"/>
+            <a:endParaRPr lang="ru-RU"/>
+          </a:p>
+        </p:txBody>
+      </p:sp>
+      <p:sp>
+        <p:nvSpPr>
+          <p:cNvPr id="6" name="Стрелка вниз 5"/>
+          <p:cNvSpPr/>
+          <p:nvPr/>
+        </p:nvSpPr>
+        <p:spPr>
+          <a:xfrm rot="10800000">
+            <a:off x="3193134" y="3688429"/>
+            <a:ext cx="293390" cy="617285"/>
+          </a:xfrm>
+          <a:prstGeom prst="downArrow">
+            <a:avLst/>
+          </a:prstGeom>
+          <a:gradFill>
+            <a:gsLst>
+              <a:gs pos="0">
+                <a:srgbClr val="5E9EFF"/>
+              </a:gs>
+              <a:gs pos="39999">
+                <a:srgbClr val="85C2FF"/>
+              </a:gs>
+              <a:gs pos="70000">
+                <a:srgbClr val="C4D6EB"/>
+              </a:gs>
+              <a:gs pos="100000">
+                <a:srgbClr val="FFEBFA"/>
+              </a:gs>
+            </a:gsLst>
+            <a:lin ang="5400000" scaled="0"/>
+          </a:gradFill>
+        </p:spPr>
+        <p:style>
+          <a:lnRef idx="2">
+            <a:schemeClr val="accent1">
+              <a:shade val="50000"/>
+            </a:schemeClr>
+          </a:lnRef>
+          <a:fillRef idx="1">
+            <a:schemeClr val="accent1"/>
+          </a:fillRef>
+          <a:effectRef idx="0">
+            <a:schemeClr val="accent1"/>
+          </a:effectRef>
+          <a:fontRef idx="minor">
+            <a:schemeClr val="lt1"/>
+          </a:fontRef>
+        </p:style>
+        <p:txBody>
+          <a:bodyPr rtlCol="0" anchor="ctr"/>
+          <a:lstStyle/>
+          <a:p>
+            <a:pPr algn="ctr"/>
+            <a:endParaRPr lang="ru-RU"/>
+          </a:p>
+        </p:txBody>
+      </p:sp>
+      <p:sp>
+        <p:nvSpPr>
+          <p:cNvPr id="10" name="Текст 2"/>
+          <p:cNvSpPr txBox="1">
+            <a:spLocks/>
+          </p:cNvSpPr>
+          <p:nvPr/>
+        </p:nvSpPr>
+        <p:spPr>
+          <a:xfrm>
+            <a:off x="2412532" y="3760524"/>
+            <a:ext cx="2473997" cy="368084"/>
+          </a:xfrm>
+          <a:prstGeom prst="rect">
+            <a:avLst/>
+          </a:prstGeom>
+          <a:noFill/>
+          <a:ln>
+            <a:noFill/>
+          </a:ln>
+        </p:spPr>
+        <p:txBody>
+          <a:bodyPr spcFirstLastPara="1" vert="horz" wrap="square" lIns="91425" tIns="91425" rIns="91425" bIns="91425" anchor="t" anchorCtr="0">
+            <a:noAutofit/>
+          </a:bodyPr>
+          <a:lstStyle>
+            <a:lvl1pPr marL="457200" lvl="0" indent="-342900" algn="l" rtl="0" eaLnBrk="1" latinLnBrk="0" hangingPunct="1">
+              <a:lnSpc>
+                <a:spcPct val="115000"/>
+              </a:lnSpc>
+              <a:spcBef>
+                <a:spcPts val="0"/>
+              </a:spcBef>
+              <a:spcAft>
+                <a:spcPts val="0"/>
+              </a:spcAft>
+              <a:buClr>
+                <a:schemeClr val="tx1">
+                  <a:shade val="95000"/>
+                </a:schemeClr>
+              </a:buClr>
+              <a:buSzPts val="1800"/>
+              <a:buFont typeface="Wingdings 2"/>
+              <a:buChar char="●"/>
+              <a:defRPr kumimoji="0" sz="2800" kern="1200">
+                <a:solidFill>
+                  <a:schemeClr val="tx1"/>
+                </a:solidFill>
+                <a:latin typeface="+mn-lt"/>
+                <a:ea typeface="+mn-ea"/>
+                <a:cs typeface="+mn-cs"/>
+              </a:defRPr>
+            </a:lvl1pPr>
+            <a:lvl2pPr marL="914400" lvl="1" indent="-317500" algn="l" rtl="0" eaLnBrk="1" latinLnBrk="0" hangingPunct="1">
+              <a:lnSpc>
+                <a:spcPct val="115000"/>
+              </a:lnSpc>
+              <a:spcBef>
+                <a:spcPts val="0"/>
+              </a:spcBef>
+              <a:spcAft>
+                <a:spcPts val="0"/>
+              </a:spcAft>
+              <a:buClr>
+                <a:schemeClr val="tx1"/>
+              </a:buClr>
+              <a:buSzPts val="1400"/>
+              <a:buFont typeface="Wingdings 2"/>
+              <a:buChar char="○"/>
+              <a:defRPr kumimoji="0" sz="2400" kern="1200">
+                <a:solidFill>
+                  <a:schemeClr val="tx1"/>
+                </a:solidFill>
+                <a:latin typeface="+mn-lt"/>
+                <a:ea typeface="+mn-ea"/>
+                <a:cs typeface="+mn-cs"/>
+              </a:defRPr>
+            </a:lvl2pPr>
+            <a:lvl3pPr marL="1371600" lvl="2" indent="-317500" algn="l" rtl="0" eaLnBrk="1" latinLnBrk="0" hangingPunct="1">
+              <a:lnSpc>
+                <a:spcPct val="115000"/>
+              </a:lnSpc>
+              <a:spcBef>
+                <a:spcPts val="0"/>
+              </a:spcBef>
+              <a:spcAft>
+                <a:spcPts val="0"/>
+              </a:spcAft>
+              <a:buClr>
+                <a:schemeClr val="tx1"/>
+              </a:buClr>
+              <a:buSzPts val="1400"/>
+              <a:buFont typeface="Wingdings"/>
+              <a:buChar char="■"/>
+              <a:defRPr kumimoji="0" sz="2200" kern="1200">
+                <a:solidFill>
+                  <a:schemeClr val="tx1"/>
+                </a:solidFill>
+                <a:latin typeface="+mn-lt"/>
+                <a:ea typeface="+mn-ea"/>
+                <a:cs typeface="+mn-cs"/>
+              </a:defRPr>
+            </a:lvl3pPr>
+            <a:lvl4pPr marL="1828800" lvl="3" indent="-317500" algn="l" rtl="0" eaLnBrk="1" latinLnBrk="0" hangingPunct="1">
+              <a:lnSpc>
+                <a:spcPct val="115000"/>
+              </a:lnSpc>
+              <a:spcBef>
+                <a:spcPts val="0"/>
+              </a:spcBef>
+              <a:spcAft>
+                <a:spcPts val="0"/>
+              </a:spcAft>
+              <a:buClr>
+                <a:schemeClr val="tx1"/>
+              </a:buClr>
+              <a:buSzPts val="1400"/>
+              <a:buFont typeface="Wingdings 3"/>
+              <a:buChar char="●"/>
+              <a:defRPr kumimoji="0" sz="2000" kern="1200">
+                <a:solidFill>
+                  <a:schemeClr val="tx1"/>
+                </a:solidFill>
+                <a:latin typeface="+mn-lt"/>
+                <a:ea typeface="+mn-ea"/>
+                <a:cs typeface="+mn-cs"/>
+              </a:defRPr>
+            </a:lvl4pPr>
+            <a:lvl5pPr marL="2286000" lvl="4" indent="-317500" algn="l" rtl="0" eaLnBrk="1" latinLnBrk="0" hangingPunct="1">
+              <a:lnSpc>
+                <a:spcPct val="115000"/>
+              </a:lnSpc>
+              <a:spcBef>
+                <a:spcPts val="0"/>
+              </a:spcBef>
+              <a:spcAft>
+                <a:spcPts val="0"/>
+              </a:spcAft>
+              <a:buClr>
+                <a:schemeClr val="tx1"/>
+              </a:buClr>
+              <a:buSzPts val="1400"/>
+              <a:buFont typeface="Wingdings 2"/>
+              <a:buChar char="○"/>
+              <a:defRPr kumimoji="0" sz="2000" kern="1200">
+                <a:solidFill>
+                  <a:schemeClr val="tx1"/>
+                </a:solidFill>
+                <a:latin typeface="+mn-lt"/>
+                <a:ea typeface="+mn-ea"/>
+                <a:cs typeface="+mn-cs"/>
+              </a:defRPr>
+            </a:lvl5pPr>
+            <a:lvl6pPr marL="2743200" lvl="5" indent="-317500" algn="l" rtl="0" eaLnBrk="1" latinLnBrk="0" hangingPunct="1">
+              <a:lnSpc>
+                <a:spcPct val="115000"/>
+              </a:lnSpc>
+              <a:spcBef>
+                <a:spcPts val="0"/>
+              </a:spcBef>
+              <a:spcAft>
+                <a:spcPts val="0"/>
+              </a:spcAft>
+              <a:buClr>
+                <a:schemeClr val="tx1"/>
+              </a:buClr>
+              <a:buSzPts val="1400"/>
+              <a:buFont typeface="Wingdings 3"/>
+              <a:buChar char="■"/>
+              <a:defRPr kumimoji="0" sz="1800" kern="1200">
+                <a:solidFill>
+                  <a:schemeClr val="tx1"/>
+                </a:solidFill>
+                <a:latin typeface="+mn-lt"/>
+                <a:ea typeface="+mn-ea"/>
+                <a:cs typeface="+mn-cs"/>
+              </a:defRPr>
+            </a:lvl6pPr>
+            <a:lvl7pPr marL="3200400" lvl="6" indent="-317500" algn="l" rtl="0" eaLnBrk="1" latinLnBrk="0" hangingPunct="1">
+              <a:lnSpc>
+                <a:spcPct val="115000"/>
+              </a:lnSpc>
+              <a:spcBef>
+                <a:spcPts val="0"/>
+              </a:spcBef>
+              <a:spcAft>
+                <a:spcPts val="0"/>
+              </a:spcAft>
+              <a:buClr>
+                <a:schemeClr val="tx1"/>
+              </a:buClr>
+              <a:buSzPts val="1400"/>
+              <a:buFont typeface="Wingdings 2"/>
+              <a:buChar char="●"/>
+              <a:defRPr kumimoji="0" sz="1600" kern="1200">
+                <a:solidFill>
+                  <a:schemeClr val="tx1"/>
+                </a:solidFill>
+                <a:latin typeface="+mn-lt"/>
+                <a:ea typeface="+mn-ea"/>
+                <a:cs typeface="+mn-cs"/>
+              </a:defRPr>
+            </a:lvl7pPr>
+            <a:lvl8pPr marL="3657600" lvl="7" indent="-317500" algn="l" rtl="0" eaLnBrk="1" latinLnBrk="0" hangingPunct="1">
+              <a:lnSpc>
+                <a:spcPct val="115000"/>
+              </a:lnSpc>
+              <a:spcBef>
+                <a:spcPts val="0"/>
+              </a:spcBef>
+              <a:spcAft>
+                <a:spcPts val="0"/>
+              </a:spcAft>
+              <a:buClr>
+                <a:schemeClr val="tx1"/>
+              </a:buClr>
+              <a:buSzPts val="1400"/>
+              <a:buFont typeface="Wingdings 2"/>
+              <a:buChar char="○"/>
+              <a:defRPr kumimoji="0" sz="1400" kern="1200">
+                <a:solidFill>
+                  <a:schemeClr val="tx1"/>
+                </a:solidFill>
+                <a:latin typeface="+mn-lt"/>
+                <a:ea typeface="+mn-ea"/>
+                <a:cs typeface="+mn-cs"/>
+              </a:defRPr>
+            </a:lvl8pPr>
+            <a:lvl9pPr marL="4114800" lvl="8" indent="-317500" algn="l" rtl="0" eaLnBrk="1" latinLnBrk="0" hangingPunct="1">
+              <a:lnSpc>
+                <a:spcPct val="115000"/>
+              </a:lnSpc>
+              <a:spcBef>
+                <a:spcPts val="0"/>
+              </a:spcBef>
+              <a:spcAft>
+                <a:spcPts val="0"/>
+              </a:spcAft>
+              <a:buClr>
+                <a:schemeClr val="tx1"/>
+              </a:buClr>
+              <a:buSzPts val="1400"/>
+              <a:buFont typeface="Wingdings 2"/>
+              <a:buChar char="■"/>
+              <a:defRPr kumimoji="0" sz="1400" kern="1200" baseline="0">
+                <a:solidFill>
+                  <a:schemeClr val="tx1"/>
+                </a:solidFill>
+                <a:latin typeface="+mn-lt"/>
+                <a:ea typeface="+mn-ea"/>
+                <a:cs typeface="+mn-cs"/>
+              </a:defRPr>
+            </a:lvl9pPr>
+          </a:lstStyle>
+          <a:p>
+            <a:pPr marL="114300" indent="0" algn="ctr">
+              <a:buNone/>
+            </a:pPr>
+            <a:r>
+              <a:rPr lang="ru-RU" sz="2000" dirty="0"/>
+              <a:t>До</a:t>
+            </a:r>
+          </a:p>
+        </p:txBody>
+      </p:sp>
+      <p:sp>
+        <p:nvSpPr>
+          <p:cNvPr id="11" name="Текст 2"/>
+          <p:cNvSpPr txBox="1">
+            <a:spLocks/>
+          </p:cNvSpPr>
+          <p:nvPr/>
+        </p:nvSpPr>
+        <p:spPr>
+          <a:xfrm>
+            <a:off x="4049950" y="4526513"/>
+            <a:ext cx="2473997" cy="368084"/>
+          </a:xfrm>
+          <a:prstGeom prst="rect">
+            <a:avLst/>
+          </a:prstGeom>
+          <a:noFill/>
+          <a:ln>
+            <a:noFill/>
+          </a:ln>
+        </p:spPr>
+        <p:txBody>
+          <a:bodyPr spcFirstLastPara="1" vert="horz" wrap="square" lIns="91425" tIns="91425" rIns="91425" bIns="91425" anchor="t" anchorCtr="0">
+            <a:noAutofit/>
+          </a:bodyPr>
+          <a:lstStyle>
+            <a:lvl1pPr marL="457200" lvl="0" indent="-342900" algn="l" rtl="0" eaLnBrk="1" latinLnBrk="0" hangingPunct="1">
+              <a:lnSpc>
+                <a:spcPct val="115000"/>
+              </a:lnSpc>
+              <a:spcBef>
+                <a:spcPts val="0"/>
+              </a:spcBef>
+              <a:spcAft>
+                <a:spcPts val="0"/>
+              </a:spcAft>
+              <a:buClr>
+                <a:schemeClr val="tx1">
+                  <a:shade val="95000"/>
+                </a:schemeClr>
+              </a:buClr>
+              <a:buSzPts val="1800"/>
+              <a:buFont typeface="Wingdings 2"/>
+              <a:buChar char="●"/>
+              <a:defRPr kumimoji="0" sz="2800" kern="1200">
+                <a:solidFill>
+                  <a:schemeClr val="tx1"/>
+                </a:solidFill>
+                <a:latin typeface="+mn-lt"/>
+                <a:ea typeface="+mn-ea"/>
+                <a:cs typeface="+mn-cs"/>
+              </a:defRPr>
+            </a:lvl1pPr>
+            <a:lvl2pPr marL="914400" lvl="1" indent="-317500" algn="l" rtl="0" eaLnBrk="1" latinLnBrk="0" hangingPunct="1">
+              <a:lnSpc>
+                <a:spcPct val="115000"/>
+              </a:lnSpc>
+              <a:spcBef>
+                <a:spcPts val="0"/>
+              </a:spcBef>
+              <a:spcAft>
+                <a:spcPts val="0"/>
+              </a:spcAft>
+              <a:buClr>
+                <a:schemeClr val="tx1"/>
+              </a:buClr>
+              <a:buSzPts val="1400"/>
+              <a:buFont typeface="Wingdings 2"/>
+              <a:buChar char="○"/>
+              <a:defRPr kumimoji="0" sz="2400" kern="1200">
+                <a:solidFill>
+                  <a:schemeClr val="tx1"/>
+                </a:solidFill>
+                <a:latin typeface="+mn-lt"/>
+                <a:ea typeface="+mn-ea"/>
+                <a:cs typeface="+mn-cs"/>
+              </a:defRPr>
+            </a:lvl2pPr>
+            <a:lvl3pPr marL="1371600" lvl="2" indent="-317500" algn="l" rtl="0" eaLnBrk="1" latinLnBrk="0" hangingPunct="1">
+              <a:lnSpc>
+                <a:spcPct val="115000"/>
+              </a:lnSpc>
+              <a:spcBef>
+                <a:spcPts val="0"/>
+              </a:spcBef>
+              <a:spcAft>
+                <a:spcPts val="0"/>
+              </a:spcAft>
+              <a:buClr>
+                <a:schemeClr val="tx1"/>
+              </a:buClr>
+              <a:buSzPts val="1400"/>
+              <a:buFont typeface="Wingdings"/>
+              <a:buChar char="■"/>
+              <a:defRPr kumimoji="0" sz="2200" kern="1200">
+                <a:solidFill>
+                  <a:schemeClr val="tx1"/>
+                </a:solidFill>
+                <a:latin typeface="+mn-lt"/>
+                <a:ea typeface="+mn-ea"/>
+                <a:cs typeface="+mn-cs"/>
+              </a:defRPr>
+            </a:lvl3pPr>
+            <a:lvl4pPr marL="1828800" lvl="3" indent="-317500" algn="l" rtl="0" eaLnBrk="1" latinLnBrk="0" hangingPunct="1">
+              <a:lnSpc>
+                <a:spcPct val="115000"/>
+              </a:lnSpc>
+              <a:spcBef>
+                <a:spcPts val="0"/>
+              </a:spcBef>
+              <a:spcAft>
+                <a:spcPts val="0"/>
+              </a:spcAft>
+              <a:buClr>
+                <a:schemeClr val="tx1"/>
+              </a:buClr>
+              <a:buSzPts val="1400"/>
+              <a:buFont typeface="Wingdings 3"/>
+              <a:buChar char="●"/>
+              <a:defRPr kumimoji="0" sz="2000" kern="1200">
+                <a:solidFill>
+                  <a:schemeClr val="tx1"/>
+                </a:solidFill>
+                <a:latin typeface="+mn-lt"/>
+                <a:ea typeface="+mn-ea"/>
+                <a:cs typeface="+mn-cs"/>
+              </a:defRPr>
+            </a:lvl4pPr>
+            <a:lvl5pPr marL="2286000" lvl="4" indent="-317500" algn="l" rtl="0" eaLnBrk="1" latinLnBrk="0" hangingPunct="1">
+              <a:lnSpc>
+                <a:spcPct val="115000"/>
+              </a:lnSpc>
+              <a:spcBef>
+                <a:spcPts val="0"/>
+              </a:spcBef>
+              <a:spcAft>
+                <a:spcPts val="0"/>
+              </a:spcAft>
+              <a:buClr>
+                <a:schemeClr val="tx1"/>
+              </a:buClr>
+              <a:buSzPts val="1400"/>
+              <a:buFont typeface="Wingdings 2"/>
+              <a:buChar char="○"/>
+              <a:defRPr kumimoji="0" sz="2000" kern="1200">
+                <a:solidFill>
+                  <a:schemeClr val="tx1"/>
+                </a:solidFill>
+                <a:latin typeface="+mn-lt"/>
+                <a:ea typeface="+mn-ea"/>
+                <a:cs typeface="+mn-cs"/>
+              </a:defRPr>
+            </a:lvl5pPr>
+            <a:lvl6pPr marL="2743200" lvl="5" indent="-317500" algn="l" rtl="0" eaLnBrk="1" latinLnBrk="0" hangingPunct="1">
+              <a:lnSpc>
+                <a:spcPct val="115000"/>
+              </a:lnSpc>
+              <a:spcBef>
+                <a:spcPts val="0"/>
+              </a:spcBef>
+              <a:spcAft>
+                <a:spcPts val="0"/>
+              </a:spcAft>
+              <a:buClr>
+                <a:schemeClr val="tx1"/>
+              </a:buClr>
+              <a:buSzPts val="1400"/>
+              <a:buFont typeface="Wingdings 3"/>
+              <a:buChar char="■"/>
+              <a:defRPr kumimoji="0" sz="1800" kern="1200">
+                <a:solidFill>
+                  <a:schemeClr val="tx1"/>
+                </a:solidFill>
+                <a:latin typeface="+mn-lt"/>
+                <a:ea typeface="+mn-ea"/>
+                <a:cs typeface="+mn-cs"/>
+              </a:defRPr>
+            </a:lvl6pPr>
+            <a:lvl7pPr marL="3200400" lvl="6" indent="-317500" algn="l" rtl="0" eaLnBrk="1" latinLnBrk="0" hangingPunct="1">
+              <a:lnSpc>
+                <a:spcPct val="115000"/>
+              </a:lnSpc>
+              <a:spcBef>
+                <a:spcPts val="0"/>
+              </a:spcBef>
+              <a:spcAft>
+                <a:spcPts val="0"/>
+              </a:spcAft>
+              <a:buClr>
+                <a:schemeClr val="tx1"/>
+              </a:buClr>
+              <a:buSzPts val="1400"/>
+              <a:buFont typeface="Wingdings 2"/>
+              <a:buChar char="●"/>
+              <a:defRPr kumimoji="0" sz="1600" kern="1200">
+                <a:solidFill>
+                  <a:schemeClr val="tx1"/>
+                </a:solidFill>
+                <a:latin typeface="+mn-lt"/>
+                <a:ea typeface="+mn-ea"/>
+                <a:cs typeface="+mn-cs"/>
+              </a:defRPr>
+            </a:lvl7pPr>
+            <a:lvl8pPr marL="3657600" lvl="7" indent="-317500" algn="l" rtl="0" eaLnBrk="1" latinLnBrk="0" hangingPunct="1">
+              <a:lnSpc>
+                <a:spcPct val="115000"/>
+              </a:lnSpc>
+              <a:spcBef>
+                <a:spcPts val="0"/>
+              </a:spcBef>
+              <a:spcAft>
+                <a:spcPts val="0"/>
+              </a:spcAft>
+              <a:buClr>
+                <a:schemeClr val="tx1"/>
+              </a:buClr>
+              <a:buSzPts val="1400"/>
+              <a:buFont typeface="Wingdings 2"/>
+              <a:buChar char="○"/>
+              <a:defRPr kumimoji="0" sz="1400" kern="1200">
+                <a:solidFill>
+                  <a:schemeClr val="tx1"/>
+                </a:solidFill>
+                <a:latin typeface="+mn-lt"/>
+                <a:ea typeface="+mn-ea"/>
+                <a:cs typeface="+mn-cs"/>
+              </a:defRPr>
+            </a:lvl8pPr>
+            <a:lvl9pPr marL="4114800" lvl="8" indent="-317500" algn="l" rtl="0" eaLnBrk="1" latinLnBrk="0" hangingPunct="1">
+              <a:lnSpc>
+                <a:spcPct val="115000"/>
+              </a:lnSpc>
+              <a:spcBef>
+                <a:spcPts val="0"/>
+              </a:spcBef>
+              <a:spcAft>
+                <a:spcPts val="0"/>
+              </a:spcAft>
+              <a:buClr>
+                <a:schemeClr val="tx1"/>
+              </a:buClr>
+              <a:buSzPts val="1400"/>
+              <a:buFont typeface="Wingdings 2"/>
+              <a:buChar char="■"/>
+              <a:defRPr kumimoji="0" sz="1400" kern="1200" baseline="0">
+                <a:solidFill>
+                  <a:schemeClr val="tx1"/>
+                </a:solidFill>
+                <a:latin typeface="+mn-lt"/>
+                <a:ea typeface="+mn-ea"/>
+                <a:cs typeface="+mn-cs"/>
+              </a:defRPr>
+            </a:lvl9pPr>
+          </a:lstStyle>
+          <a:p>
+            <a:pPr marL="114300" indent="0" algn="ctr">
+              <a:buNone/>
+            </a:pPr>
+            <a:r>
+              <a:rPr lang="ru-RU" sz="2000" dirty="0"/>
+              <a:t>После</a:t>
+            </a:r>
+          </a:p>
+        </p:txBody>
+      </p:sp>
+    </p:spTree>
+    <p:extLst>
+      <p:ext uri="{BB962C8B-B14F-4D97-AF65-F5344CB8AC3E}">
+        <p14:creationId xmlns:p14="http://schemas.microsoft.com/office/powerpoint/2010/main" val="3385974467"/>
+      </p:ext>
+    </p:extLst>
+  </p:cSld>
+  <p:clrMapOvr>
+    <a:masterClrMapping/>
+  </p:clrMapOvr>
+</p:sld>
+</file>
+
 <file path=ppt/slides/slide9.xml><?xml version="1.0" encoding="utf-8"?>
 <p:sld xmlns:a="http://schemas.openxmlformats.org/drawingml/2006/main" xmlns:r="http://schemas.openxmlformats.org/officeDocument/2006/relationships" xmlns:p="http://schemas.openxmlformats.org/presentationml/2006/main">
   <p:cSld>
@@ -8642,10 +8717,9 @@
           <a:lstStyle/>
           <a:p>
             <a:r>
-              <a:rPr lang="ru-RU" dirty="0" smtClean="0"/>
-              <a:t>Гипотезы</a:t>
-            </a:r>
-            <a:endParaRPr lang="ru-RU" dirty="0"/>
+              <a:rPr lang="ru-RU" dirty="0"/>
+              <a:t>Отбор числовых признаков</a:t>
+            </a:r>
           </a:p>
         </p:txBody>
       </p:sp>
@@ -8659,43 +8733,166 @@
             <p:ph type="body" idx="1"/>
           </p:nvPr>
         </p:nvSpPr>
-        <p:spPr/>
-        <p:txBody>
-          <a:bodyPr/>
+        <p:spPr>
+          <a:xfrm>
+            <a:off x="2537602" y="1152475"/>
+            <a:ext cx="6294698" cy="3416400"/>
+          </a:xfrm>
+        </p:spPr>
+        <p:txBody>
+          <a:bodyPr>
+            <a:normAutofit fontScale="77500" lnSpcReduction="20000"/>
+          </a:bodyPr>
           <a:lstStyle/>
           <a:p>
             <a:r>
-              <a:rPr lang="ru-RU" dirty="0" smtClean="0"/>
-              <a:t>Порядок признаков имеет значение</a:t>
-            </a:r>
-          </a:p>
-          <a:p>
-            <a:r>
-              <a:rPr lang="ru-RU" dirty="0" smtClean="0"/>
-              <a:t>Удаление выбросов в предсказаниях улучшает модель</a:t>
-            </a:r>
-          </a:p>
-          <a:p>
-            <a:r>
-              <a:rPr lang="ru-RU" dirty="0" smtClean="0"/>
-              <a:t>Удаление </a:t>
-            </a:r>
-            <a:r>
-              <a:rPr lang="ru-RU" dirty="0" err="1" smtClean="0"/>
-              <a:t>валидационной</a:t>
-            </a:r>
-            <a:r>
-              <a:rPr lang="ru-RU" dirty="0" smtClean="0"/>
-              <a:t> части повышает качество модели</a:t>
-            </a:r>
-            <a:endParaRPr lang="ru-RU" dirty="0"/>
-          </a:p>
-        </p:txBody>
-      </p:sp>
+              <a:rPr lang="ru-RU" dirty="0"/>
+              <a:t>Алгоритм:</a:t>
+            </a:r>
+          </a:p>
+          <a:p>
+            <a:pPr marL="628650" indent="-514350">
+              <a:buAutoNum type="arabicPeriod"/>
+            </a:pPr>
+            <a:r>
+              <a:rPr lang="ru-RU" dirty="0"/>
+              <a:t>Строим матрицу корреляции</a:t>
+            </a:r>
+          </a:p>
+          <a:p>
+            <a:pPr marL="628650" indent="-514350">
+              <a:buAutoNum type="arabicPeriod"/>
+            </a:pPr>
+            <a:r>
+              <a:rPr lang="ru-RU" dirty="0"/>
+              <a:t>Добавляем лучший признак в обучающую выборку</a:t>
+            </a:r>
+          </a:p>
+          <a:p>
+            <a:pPr marL="628650" indent="-514350">
+              <a:buAutoNum type="arabicPeriod"/>
+            </a:pPr>
+            <a:r>
+              <a:rPr lang="ru-RU" dirty="0"/>
+              <a:t>Проверяем по очереди добавление других признаков</a:t>
+            </a:r>
+          </a:p>
+          <a:p>
+            <a:pPr marL="628650" indent="-514350">
+              <a:buAutoNum type="arabicPeriod"/>
+            </a:pPr>
+            <a:r>
+              <a:rPr lang="ru-RU" dirty="0"/>
+              <a:t>Добавляем признак с лучшей </a:t>
+            </a:r>
+            <a:r>
+              <a:rPr lang="en-US" dirty="0"/>
+              <a:t>adjusted R2</a:t>
+            </a:r>
+            <a:r>
+              <a:rPr lang="ru-RU" dirty="0"/>
+              <a:t> и </a:t>
+            </a:r>
+            <a:r>
+              <a:rPr lang="en-US" dirty="0" err="1"/>
+              <a:t>rmse</a:t>
+            </a:r>
+            <a:r>
+              <a:rPr lang="en-US" dirty="0"/>
+              <a:t> </a:t>
+            </a:r>
+            <a:r>
+              <a:rPr lang="ru-RU" dirty="0"/>
+              <a:t>в обучающую выборку</a:t>
+            </a:r>
+          </a:p>
+          <a:p>
+            <a:pPr marL="628650" indent="-514350">
+              <a:buAutoNum type="arabicPeriod"/>
+            </a:pPr>
+            <a:r>
+              <a:rPr lang="ru-RU" dirty="0"/>
+              <a:t>Повторяем шаги 3-4, пока </a:t>
+            </a:r>
+            <a:r>
+              <a:rPr lang="en-US" dirty="0"/>
+              <a:t>R2 </a:t>
+            </a:r>
+            <a:r>
+              <a:rPr lang="ru-RU" dirty="0"/>
+              <a:t>не перестает расти</a:t>
+            </a:r>
+          </a:p>
+        </p:txBody>
+      </p:sp>
+      <p:pic>
+        <p:nvPicPr>
+          <p:cNvPr id="4098" name="Picture 2"/>
+          <p:cNvPicPr>
+            <a:picLocks noChangeAspect="1" noChangeArrowheads="1"/>
+          </p:cNvPicPr>
+          <p:nvPr/>
+        </p:nvPicPr>
+        <p:blipFill>
+          <a:blip r:embed="rId2">
+            <a:extLst>
+              <a:ext uri="{28A0092B-C50C-407E-A947-70E740481C1C}">
+                <a14:useLocalDpi xmlns:a14="http://schemas.microsoft.com/office/drawing/2010/main" val="0"/>
+              </a:ext>
+            </a:extLst>
+          </a:blip>
+          <a:srcRect/>
+          <a:stretch>
+            <a:fillRect/>
+          </a:stretch>
+        </p:blipFill>
+        <p:spPr bwMode="auto">
+          <a:xfrm>
+            <a:off x="432577" y="1192787"/>
+            <a:ext cx="2105025" cy="1133475"/>
+          </a:xfrm>
+          <a:prstGeom prst="rect">
+            <a:avLst/>
+          </a:prstGeom>
+          <a:noFill/>
+          <a:ln>
+            <a:noFill/>
+          </a:ln>
+          <a:effectLst/>
+          <a:extLst>
+            <a:ext uri="{909E8E84-426E-40DD-AFC4-6F175D3DCCD1}">
+              <a14:hiddenFill xmlns:a14="http://schemas.microsoft.com/office/drawing/2010/main">
+                <a:solidFill>
+                  <a:schemeClr val="accent1"/>
+                </a:solidFill>
+              </a14:hiddenFill>
+            </a:ext>
+            <a:ext uri="{91240B29-F687-4F45-9708-019B960494DF}">
+              <a14:hiddenLine xmlns:a14="http://schemas.microsoft.com/office/drawing/2010/main" w="9525">
+                <a:solidFill>
+                  <a:schemeClr val="tx1"/>
+                </a:solidFill>
+                <a:miter lim="800000"/>
+                <a:headEnd/>
+                <a:tailEnd/>
+              </a14:hiddenLine>
+            </a:ext>
+            <a:ext uri="{AF507438-7753-43E0-B8FC-AC1667EBCBE1}">
+              <a14:hiddenEffects xmlns:a14="http://schemas.microsoft.com/office/drawing/2010/main">
+                <a:effectLst>
+                  <a:outerShdw dist="35921" dir="2700000" algn="ctr" rotWithShape="0">
+                    <a:schemeClr val="bg2"/>
+                  </a:outerShdw>
+                </a:effectLst>
+              </a14:hiddenEffects>
+            </a:ext>
+          </a:extLst>
+        </p:spPr>
+      </p:pic>
     </p:spTree>
     <p:extLst>
       <p:ext uri="{BB962C8B-B14F-4D97-AF65-F5344CB8AC3E}">
-        <p14:creationId xmlns:p14="http://schemas.microsoft.com/office/powerpoint/2010/main" val="1014829095"/>
+        <p14:creationId xmlns:p14="http://schemas.microsoft.com/office/powerpoint/2010/main" val="416119028"/>
       </p:ext>
     </p:extLst>
   </p:cSld>
@@ -9564,7 +9761,7 @@
   <a:extraClrSchemeLst/>
   <a:extLst>
     <a:ext uri="{05A4C25C-085E-4340-85A3-A5531E510DB2}">
-      <thm15:themeFamily xmlns:thm15="http://schemas.microsoft.com/office/thememl/2012/main" xmlns="" name="Office Theme" id="{62F939B6-93AF-4DB8-9C6B-D6C7DFDC589F}" vid="{4A3C46E8-61CC-4603-A589-7422A47A8E4A}"/>
+      <thm15:themeFamily xmlns:thm15="http://schemas.microsoft.com/office/thememl/2012/main" name="Office Theme" id="{62F939B6-93AF-4DB8-9C6B-D6C7DFDC589F}" vid="{4A3C46E8-61CC-4603-A589-7422A47A8E4A}"/>
     </a:ext>
   </a:extLst>
 </a:theme>
